--- a/Präsentation/Präsentation.pptx
+++ b/Präsentation/Präsentation.pptx
@@ -1576,7 +1576,7 @@
     </p:spTree>
     <p:extLst>
       <p:ext uri="{BB962C8B-B14F-4D97-AF65-F5344CB8AC3E}">
-        <p14:creationId xmlns:p14="http://schemas.microsoft.com/office/powerpoint/2010/main" val="3642081854"/>
+        <p14:creationId xmlns:p14="http://schemas.microsoft.com/office/powerpoint/2010/main" val="1191724862"/>
       </p:ext>
     </p:extLst>
   </p:cSld>
@@ -1835,7 +1835,7 @@
     </p:spTree>
     <p:extLst>
       <p:ext uri="{BB962C8B-B14F-4D97-AF65-F5344CB8AC3E}">
-        <p14:creationId xmlns:p14="http://schemas.microsoft.com/office/powerpoint/2010/main" val="850304873"/>
+        <p14:creationId xmlns:p14="http://schemas.microsoft.com/office/powerpoint/2010/main" val="623981436"/>
       </p:ext>
     </p:extLst>
   </p:cSld>
@@ -2094,7 +2094,7 @@
     </p:spTree>
     <p:extLst>
       <p:ext uri="{BB962C8B-B14F-4D97-AF65-F5344CB8AC3E}">
-        <p14:creationId xmlns:p14="http://schemas.microsoft.com/office/powerpoint/2010/main" val="2576056474"/>
+        <p14:creationId xmlns:p14="http://schemas.microsoft.com/office/powerpoint/2010/main" val="1327369326"/>
       </p:ext>
     </p:extLst>
   </p:cSld>
@@ -2353,7 +2353,7 @@
     </p:spTree>
     <p:extLst>
       <p:ext uri="{BB962C8B-B14F-4D97-AF65-F5344CB8AC3E}">
-        <p14:creationId xmlns:p14="http://schemas.microsoft.com/office/powerpoint/2010/main" val="3384587470"/>
+        <p14:creationId xmlns:p14="http://schemas.microsoft.com/office/powerpoint/2010/main" val="2507203603"/>
       </p:ext>
     </p:extLst>
   </p:cSld>
@@ -2612,7 +2612,7 @@
     </p:spTree>
     <p:extLst>
       <p:ext uri="{BB962C8B-B14F-4D97-AF65-F5344CB8AC3E}">
-        <p14:creationId xmlns:p14="http://schemas.microsoft.com/office/powerpoint/2010/main" val="3935667036"/>
+        <p14:creationId xmlns:p14="http://schemas.microsoft.com/office/powerpoint/2010/main" val="2428554699"/>
       </p:ext>
     </p:extLst>
   </p:cSld>
@@ -2871,7 +2871,7 @@
     </p:spTree>
     <p:extLst>
       <p:ext uri="{BB962C8B-B14F-4D97-AF65-F5344CB8AC3E}">
-        <p14:creationId xmlns:p14="http://schemas.microsoft.com/office/powerpoint/2010/main" val="3497480060"/>
+        <p14:creationId xmlns:p14="http://schemas.microsoft.com/office/powerpoint/2010/main" val="1352790480"/>
       </p:ext>
     </p:extLst>
   </p:cSld>
@@ -6824,7 +6824,7 @@
         <p:spPr>
           <a:xfrm>
             <a:off x="600709" y="1198563"/>
-            <a:ext cx="7939408" cy="4745037"/>
+            <a:ext cx="7939408" cy="4745036"/>
           </a:xfrm>
         </p:spPr>
       </p:pic>
@@ -7386,7 +7386,7 @@
     </p:spTree>
     <p:extLst>
       <p:ext uri="{BB962C8B-B14F-4D97-AF65-F5344CB8AC3E}">
-        <p14:creationId xmlns:p14="http://schemas.microsoft.com/office/powerpoint/2010/main" val="2124750685"/>
+        <p14:creationId xmlns:p14="http://schemas.microsoft.com/office/powerpoint/2010/main" val="3074888847"/>
       </p:ext>
     </p:extLst>
   </p:cSld>
@@ -8030,7 +8030,7 @@
     </p:spTree>
     <p:extLst>
       <p:ext uri="{BB962C8B-B14F-4D97-AF65-F5344CB8AC3E}">
-        <p14:creationId xmlns:p14="http://schemas.microsoft.com/office/powerpoint/2010/main" val="545617844"/>
+        <p14:creationId xmlns:p14="http://schemas.microsoft.com/office/powerpoint/2010/main" val="3141653167"/>
       </p:ext>
     </p:extLst>
   </p:cSld>
@@ -8082,750 +8082,6 @@
             <a:r>
               <a:rPr lang="de-DE" dirty="0" smtClean="0"/>
               <a:t>Datenerfassung</a:t>
-            </a:r>
-            <a:endParaRPr lang="de-DE" dirty="0"/>
-          </a:p>
-        </p:txBody>
-      </p:sp>
-      <p:sp>
-        <p:nvSpPr>
-          <p:cNvPr id="4" name="Fußzeilenplatzhalter 3"/>
-          <p:cNvSpPr>
-            <a:spLocks noGrp="1"/>
-          </p:cNvSpPr>
-          <p:nvPr>
-            <p:ph type="ftr" sz="quarter" idx="4294967295"/>
-          </p:nvPr>
-        </p:nvSpPr>
-        <p:spPr>
-          <a:xfrm>
-            <a:off x="1288027" y="6445250"/>
-            <a:ext cx="4542502" cy="360363"/>
-          </a:xfrm>
-        </p:spPr>
-        <p:txBody>
-          <a:bodyPr/>
-          <a:lstStyle/>
-          <a:p>
-            <a:r>
-              <a:rPr lang="de-DE" dirty="0" err="1"/>
-              <a:t>Advanced</a:t>
-            </a:r>
-            <a:r>
-              <a:rPr lang="de-DE" dirty="0"/>
-              <a:t> ROS Network </a:t>
-            </a:r>
-            <a:r>
-              <a:rPr lang="de-DE" dirty="0" err="1"/>
-              <a:t>Introspection</a:t>
-            </a:r>
-            <a:endParaRPr lang="de-DE" dirty="0"/>
-          </a:p>
-        </p:txBody>
-      </p:sp>
-      <p:grpSp>
-        <p:nvGrpSpPr>
-          <p:cNvPr id="18" name="Gruppieren 21"/>
-          <p:cNvGrpSpPr/>
-          <p:nvPr/>
-        </p:nvGrpSpPr>
-        <p:grpSpPr>
-          <a:xfrm>
-            <a:off x="25400" y="5986694"/>
-            <a:ext cx="9072000" cy="322630"/>
-            <a:chOff x="25400" y="5986694"/>
-            <a:chExt cx="9072000" cy="322630"/>
-          </a:xfrm>
-        </p:grpSpPr>
-        <p:sp>
-          <p:nvSpPr>
-            <p:cNvPr id="19" name="Textfeld 13"/>
-            <p:cNvSpPr txBox="1"/>
-            <p:nvPr/>
-          </p:nvSpPr>
-          <p:spPr>
-            <a:xfrm>
-              <a:off x="1745265" y="6032322"/>
-              <a:ext cx="1340432" cy="276999"/>
-            </a:xfrm>
-            <a:prstGeom prst="rect">
-              <a:avLst/>
-            </a:prstGeom>
-          </p:spPr>
-          <p:style>
-            <a:lnRef idx="2">
-              <a:schemeClr val="accent3"/>
-            </a:lnRef>
-            <a:fillRef idx="1">
-              <a:schemeClr val="lt1"/>
-            </a:fillRef>
-            <a:effectRef idx="0">
-              <a:schemeClr val="accent3"/>
-            </a:effectRef>
-            <a:fontRef idx="minor">
-              <a:schemeClr val="dk1"/>
-            </a:fontRef>
-          </p:style>
-          <p:txBody>
-            <a:bodyPr wrap="none" rtlCol="0">
-              <a:spAutoFit/>
-            </a:bodyPr>
-            <a:lstStyle/>
-            <a:p>
-              <a:r>
-                <a:rPr lang="en-US" sz="1200" b="1" dirty="0" err="1" smtClean="0"/>
-                <a:t>Funktionsweise</a:t>
-              </a:r>
-              <a:endParaRPr lang="en-US" sz="1200" b="1" dirty="0" smtClean="0"/>
-            </a:p>
-          </p:txBody>
-        </p:sp>
-        <p:sp>
-          <p:nvSpPr>
-            <p:cNvPr id="20" name="Textfeld 14"/>
-            <p:cNvSpPr txBox="1"/>
-            <p:nvPr/>
-          </p:nvSpPr>
-          <p:spPr>
-            <a:xfrm>
-              <a:off x="6573970" y="6032325"/>
-              <a:ext cx="893193" cy="276999"/>
-            </a:xfrm>
-            <a:prstGeom prst="rect">
-              <a:avLst/>
-            </a:prstGeom>
-          </p:spPr>
-          <p:style>
-            <a:lnRef idx="2">
-              <a:schemeClr val="accent3"/>
-            </a:lnRef>
-            <a:fillRef idx="1">
-              <a:schemeClr val="lt1"/>
-            </a:fillRef>
-            <a:effectRef idx="0">
-              <a:schemeClr val="accent3"/>
-            </a:effectRef>
-            <a:fontRef idx="minor">
-              <a:schemeClr val="dk1"/>
-            </a:fontRef>
-          </p:style>
-          <p:txBody>
-            <a:bodyPr wrap="none" rtlCol="0">
-              <a:spAutoFit/>
-            </a:bodyPr>
-            <a:lstStyle/>
-            <a:p>
-              <a:r>
-                <a:rPr lang="en-US" sz="1200" dirty="0" err="1" smtClean="0"/>
-                <a:t>Statistiken</a:t>
-              </a:r>
-              <a:endParaRPr lang="en-US" sz="1200" dirty="0" smtClean="0"/>
-            </a:p>
-          </p:txBody>
-        </p:sp>
-        <p:sp>
-          <p:nvSpPr>
-            <p:cNvPr id="21" name="Textfeld 20"/>
-            <p:cNvSpPr txBox="1"/>
-            <p:nvPr/>
-          </p:nvSpPr>
-          <p:spPr>
-            <a:xfrm>
-              <a:off x="3596352" y="6032323"/>
-              <a:ext cx="917239" cy="276999"/>
-            </a:xfrm>
-            <a:prstGeom prst="rect">
-              <a:avLst/>
-            </a:prstGeom>
-          </p:spPr>
-          <p:style>
-            <a:lnRef idx="2">
-              <a:schemeClr val="accent3"/>
-            </a:lnRef>
-            <a:fillRef idx="1">
-              <a:schemeClr val="lt1"/>
-            </a:fillRef>
-            <a:effectRef idx="0">
-              <a:schemeClr val="accent3"/>
-            </a:effectRef>
-            <a:fontRef idx="minor">
-              <a:schemeClr val="dk1"/>
-            </a:fontRef>
-          </p:style>
-          <p:txBody>
-            <a:bodyPr wrap="none" rtlCol="0">
-              <a:spAutoFit/>
-            </a:bodyPr>
-            <a:lstStyle/>
-            <a:p>
-              <a:r>
-                <a:rPr lang="en-US" sz="1200" dirty="0" smtClean="0"/>
-                <a:t>Live Demo</a:t>
-              </a:r>
-            </a:p>
-          </p:txBody>
-        </p:sp>
-        <p:sp>
-          <p:nvSpPr>
-            <p:cNvPr id="22" name="Textfeld 21"/>
-            <p:cNvSpPr txBox="1"/>
-            <p:nvPr/>
-          </p:nvSpPr>
-          <p:spPr>
-            <a:xfrm>
-              <a:off x="8077200" y="6031376"/>
-              <a:ext cx="518091" cy="276999"/>
-            </a:xfrm>
-            <a:prstGeom prst="rect">
-              <a:avLst/>
-            </a:prstGeom>
-            <a:ln/>
-          </p:spPr>
-          <p:style>
-            <a:lnRef idx="2">
-              <a:schemeClr val="accent3"/>
-            </a:lnRef>
-            <a:fillRef idx="1">
-              <a:schemeClr val="lt1"/>
-            </a:fillRef>
-            <a:effectRef idx="0">
-              <a:schemeClr val="accent3"/>
-            </a:effectRef>
-            <a:fontRef idx="minor">
-              <a:schemeClr val="dk1"/>
-            </a:fontRef>
-          </p:style>
-          <p:txBody>
-            <a:bodyPr wrap="none" rtlCol="0">
-              <a:spAutoFit/>
-            </a:bodyPr>
-            <a:lstStyle/>
-            <a:p>
-              <a:r>
-                <a:rPr lang="en-US" sz="1200" dirty="0" err="1" smtClean="0"/>
-                <a:t>Fazit</a:t>
-              </a:r>
-              <a:endParaRPr lang="en-US" sz="1200" dirty="0" smtClean="0"/>
-            </a:p>
-          </p:txBody>
-        </p:sp>
-        <p:sp>
-          <p:nvSpPr>
-            <p:cNvPr id="23" name="Textfeld 22"/>
-            <p:cNvSpPr txBox="1"/>
-            <p:nvPr/>
-          </p:nvSpPr>
-          <p:spPr>
-            <a:xfrm>
-              <a:off x="179512" y="6032321"/>
-              <a:ext cx="883575" cy="276999"/>
-            </a:xfrm>
-            <a:prstGeom prst="rect">
-              <a:avLst/>
-            </a:prstGeom>
-          </p:spPr>
-          <p:style>
-            <a:lnRef idx="2">
-              <a:schemeClr val="accent3"/>
-            </a:lnRef>
-            <a:fillRef idx="1">
-              <a:schemeClr val="lt1"/>
-            </a:fillRef>
-            <a:effectRef idx="0">
-              <a:schemeClr val="accent3"/>
-            </a:effectRef>
-            <a:fontRef idx="minor">
-              <a:schemeClr val="dk1"/>
-            </a:fontRef>
-          </p:style>
-          <p:txBody>
-            <a:bodyPr wrap="none" rtlCol="0">
-              <a:spAutoFit/>
-            </a:bodyPr>
-            <a:lstStyle/>
-            <a:p>
-              <a:r>
-                <a:rPr lang="en-US" sz="1200" dirty="0" smtClean="0"/>
-                <a:t>Motivation</a:t>
-              </a:r>
-            </a:p>
-          </p:txBody>
-        </p:sp>
-        <p:sp>
-          <p:nvSpPr>
-            <p:cNvPr id="24" name="Eingekerbter Richtungspfeil 23"/>
-            <p:cNvSpPr/>
-            <p:nvPr/>
-          </p:nvSpPr>
-          <p:spPr>
-            <a:xfrm>
-              <a:off x="1360996" y="6091573"/>
-              <a:ext cx="158496" cy="158496"/>
-            </a:xfrm>
-            <a:prstGeom prst="chevron">
-              <a:avLst/>
-            </a:prstGeom>
-          </p:spPr>
-          <p:style>
-            <a:lnRef idx="1">
-              <a:schemeClr val="accent4"/>
-            </a:lnRef>
-            <a:fillRef idx="2">
-              <a:schemeClr val="accent4"/>
-            </a:fillRef>
-            <a:effectRef idx="1">
-              <a:schemeClr val="accent4"/>
-            </a:effectRef>
-            <a:fontRef idx="minor">
-              <a:schemeClr val="dk1"/>
-            </a:fontRef>
-          </p:style>
-          <p:txBody>
-            <a:bodyPr rtlCol="0" anchor="ctr"/>
-            <a:lstStyle/>
-            <a:p>
-              <a:pPr algn="ctr"/>
-              <a:endParaRPr lang="de-DE">
-                <a:solidFill>
-                  <a:schemeClr val="tx1"/>
-                </a:solidFill>
-              </a:endParaRPr>
-            </a:p>
-          </p:txBody>
-        </p:sp>
-        <p:sp>
-          <p:nvSpPr>
-            <p:cNvPr id="25" name="Eingekerbter Richtungspfeil 24"/>
-            <p:cNvSpPr/>
-            <p:nvPr/>
-          </p:nvSpPr>
-          <p:spPr>
-            <a:xfrm>
-              <a:off x="3212083" y="6091574"/>
-              <a:ext cx="158496" cy="158496"/>
-            </a:xfrm>
-            <a:prstGeom prst="chevron">
-              <a:avLst/>
-            </a:prstGeom>
-          </p:spPr>
-          <p:style>
-            <a:lnRef idx="1">
-              <a:schemeClr val="accent4"/>
-            </a:lnRef>
-            <a:fillRef idx="2">
-              <a:schemeClr val="accent4"/>
-            </a:fillRef>
-            <a:effectRef idx="1">
-              <a:schemeClr val="accent4"/>
-            </a:effectRef>
-            <a:fontRef idx="minor">
-              <a:schemeClr val="dk1"/>
-            </a:fontRef>
-          </p:style>
-          <p:txBody>
-            <a:bodyPr rtlCol="0" anchor="ctr"/>
-            <a:lstStyle/>
-            <a:p>
-              <a:pPr algn="ctr"/>
-              <a:endParaRPr lang="de-DE">
-                <a:solidFill>
-                  <a:schemeClr val="tx1"/>
-                </a:solidFill>
-              </a:endParaRPr>
-            </a:p>
-          </p:txBody>
-        </p:sp>
-        <p:sp>
-          <p:nvSpPr>
-            <p:cNvPr id="26" name="Eingekerbter Richtungspfeil 25"/>
-            <p:cNvSpPr/>
-            <p:nvPr/>
-          </p:nvSpPr>
-          <p:spPr>
-            <a:xfrm>
-              <a:off x="4739364" y="6091575"/>
-              <a:ext cx="158496" cy="158496"/>
-            </a:xfrm>
-            <a:prstGeom prst="chevron">
-              <a:avLst/>
-            </a:prstGeom>
-          </p:spPr>
-          <p:style>
-            <a:lnRef idx="1">
-              <a:schemeClr val="accent4"/>
-            </a:lnRef>
-            <a:fillRef idx="2">
-              <a:schemeClr val="accent4"/>
-            </a:fillRef>
-            <a:effectRef idx="1">
-              <a:schemeClr val="accent4"/>
-            </a:effectRef>
-            <a:fontRef idx="minor">
-              <a:schemeClr val="dk1"/>
-            </a:fontRef>
-          </p:style>
-          <p:txBody>
-            <a:bodyPr rtlCol="0" anchor="ctr"/>
-            <a:lstStyle/>
-            <a:p>
-              <a:pPr algn="ctr"/>
-              <a:endParaRPr lang="de-DE">
-                <a:solidFill>
-                  <a:schemeClr val="tx1"/>
-                </a:solidFill>
-              </a:endParaRPr>
-            </a:p>
-          </p:txBody>
-        </p:sp>
-        <p:sp>
-          <p:nvSpPr>
-            <p:cNvPr id="27" name="Textfeld 26"/>
-            <p:cNvSpPr txBox="1"/>
-            <p:nvPr/>
-          </p:nvSpPr>
-          <p:spPr>
-            <a:xfrm>
-              <a:off x="5123633" y="6032324"/>
-              <a:ext cx="840295" cy="276999"/>
-            </a:xfrm>
-            <a:prstGeom prst="rect">
-              <a:avLst/>
-            </a:prstGeom>
-          </p:spPr>
-          <p:style>
-            <a:lnRef idx="2">
-              <a:schemeClr val="accent3"/>
-            </a:lnRef>
-            <a:fillRef idx="1">
-              <a:schemeClr val="lt1"/>
-            </a:fillRef>
-            <a:effectRef idx="0">
-              <a:schemeClr val="accent3"/>
-            </a:effectRef>
-            <a:fontRef idx="minor">
-              <a:schemeClr val="dk1"/>
-            </a:fontRef>
-          </p:style>
-          <p:txBody>
-            <a:bodyPr wrap="none" rtlCol="0">
-              <a:spAutoFit/>
-            </a:bodyPr>
-            <a:lstStyle/>
-            <a:p>
-              <a:r>
-                <a:rPr lang="en-US" sz="1200" dirty="0" err="1" smtClean="0"/>
-                <a:t>Probleme</a:t>
-              </a:r>
-              <a:endParaRPr lang="en-US" sz="1200" dirty="0" smtClean="0"/>
-            </a:p>
-          </p:txBody>
-        </p:sp>
-        <p:sp>
-          <p:nvSpPr>
-            <p:cNvPr id="28" name="Eingekerbter Richtungspfeil 27"/>
-            <p:cNvSpPr/>
-            <p:nvPr/>
-          </p:nvSpPr>
-          <p:spPr>
-            <a:xfrm>
-              <a:off x="7692936" y="6091577"/>
-              <a:ext cx="158496" cy="158496"/>
-            </a:xfrm>
-            <a:prstGeom prst="chevron">
-              <a:avLst/>
-            </a:prstGeom>
-          </p:spPr>
-          <p:style>
-            <a:lnRef idx="1">
-              <a:schemeClr val="accent4"/>
-            </a:lnRef>
-            <a:fillRef idx="2">
-              <a:schemeClr val="accent4"/>
-            </a:fillRef>
-            <a:effectRef idx="1">
-              <a:schemeClr val="accent4"/>
-            </a:effectRef>
-            <a:fontRef idx="minor">
-              <a:schemeClr val="dk1"/>
-            </a:fontRef>
-          </p:style>
-          <p:txBody>
-            <a:bodyPr rtlCol="0" anchor="ctr"/>
-            <a:lstStyle/>
-            <a:p>
-              <a:pPr algn="ctr"/>
-              <a:endParaRPr lang="de-DE">
-                <a:solidFill>
-                  <a:schemeClr val="tx1"/>
-                </a:solidFill>
-              </a:endParaRPr>
-            </a:p>
-          </p:txBody>
-        </p:sp>
-        <p:cxnSp>
-          <p:nvCxnSpPr>
-            <p:cNvPr id="29" name="Gerade Verbindung 28"/>
-            <p:cNvCxnSpPr/>
-            <p:nvPr/>
-          </p:nvCxnSpPr>
-          <p:spPr>
-            <a:xfrm>
-              <a:off x="25400" y="5986694"/>
-              <a:ext cx="9072000" cy="1588"/>
-            </a:xfrm>
-            <a:prstGeom prst="line">
-              <a:avLst/>
-            </a:prstGeom>
-            <a:ln w="41275">
-              <a:solidFill>
-                <a:schemeClr val="accent3">
-                  <a:lumMod val="85000"/>
-                </a:schemeClr>
-              </a:solidFill>
-            </a:ln>
-          </p:spPr>
-          <p:style>
-            <a:lnRef idx="1">
-              <a:schemeClr val="accent1"/>
-            </a:lnRef>
-            <a:fillRef idx="0">
-              <a:schemeClr val="accent1"/>
-            </a:fillRef>
-            <a:effectRef idx="0">
-              <a:schemeClr val="accent1"/>
-            </a:effectRef>
-            <a:fontRef idx="minor">
-              <a:schemeClr val="tx1"/>
-            </a:fontRef>
-          </p:style>
-        </p:cxnSp>
-        <p:sp>
-          <p:nvSpPr>
-            <p:cNvPr id="30" name="Eingekerbter Richtungspfeil 29"/>
-            <p:cNvSpPr/>
-            <p:nvPr/>
-          </p:nvSpPr>
-          <p:spPr>
-            <a:xfrm>
-              <a:off x="6189701" y="6091576"/>
-              <a:ext cx="158496" cy="158496"/>
-            </a:xfrm>
-            <a:prstGeom prst="chevron">
-              <a:avLst/>
-            </a:prstGeom>
-          </p:spPr>
-          <p:style>
-            <a:lnRef idx="1">
-              <a:schemeClr val="accent4"/>
-            </a:lnRef>
-            <a:fillRef idx="2">
-              <a:schemeClr val="accent4"/>
-            </a:fillRef>
-            <a:effectRef idx="1">
-              <a:schemeClr val="accent4"/>
-            </a:effectRef>
-            <a:fontRef idx="minor">
-              <a:schemeClr val="dk1"/>
-            </a:fontRef>
-          </p:style>
-          <p:txBody>
-            <a:bodyPr rtlCol="0" anchor="ctr"/>
-            <a:lstStyle/>
-            <a:p>
-              <a:pPr algn="ctr"/>
-              <a:endParaRPr lang="de-DE">
-                <a:solidFill>
-                  <a:schemeClr val="tx1"/>
-                </a:solidFill>
-              </a:endParaRPr>
-            </a:p>
-          </p:txBody>
-        </p:sp>
-      </p:grpSp>
-      <p:pic>
-        <p:nvPicPr>
-          <p:cNvPr id="6" name="Grafik 5"/>
-          <p:cNvPicPr>
-            <a:picLocks noChangeAspect="1"/>
-          </p:cNvPicPr>
-          <p:nvPr/>
-        </p:nvPicPr>
-        <p:blipFill>
-          <a:blip r:embed="rId3" cstate="print">
-            <a:extLst>
-              <a:ext uri="{28A0092B-C50C-407E-A947-70E740481C1C}">
-                <a14:useLocalDpi xmlns:a14="http://schemas.microsoft.com/office/drawing/2010/main" val="0"/>
-              </a:ext>
-            </a:extLst>
-          </a:blip>
-          <a:stretch>
-            <a:fillRect/>
-          </a:stretch>
-        </p:blipFill>
-        <p:spPr>
-          <a:xfrm>
-            <a:off x="5791200" y="4060399"/>
-            <a:ext cx="3169520" cy="1894284"/>
-          </a:xfrm>
-          <a:prstGeom prst="rect">
-            <a:avLst/>
-          </a:prstGeom>
-        </p:spPr>
-      </p:pic>
-      <p:sp>
-        <p:nvSpPr>
-          <p:cNvPr id="3" name="Inhaltsplatzhalter 2"/>
-          <p:cNvSpPr>
-            <a:spLocks noGrp="1"/>
-          </p:cNvSpPr>
-          <p:nvPr>
-            <p:ph idx="1"/>
-          </p:nvPr>
-        </p:nvSpPr>
-        <p:spPr/>
-        <p:txBody>
-          <a:bodyPr/>
-          <a:lstStyle/>
-          <a:p>
-            <a:r>
-              <a:rPr lang="de-DE" dirty="0" smtClean="0"/>
-              <a:t>Erweiterung der </a:t>
-            </a:r>
-            <a:r>
-              <a:rPr lang="de-DE" dirty="0" err="1" smtClean="0"/>
-              <a:t>Publish</a:t>
-            </a:r>
-            <a:r>
-              <a:rPr lang="de-DE" dirty="0" smtClean="0"/>
-              <a:t>/</a:t>
-            </a:r>
-            <a:r>
-              <a:rPr lang="de-DE" dirty="0" err="1" smtClean="0"/>
-              <a:t>Subscribe</a:t>
-            </a:r>
-            <a:r>
-              <a:rPr lang="de-DE" dirty="0" smtClean="0"/>
-              <a:t>-Funktionalität:</a:t>
-            </a:r>
-            <a:br>
-              <a:rPr lang="de-DE" dirty="0" smtClean="0"/>
-            </a:br>
-            <a:r>
-              <a:rPr lang="de-DE" dirty="0" smtClean="0"/>
-              <a:t>Statistiken zum Sendeverhalten erheben</a:t>
-            </a:r>
-          </a:p>
-          <a:p>
-            <a:pPr lvl="1"/>
-            <a:r>
-              <a:rPr lang="de-DE" dirty="0" smtClean="0"/>
-              <a:t>Nachrichtengröße</a:t>
-            </a:r>
-          </a:p>
-          <a:p>
-            <a:pPr lvl="1"/>
-            <a:r>
-              <a:rPr lang="de-DE" dirty="0" smtClean="0"/>
-              <a:t>Sendezeit, Sendeverzögerung</a:t>
-            </a:r>
-          </a:p>
-          <a:p>
-            <a:r>
-              <a:rPr lang="de-DE" dirty="0" smtClean="0"/>
-              <a:t>Neuer Knoten für Systemstatistiken</a:t>
-            </a:r>
-          </a:p>
-          <a:p>
-            <a:pPr lvl="1"/>
-            <a:r>
-              <a:rPr lang="de-DE" dirty="0" smtClean="0"/>
-              <a:t>Läuft auf jedem Host</a:t>
-            </a:r>
-          </a:p>
-          <a:p>
-            <a:pPr lvl="1"/>
-            <a:r>
-              <a:rPr lang="de-DE" dirty="0" smtClean="0"/>
-              <a:t>Ressourcenverbrauch durch einzelne</a:t>
-            </a:r>
-            <a:br>
-              <a:rPr lang="de-DE" dirty="0" smtClean="0"/>
-            </a:br>
-            <a:r>
-              <a:rPr lang="de-DE" dirty="0" smtClean="0"/>
-              <a:t> Nodes</a:t>
-            </a:r>
-          </a:p>
-          <a:p>
-            <a:pPr lvl="1"/>
-            <a:r>
-              <a:rPr lang="de-DE" dirty="0" smtClean="0"/>
-              <a:t>Hardwareauslastung des Systems</a:t>
-            </a:r>
-          </a:p>
-          <a:p>
-            <a:pPr marL="0" indent="0">
-              <a:buNone/>
-            </a:pPr>
-            <a:endParaRPr lang="de-DE" dirty="0"/>
-          </a:p>
-        </p:txBody>
-      </p:sp>
-    </p:spTree>
-    <p:extLst>
-      <p:ext uri="{BB962C8B-B14F-4D97-AF65-F5344CB8AC3E}">
-        <p14:creationId xmlns:p14="http://schemas.microsoft.com/office/powerpoint/2010/main" val="2304641359"/>
-      </p:ext>
-    </p:extLst>
-  </p:cSld>
-  <p:clrMapOvr>
-    <a:masterClrMapping/>
-  </p:clrMapOvr>
-  <p:timing>
-    <p:tnLst>
-      <p:par>
-        <p:cTn id="1" dur="indefinite" restart="never" nodeType="tmRoot"/>
-      </p:par>
-    </p:tnLst>
-  </p:timing>
-</p:sld>
-</file>
-
-<file path=ppt/slides/slide6.xml><?xml version="1.0" encoding="utf-8"?>
-<p:sld xmlns:a="http://schemas.openxmlformats.org/drawingml/2006/main" xmlns:r="http://schemas.openxmlformats.org/officeDocument/2006/relationships" xmlns:p="http://schemas.openxmlformats.org/presentationml/2006/main">
-  <p:cSld>
-    <p:spTree>
-      <p:nvGrpSpPr>
-        <p:cNvPr id="1" name=""/>
-        <p:cNvGrpSpPr/>
-        <p:nvPr/>
-      </p:nvGrpSpPr>
-      <p:grpSpPr>
-        <a:xfrm>
-          <a:off x="0" y="0"/>
-          <a:ext cx="0" cy="0"/>
-          <a:chOff x="0" y="0"/>
-          <a:chExt cx="0" cy="0"/>
-        </a:xfrm>
-      </p:grpSpPr>
-      <p:sp>
-        <p:nvSpPr>
-          <p:cNvPr id="2" name="Titel 1"/>
-          <p:cNvSpPr>
-            <a:spLocks noGrp="1"/>
-          </p:cNvSpPr>
-          <p:nvPr>
-            <p:ph type="title"/>
-          </p:nvPr>
-        </p:nvSpPr>
-        <p:spPr/>
-        <p:txBody>
-          <a:bodyPr/>
-          <a:lstStyle/>
-          <a:p>
-            <a:r>
-              <a:rPr lang="de-DE" dirty="0" smtClean="0"/>
-              <a:t>Datenverarbeitung</a:t>
             </a:r>
             <a:endParaRPr lang="de-DE" dirty="0"/>
           </a:p>
@@ -9433,45 +8689,92 @@
           <a:p>
             <a:r>
               <a:rPr lang="de-DE" dirty="0" smtClean="0"/>
-              <a:t>Laden von Spezifikationen auf den Parameterserver</a:t>
-            </a:r>
-          </a:p>
-          <a:p>
+              <a:t>Erweiterung der </a:t>
+            </a:r>
+            <a:r>
+              <a:rPr lang="de-DE" dirty="0" err="1" smtClean="0"/>
+              <a:t>Publish</a:t>
+            </a:r>
             <a:r>
               <a:rPr lang="de-DE" dirty="0" smtClean="0"/>
-              <a:t>Aggregierung von eingehenden Daten</a:t>
-            </a:r>
-          </a:p>
-          <a:p>
+              <a:t>/</a:t>
+            </a:r>
+            <a:r>
+              <a:rPr lang="de-DE" dirty="0" err="1" smtClean="0"/>
+              <a:t>Subscribe</a:t>
+            </a:r>
             <a:r>
               <a:rPr lang="de-DE" dirty="0" smtClean="0"/>
-              <a:t>Bewertung anhand der Spezifikationen</a:t>
+              <a:t>-Funktionalität:</a:t>
+            </a:r>
+            <a:br>
+              <a:rPr lang="de-DE" dirty="0" smtClean="0"/>
+            </a:br>
+            <a:r>
+              <a:rPr lang="de-DE" dirty="0" smtClean="0"/>
+              <a:t>Statistiken zum Sendeverhalten erheben</a:t>
             </a:r>
           </a:p>
           <a:p>
             <a:pPr lvl="1"/>
             <a:r>
               <a:rPr lang="de-DE" dirty="0" smtClean="0"/>
-              <a:t>Low, High, Ok, </a:t>
-            </a:r>
-            <a:r>
-              <a:rPr lang="de-DE" dirty="0" err="1" smtClean="0"/>
-              <a:t>Unknown</a:t>
-            </a:r>
-            <a:endParaRPr lang="de-DE" dirty="0" smtClean="0"/>
-          </a:p>
-          <a:p>
+              <a:t>Nachrichtengröße</a:t>
+            </a:r>
+          </a:p>
+          <a:p>
+            <a:pPr lvl="1"/>
             <a:r>
               <a:rPr lang="de-DE" dirty="0" smtClean="0"/>
-              <a:t>Publizieren auf ein Topic</a:t>
-            </a:r>
+              <a:t>Sendezeit, Sendeverzögerung</a:t>
+            </a:r>
+          </a:p>
+          <a:p>
+            <a:r>
+              <a:rPr lang="de-DE" dirty="0" smtClean="0"/>
+              <a:t>Neuer Knoten für Systemstatistiken</a:t>
+            </a:r>
+          </a:p>
+          <a:p>
+            <a:pPr lvl="1"/>
+            <a:r>
+              <a:rPr lang="de-DE" dirty="0" smtClean="0"/>
+              <a:t>Läuft auf jedem Host</a:t>
+            </a:r>
+          </a:p>
+          <a:p>
+            <a:pPr lvl="1"/>
+            <a:r>
+              <a:rPr lang="de-DE" dirty="0" smtClean="0"/>
+              <a:t>Ressourcenverbrauch durch einzelne</a:t>
+            </a:r>
+            <a:br>
+              <a:rPr lang="de-DE" dirty="0" smtClean="0"/>
+            </a:br>
+            <a:r>
+              <a:rPr lang="de-DE" dirty="0" smtClean="0"/>
+              <a:t> Nodes</a:t>
+            </a:r>
+          </a:p>
+          <a:p>
+            <a:pPr lvl="1"/>
+            <a:r>
+              <a:rPr lang="de-DE" dirty="0" smtClean="0"/>
+              <a:t>Hardwareauslastung des Systems</a:t>
+            </a:r>
+          </a:p>
+          <a:p>
+            <a:pPr marL="0" indent="0">
+              <a:buNone/>
+            </a:pPr>
+            <a:endParaRPr lang="de-DE" dirty="0"/>
           </a:p>
         </p:txBody>
       </p:sp>
     </p:spTree>
     <p:extLst>
       <p:ext uri="{BB962C8B-B14F-4D97-AF65-F5344CB8AC3E}">
-        <p14:creationId xmlns:p14="http://schemas.microsoft.com/office/powerpoint/2010/main" val="702543118"/>
+        <p14:creationId xmlns:p14="http://schemas.microsoft.com/office/powerpoint/2010/main" val="2590189032"/>
       </p:ext>
     </p:extLst>
   </p:cSld>
@@ -9488,7 +8791,7 @@
 </p:sld>
 </file>
 
-<file path=ppt/slides/slide7.xml><?xml version="1.0" encoding="utf-8"?>
+<file path=ppt/slides/slide6.xml><?xml version="1.0" encoding="utf-8"?>
 <p:sld xmlns:a="http://schemas.openxmlformats.org/drawingml/2006/main" xmlns:r="http://schemas.openxmlformats.org/officeDocument/2006/relationships" xmlns:p="http://schemas.openxmlformats.org/presentationml/2006/main">
   <p:cSld>
     <p:spTree>
@@ -9522,7 +8825,7 @@
           <a:p>
             <a:r>
               <a:rPr lang="de-DE" dirty="0" smtClean="0"/>
-              <a:t>Gegenmaßnahmen</a:t>
+              <a:t>Datenverarbeitung</a:t>
             </a:r>
             <a:endParaRPr lang="de-DE" dirty="0"/>
           </a:p>
@@ -10130,52 +9433,37 @@
           <a:p>
             <a:r>
               <a:rPr lang="de-DE" dirty="0" smtClean="0"/>
-              <a:t>Laden von „</a:t>
+              <a:t>Laden von Spezifikationen auf den Parameterserver</a:t>
+            </a:r>
+          </a:p>
+          <a:p>
+            <a:r>
+              <a:rPr lang="de-DE" dirty="0" smtClean="0"/>
+              <a:t>Aggregierung von eingehenden Daten</a:t>
+            </a:r>
+          </a:p>
+          <a:p>
+            <a:r>
+              <a:rPr lang="de-DE" dirty="0" smtClean="0"/>
+              <a:t>Bewertung anhand der Spezifikationen</a:t>
+            </a:r>
+          </a:p>
+          <a:p>
+            <a:pPr lvl="1"/>
+            <a:r>
+              <a:rPr lang="de-DE" dirty="0" smtClean="0"/>
+              <a:t>Low, High, Ok, </a:t>
             </a:r>
             <a:r>
               <a:rPr lang="de-DE" dirty="0" err="1" smtClean="0"/>
-              <a:t>Constraints</a:t>
-            </a:r>
+              <a:t>Unknown</a:t>
+            </a:r>
+            <a:endParaRPr lang="de-DE" dirty="0" smtClean="0"/>
+          </a:p>
+          <a:p>
             <a:r>
               <a:rPr lang="de-DE" dirty="0" smtClean="0"/>
-              <a:t>“</a:t>
-            </a:r>
-          </a:p>
-          <a:p>
-            <a:r>
-              <a:rPr lang="de-DE" dirty="0" smtClean="0"/>
-              <a:t>Logische Verknüpfungen von Bedingungen</a:t>
-            </a:r>
-          </a:p>
-          <a:p>
-            <a:r>
-              <a:rPr lang="de-DE" dirty="0" smtClean="0"/>
-              <a:t>Ausführen von Gegenmaßnahmen</a:t>
-            </a:r>
-          </a:p>
-          <a:p>
-            <a:pPr lvl="1"/>
-            <a:r>
-              <a:rPr lang="de-DE" dirty="0" err="1" smtClean="0"/>
-              <a:t>Debug</a:t>
-            </a:r>
-            <a:r>
-              <a:rPr lang="de-DE" dirty="0" smtClean="0"/>
-              <a:t>-Ausgaben</a:t>
-            </a:r>
-          </a:p>
-          <a:p>
-            <a:pPr lvl="1"/>
-            <a:r>
-              <a:rPr lang="de-DE" dirty="0" smtClean="0"/>
-              <a:t>Neustarten von Knoten</a:t>
-            </a:r>
-          </a:p>
-          <a:p>
-            <a:pPr lvl="1"/>
-            <a:r>
-              <a:rPr lang="de-DE" dirty="0" smtClean="0"/>
-              <a:t>Ausführen von Befehlen</a:t>
+              <a:t>Publizieren auf ein Topic</a:t>
             </a:r>
           </a:p>
         </p:txBody>
@@ -10183,7 +9471,719 @@
     </p:spTree>
     <p:extLst>
       <p:ext uri="{BB962C8B-B14F-4D97-AF65-F5344CB8AC3E}">
-        <p14:creationId xmlns:p14="http://schemas.microsoft.com/office/powerpoint/2010/main" val="3338898683"/>
+        <p14:creationId xmlns:p14="http://schemas.microsoft.com/office/powerpoint/2010/main" val="731253528"/>
+      </p:ext>
+    </p:extLst>
+  </p:cSld>
+  <p:clrMapOvr>
+    <a:masterClrMapping/>
+  </p:clrMapOvr>
+  <p:timing>
+    <p:tnLst>
+      <p:par>
+        <p:cTn id="1" dur="indefinite" restart="never" nodeType="tmRoot"/>
+      </p:par>
+    </p:tnLst>
+  </p:timing>
+</p:sld>
+</file>
+
+<file path=ppt/slides/slide7.xml><?xml version="1.0" encoding="utf-8"?>
+<p:sld xmlns:a="http://schemas.openxmlformats.org/drawingml/2006/main" xmlns:r="http://schemas.openxmlformats.org/officeDocument/2006/relationships" xmlns:p="http://schemas.openxmlformats.org/presentationml/2006/main">
+  <p:cSld>
+    <p:spTree>
+      <p:nvGrpSpPr>
+        <p:cNvPr id="1" name=""/>
+        <p:cNvGrpSpPr/>
+        <p:nvPr/>
+      </p:nvGrpSpPr>
+      <p:grpSpPr>
+        <a:xfrm>
+          <a:off x="0" y="0"/>
+          <a:ext cx="0" cy="0"/>
+          <a:chOff x="0" y="0"/>
+          <a:chExt cx="0" cy="0"/>
+        </a:xfrm>
+      </p:grpSpPr>
+      <p:sp>
+        <p:nvSpPr>
+          <p:cNvPr id="2" name="Titel 1"/>
+          <p:cNvSpPr>
+            <a:spLocks noGrp="1"/>
+          </p:cNvSpPr>
+          <p:nvPr>
+            <p:ph type="title"/>
+          </p:nvPr>
+        </p:nvSpPr>
+        <p:spPr/>
+        <p:txBody>
+          <a:bodyPr/>
+          <a:lstStyle/>
+          <a:p>
+            <a:r>
+              <a:rPr lang="de-DE" dirty="0" smtClean="0"/>
+              <a:t>Gegenmaßnahmen</a:t>
+            </a:r>
+            <a:endParaRPr lang="de-DE" dirty="0"/>
+          </a:p>
+        </p:txBody>
+      </p:sp>
+      <p:sp>
+        <p:nvSpPr>
+          <p:cNvPr id="4" name="Fußzeilenplatzhalter 3"/>
+          <p:cNvSpPr>
+            <a:spLocks noGrp="1"/>
+          </p:cNvSpPr>
+          <p:nvPr>
+            <p:ph type="ftr" sz="quarter" idx="4294967295"/>
+          </p:nvPr>
+        </p:nvSpPr>
+        <p:spPr>
+          <a:xfrm>
+            <a:off x="1288027" y="6445250"/>
+            <a:ext cx="4542502" cy="360363"/>
+          </a:xfrm>
+        </p:spPr>
+        <p:txBody>
+          <a:bodyPr/>
+          <a:lstStyle/>
+          <a:p>
+            <a:r>
+              <a:rPr lang="de-DE" dirty="0" err="1"/>
+              <a:t>Advanced</a:t>
+            </a:r>
+            <a:r>
+              <a:rPr lang="de-DE" dirty="0"/>
+              <a:t> ROS Network </a:t>
+            </a:r>
+            <a:r>
+              <a:rPr lang="de-DE" dirty="0" err="1"/>
+              <a:t>Introspection</a:t>
+            </a:r>
+            <a:endParaRPr lang="de-DE" dirty="0"/>
+          </a:p>
+        </p:txBody>
+      </p:sp>
+      <p:grpSp>
+        <p:nvGrpSpPr>
+          <p:cNvPr id="18" name="Gruppieren 21"/>
+          <p:cNvGrpSpPr/>
+          <p:nvPr/>
+        </p:nvGrpSpPr>
+        <p:grpSpPr>
+          <a:xfrm>
+            <a:off x="25400" y="5986694"/>
+            <a:ext cx="9072000" cy="322630"/>
+            <a:chOff x="25400" y="5986694"/>
+            <a:chExt cx="9072000" cy="322630"/>
+          </a:xfrm>
+        </p:grpSpPr>
+        <p:sp>
+          <p:nvSpPr>
+            <p:cNvPr id="19" name="Textfeld 13"/>
+            <p:cNvSpPr txBox="1"/>
+            <p:nvPr/>
+          </p:nvSpPr>
+          <p:spPr>
+            <a:xfrm>
+              <a:off x="1745265" y="6032322"/>
+              <a:ext cx="1340432" cy="276999"/>
+            </a:xfrm>
+            <a:prstGeom prst="rect">
+              <a:avLst/>
+            </a:prstGeom>
+          </p:spPr>
+          <p:style>
+            <a:lnRef idx="2">
+              <a:schemeClr val="accent3"/>
+            </a:lnRef>
+            <a:fillRef idx="1">
+              <a:schemeClr val="lt1"/>
+            </a:fillRef>
+            <a:effectRef idx="0">
+              <a:schemeClr val="accent3"/>
+            </a:effectRef>
+            <a:fontRef idx="minor">
+              <a:schemeClr val="dk1"/>
+            </a:fontRef>
+          </p:style>
+          <p:txBody>
+            <a:bodyPr wrap="none" rtlCol="0">
+              <a:spAutoFit/>
+            </a:bodyPr>
+            <a:lstStyle/>
+            <a:p>
+              <a:r>
+                <a:rPr lang="en-US" sz="1200" b="1" dirty="0" err="1" smtClean="0"/>
+                <a:t>Funktionsweise</a:t>
+              </a:r>
+              <a:endParaRPr lang="en-US" sz="1200" b="1" dirty="0" smtClean="0"/>
+            </a:p>
+          </p:txBody>
+        </p:sp>
+        <p:sp>
+          <p:nvSpPr>
+            <p:cNvPr id="20" name="Textfeld 14"/>
+            <p:cNvSpPr txBox="1"/>
+            <p:nvPr/>
+          </p:nvSpPr>
+          <p:spPr>
+            <a:xfrm>
+              <a:off x="6573970" y="6032325"/>
+              <a:ext cx="893193" cy="276999"/>
+            </a:xfrm>
+            <a:prstGeom prst="rect">
+              <a:avLst/>
+            </a:prstGeom>
+          </p:spPr>
+          <p:style>
+            <a:lnRef idx="2">
+              <a:schemeClr val="accent3"/>
+            </a:lnRef>
+            <a:fillRef idx="1">
+              <a:schemeClr val="lt1"/>
+            </a:fillRef>
+            <a:effectRef idx="0">
+              <a:schemeClr val="accent3"/>
+            </a:effectRef>
+            <a:fontRef idx="minor">
+              <a:schemeClr val="dk1"/>
+            </a:fontRef>
+          </p:style>
+          <p:txBody>
+            <a:bodyPr wrap="none" rtlCol="0">
+              <a:spAutoFit/>
+            </a:bodyPr>
+            <a:lstStyle/>
+            <a:p>
+              <a:r>
+                <a:rPr lang="en-US" sz="1200" dirty="0" err="1" smtClean="0"/>
+                <a:t>Statistiken</a:t>
+              </a:r>
+              <a:endParaRPr lang="en-US" sz="1200" dirty="0" smtClean="0"/>
+            </a:p>
+          </p:txBody>
+        </p:sp>
+        <p:sp>
+          <p:nvSpPr>
+            <p:cNvPr id="21" name="Textfeld 20"/>
+            <p:cNvSpPr txBox="1"/>
+            <p:nvPr/>
+          </p:nvSpPr>
+          <p:spPr>
+            <a:xfrm>
+              <a:off x="3596352" y="6032323"/>
+              <a:ext cx="917239" cy="276999"/>
+            </a:xfrm>
+            <a:prstGeom prst="rect">
+              <a:avLst/>
+            </a:prstGeom>
+          </p:spPr>
+          <p:style>
+            <a:lnRef idx="2">
+              <a:schemeClr val="accent3"/>
+            </a:lnRef>
+            <a:fillRef idx="1">
+              <a:schemeClr val="lt1"/>
+            </a:fillRef>
+            <a:effectRef idx="0">
+              <a:schemeClr val="accent3"/>
+            </a:effectRef>
+            <a:fontRef idx="minor">
+              <a:schemeClr val="dk1"/>
+            </a:fontRef>
+          </p:style>
+          <p:txBody>
+            <a:bodyPr wrap="none" rtlCol="0">
+              <a:spAutoFit/>
+            </a:bodyPr>
+            <a:lstStyle/>
+            <a:p>
+              <a:r>
+                <a:rPr lang="en-US" sz="1200" dirty="0" smtClean="0"/>
+                <a:t>Live Demo</a:t>
+              </a:r>
+            </a:p>
+          </p:txBody>
+        </p:sp>
+        <p:sp>
+          <p:nvSpPr>
+            <p:cNvPr id="22" name="Textfeld 21"/>
+            <p:cNvSpPr txBox="1"/>
+            <p:nvPr/>
+          </p:nvSpPr>
+          <p:spPr>
+            <a:xfrm>
+              <a:off x="8077200" y="6031376"/>
+              <a:ext cx="518091" cy="276999"/>
+            </a:xfrm>
+            <a:prstGeom prst="rect">
+              <a:avLst/>
+            </a:prstGeom>
+            <a:ln/>
+          </p:spPr>
+          <p:style>
+            <a:lnRef idx="2">
+              <a:schemeClr val="accent3"/>
+            </a:lnRef>
+            <a:fillRef idx="1">
+              <a:schemeClr val="lt1"/>
+            </a:fillRef>
+            <a:effectRef idx="0">
+              <a:schemeClr val="accent3"/>
+            </a:effectRef>
+            <a:fontRef idx="minor">
+              <a:schemeClr val="dk1"/>
+            </a:fontRef>
+          </p:style>
+          <p:txBody>
+            <a:bodyPr wrap="none" rtlCol="0">
+              <a:spAutoFit/>
+            </a:bodyPr>
+            <a:lstStyle/>
+            <a:p>
+              <a:r>
+                <a:rPr lang="en-US" sz="1200" dirty="0" err="1" smtClean="0"/>
+                <a:t>Fazit</a:t>
+              </a:r>
+              <a:endParaRPr lang="en-US" sz="1200" dirty="0" smtClean="0"/>
+            </a:p>
+          </p:txBody>
+        </p:sp>
+        <p:sp>
+          <p:nvSpPr>
+            <p:cNvPr id="23" name="Textfeld 22"/>
+            <p:cNvSpPr txBox="1"/>
+            <p:nvPr/>
+          </p:nvSpPr>
+          <p:spPr>
+            <a:xfrm>
+              <a:off x="179512" y="6032321"/>
+              <a:ext cx="883575" cy="276999"/>
+            </a:xfrm>
+            <a:prstGeom prst="rect">
+              <a:avLst/>
+            </a:prstGeom>
+          </p:spPr>
+          <p:style>
+            <a:lnRef idx="2">
+              <a:schemeClr val="accent3"/>
+            </a:lnRef>
+            <a:fillRef idx="1">
+              <a:schemeClr val="lt1"/>
+            </a:fillRef>
+            <a:effectRef idx="0">
+              <a:schemeClr val="accent3"/>
+            </a:effectRef>
+            <a:fontRef idx="minor">
+              <a:schemeClr val="dk1"/>
+            </a:fontRef>
+          </p:style>
+          <p:txBody>
+            <a:bodyPr wrap="none" rtlCol="0">
+              <a:spAutoFit/>
+            </a:bodyPr>
+            <a:lstStyle/>
+            <a:p>
+              <a:r>
+                <a:rPr lang="en-US" sz="1200" dirty="0" smtClean="0"/>
+                <a:t>Motivation</a:t>
+              </a:r>
+            </a:p>
+          </p:txBody>
+        </p:sp>
+        <p:sp>
+          <p:nvSpPr>
+            <p:cNvPr id="24" name="Eingekerbter Richtungspfeil 23"/>
+            <p:cNvSpPr/>
+            <p:nvPr/>
+          </p:nvSpPr>
+          <p:spPr>
+            <a:xfrm>
+              <a:off x="1360996" y="6091573"/>
+              <a:ext cx="158496" cy="158496"/>
+            </a:xfrm>
+            <a:prstGeom prst="chevron">
+              <a:avLst/>
+            </a:prstGeom>
+          </p:spPr>
+          <p:style>
+            <a:lnRef idx="1">
+              <a:schemeClr val="accent4"/>
+            </a:lnRef>
+            <a:fillRef idx="2">
+              <a:schemeClr val="accent4"/>
+            </a:fillRef>
+            <a:effectRef idx="1">
+              <a:schemeClr val="accent4"/>
+            </a:effectRef>
+            <a:fontRef idx="minor">
+              <a:schemeClr val="dk1"/>
+            </a:fontRef>
+          </p:style>
+          <p:txBody>
+            <a:bodyPr rtlCol="0" anchor="ctr"/>
+            <a:lstStyle/>
+            <a:p>
+              <a:pPr algn="ctr"/>
+              <a:endParaRPr lang="de-DE">
+                <a:solidFill>
+                  <a:schemeClr val="tx1"/>
+                </a:solidFill>
+              </a:endParaRPr>
+            </a:p>
+          </p:txBody>
+        </p:sp>
+        <p:sp>
+          <p:nvSpPr>
+            <p:cNvPr id="25" name="Eingekerbter Richtungspfeil 24"/>
+            <p:cNvSpPr/>
+            <p:nvPr/>
+          </p:nvSpPr>
+          <p:spPr>
+            <a:xfrm>
+              <a:off x="3212083" y="6091574"/>
+              <a:ext cx="158496" cy="158496"/>
+            </a:xfrm>
+            <a:prstGeom prst="chevron">
+              <a:avLst/>
+            </a:prstGeom>
+          </p:spPr>
+          <p:style>
+            <a:lnRef idx="1">
+              <a:schemeClr val="accent4"/>
+            </a:lnRef>
+            <a:fillRef idx="2">
+              <a:schemeClr val="accent4"/>
+            </a:fillRef>
+            <a:effectRef idx="1">
+              <a:schemeClr val="accent4"/>
+            </a:effectRef>
+            <a:fontRef idx="minor">
+              <a:schemeClr val="dk1"/>
+            </a:fontRef>
+          </p:style>
+          <p:txBody>
+            <a:bodyPr rtlCol="0" anchor="ctr"/>
+            <a:lstStyle/>
+            <a:p>
+              <a:pPr algn="ctr"/>
+              <a:endParaRPr lang="de-DE">
+                <a:solidFill>
+                  <a:schemeClr val="tx1"/>
+                </a:solidFill>
+              </a:endParaRPr>
+            </a:p>
+          </p:txBody>
+        </p:sp>
+        <p:sp>
+          <p:nvSpPr>
+            <p:cNvPr id="26" name="Eingekerbter Richtungspfeil 25"/>
+            <p:cNvSpPr/>
+            <p:nvPr/>
+          </p:nvSpPr>
+          <p:spPr>
+            <a:xfrm>
+              <a:off x="4739364" y="6091575"/>
+              <a:ext cx="158496" cy="158496"/>
+            </a:xfrm>
+            <a:prstGeom prst="chevron">
+              <a:avLst/>
+            </a:prstGeom>
+          </p:spPr>
+          <p:style>
+            <a:lnRef idx="1">
+              <a:schemeClr val="accent4"/>
+            </a:lnRef>
+            <a:fillRef idx="2">
+              <a:schemeClr val="accent4"/>
+            </a:fillRef>
+            <a:effectRef idx="1">
+              <a:schemeClr val="accent4"/>
+            </a:effectRef>
+            <a:fontRef idx="minor">
+              <a:schemeClr val="dk1"/>
+            </a:fontRef>
+          </p:style>
+          <p:txBody>
+            <a:bodyPr rtlCol="0" anchor="ctr"/>
+            <a:lstStyle/>
+            <a:p>
+              <a:pPr algn="ctr"/>
+              <a:endParaRPr lang="de-DE">
+                <a:solidFill>
+                  <a:schemeClr val="tx1"/>
+                </a:solidFill>
+              </a:endParaRPr>
+            </a:p>
+          </p:txBody>
+        </p:sp>
+        <p:sp>
+          <p:nvSpPr>
+            <p:cNvPr id="27" name="Textfeld 26"/>
+            <p:cNvSpPr txBox="1"/>
+            <p:nvPr/>
+          </p:nvSpPr>
+          <p:spPr>
+            <a:xfrm>
+              <a:off x="5123633" y="6032324"/>
+              <a:ext cx="840295" cy="276999"/>
+            </a:xfrm>
+            <a:prstGeom prst="rect">
+              <a:avLst/>
+            </a:prstGeom>
+          </p:spPr>
+          <p:style>
+            <a:lnRef idx="2">
+              <a:schemeClr val="accent3"/>
+            </a:lnRef>
+            <a:fillRef idx="1">
+              <a:schemeClr val="lt1"/>
+            </a:fillRef>
+            <a:effectRef idx="0">
+              <a:schemeClr val="accent3"/>
+            </a:effectRef>
+            <a:fontRef idx="minor">
+              <a:schemeClr val="dk1"/>
+            </a:fontRef>
+          </p:style>
+          <p:txBody>
+            <a:bodyPr wrap="none" rtlCol="0">
+              <a:spAutoFit/>
+            </a:bodyPr>
+            <a:lstStyle/>
+            <a:p>
+              <a:r>
+                <a:rPr lang="en-US" sz="1200" dirty="0" err="1" smtClean="0"/>
+                <a:t>Probleme</a:t>
+              </a:r>
+              <a:endParaRPr lang="en-US" sz="1200" dirty="0" smtClean="0"/>
+            </a:p>
+          </p:txBody>
+        </p:sp>
+        <p:sp>
+          <p:nvSpPr>
+            <p:cNvPr id="28" name="Eingekerbter Richtungspfeil 27"/>
+            <p:cNvSpPr/>
+            <p:nvPr/>
+          </p:nvSpPr>
+          <p:spPr>
+            <a:xfrm>
+              <a:off x="7692936" y="6091577"/>
+              <a:ext cx="158496" cy="158496"/>
+            </a:xfrm>
+            <a:prstGeom prst="chevron">
+              <a:avLst/>
+            </a:prstGeom>
+          </p:spPr>
+          <p:style>
+            <a:lnRef idx="1">
+              <a:schemeClr val="accent4"/>
+            </a:lnRef>
+            <a:fillRef idx="2">
+              <a:schemeClr val="accent4"/>
+            </a:fillRef>
+            <a:effectRef idx="1">
+              <a:schemeClr val="accent4"/>
+            </a:effectRef>
+            <a:fontRef idx="minor">
+              <a:schemeClr val="dk1"/>
+            </a:fontRef>
+          </p:style>
+          <p:txBody>
+            <a:bodyPr rtlCol="0" anchor="ctr"/>
+            <a:lstStyle/>
+            <a:p>
+              <a:pPr algn="ctr"/>
+              <a:endParaRPr lang="de-DE">
+                <a:solidFill>
+                  <a:schemeClr val="tx1"/>
+                </a:solidFill>
+              </a:endParaRPr>
+            </a:p>
+          </p:txBody>
+        </p:sp>
+        <p:cxnSp>
+          <p:nvCxnSpPr>
+            <p:cNvPr id="29" name="Gerade Verbindung 28"/>
+            <p:cNvCxnSpPr/>
+            <p:nvPr/>
+          </p:nvCxnSpPr>
+          <p:spPr>
+            <a:xfrm>
+              <a:off x="25400" y="5986694"/>
+              <a:ext cx="9072000" cy="1588"/>
+            </a:xfrm>
+            <a:prstGeom prst="line">
+              <a:avLst/>
+            </a:prstGeom>
+            <a:ln w="41275">
+              <a:solidFill>
+                <a:schemeClr val="accent3">
+                  <a:lumMod val="85000"/>
+                </a:schemeClr>
+              </a:solidFill>
+            </a:ln>
+          </p:spPr>
+          <p:style>
+            <a:lnRef idx="1">
+              <a:schemeClr val="accent1"/>
+            </a:lnRef>
+            <a:fillRef idx="0">
+              <a:schemeClr val="accent1"/>
+            </a:fillRef>
+            <a:effectRef idx="0">
+              <a:schemeClr val="accent1"/>
+            </a:effectRef>
+            <a:fontRef idx="minor">
+              <a:schemeClr val="tx1"/>
+            </a:fontRef>
+          </p:style>
+        </p:cxnSp>
+        <p:sp>
+          <p:nvSpPr>
+            <p:cNvPr id="30" name="Eingekerbter Richtungspfeil 29"/>
+            <p:cNvSpPr/>
+            <p:nvPr/>
+          </p:nvSpPr>
+          <p:spPr>
+            <a:xfrm>
+              <a:off x="6189701" y="6091576"/>
+              <a:ext cx="158496" cy="158496"/>
+            </a:xfrm>
+            <a:prstGeom prst="chevron">
+              <a:avLst/>
+            </a:prstGeom>
+          </p:spPr>
+          <p:style>
+            <a:lnRef idx="1">
+              <a:schemeClr val="accent4"/>
+            </a:lnRef>
+            <a:fillRef idx="2">
+              <a:schemeClr val="accent4"/>
+            </a:fillRef>
+            <a:effectRef idx="1">
+              <a:schemeClr val="accent4"/>
+            </a:effectRef>
+            <a:fontRef idx="minor">
+              <a:schemeClr val="dk1"/>
+            </a:fontRef>
+          </p:style>
+          <p:txBody>
+            <a:bodyPr rtlCol="0" anchor="ctr"/>
+            <a:lstStyle/>
+            <a:p>
+              <a:pPr algn="ctr"/>
+              <a:endParaRPr lang="de-DE">
+                <a:solidFill>
+                  <a:schemeClr val="tx1"/>
+                </a:solidFill>
+              </a:endParaRPr>
+            </a:p>
+          </p:txBody>
+        </p:sp>
+      </p:grpSp>
+      <p:pic>
+        <p:nvPicPr>
+          <p:cNvPr id="6" name="Grafik 5"/>
+          <p:cNvPicPr>
+            <a:picLocks noChangeAspect="1"/>
+          </p:cNvPicPr>
+          <p:nvPr/>
+        </p:nvPicPr>
+        <p:blipFill>
+          <a:blip r:embed="rId3" cstate="print">
+            <a:extLst>
+              <a:ext uri="{28A0092B-C50C-407E-A947-70E740481C1C}">
+                <a14:useLocalDpi xmlns:a14="http://schemas.microsoft.com/office/drawing/2010/main" val="0"/>
+              </a:ext>
+            </a:extLst>
+          </a:blip>
+          <a:stretch>
+            <a:fillRect/>
+          </a:stretch>
+        </p:blipFill>
+        <p:spPr>
+          <a:xfrm>
+            <a:off x="5791200" y="4060399"/>
+            <a:ext cx="3169519" cy="1894282"/>
+          </a:xfrm>
+          <a:prstGeom prst="rect">
+            <a:avLst/>
+          </a:prstGeom>
+        </p:spPr>
+      </p:pic>
+      <p:sp>
+        <p:nvSpPr>
+          <p:cNvPr id="3" name="Inhaltsplatzhalter 2"/>
+          <p:cNvSpPr>
+            <a:spLocks noGrp="1"/>
+          </p:cNvSpPr>
+          <p:nvPr>
+            <p:ph idx="1"/>
+          </p:nvPr>
+        </p:nvSpPr>
+        <p:spPr/>
+        <p:txBody>
+          <a:bodyPr/>
+          <a:lstStyle/>
+          <a:p>
+            <a:r>
+              <a:rPr lang="de-DE" dirty="0" smtClean="0"/>
+              <a:t>Laden von „</a:t>
+            </a:r>
+            <a:r>
+              <a:rPr lang="de-DE" dirty="0" err="1" smtClean="0"/>
+              <a:t>Constraints</a:t>
+            </a:r>
+            <a:r>
+              <a:rPr lang="de-DE" dirty="0" smtClean="0"/>
+              <a:t>“</a:t>
+            </a:r>
+          </a:p>
+          <a:p>
+            <a:r>
+              <a:rPr lang="de-DE" dirty="0" smtClean="0"/>
+              <a:t>Logische Verknüpfungen von Bedingungen</a:t>
+            </a:r>
+          </a:p>
+          <a:p>
+            <a:r>
+              <a:rPr lang="de-DE" dirty="0" smtClean="0"/>
+              <a:t>Ausführen von Gegenmaßnahmen</a:t>
+            </a:r>
+          </a:p>
+          <a:p>
+            <a:pPr lvl="1"/>
+            <a:r>
+              <a:rPr lang="de-DE" dirty="0" err="1" smtClean="0"/>
+              <a:t>Debug</a:t>
+            </a:r>
+            <a:r>
+              <a:rPr lang="de-DE" dirty="0" smtClean="0"/>
+              <a:t>-Ausgaben</a:t>
+            </a:r>
+          </a:p>
+          <a:p>
+            <a:pPr lvl="1"/>
+            <a:r>
+              <a:rPr lang="de-DE" dirty="0" smtClean="0"/>
+              <a:t>Neustarten von Knoten</a:t>
+            </a:r>
+          </a:p>
+          <a:p>
+            <a:pPr lvl="1"/>
+            <a:r>
+              <a:rPr lang="de-DE" dirty="0" smtClean="0"/>
+              <a:t>Ausführen von Befehlen</a:t>
+            </a:r>
+          </a:p>
+        </p:txBody>
+      </p:sp>
+    </p:spTree>
+    <p:extLst>
+      <p:ext uri="{BB962C8B-B14F-4D97-AF65-F5344CB8AC3E}">
+        <p14:creationId xmlns:p14="http://schemas.microsoft.com/office/powerpoint/2010/main" val="4069815516"/>
       </p:ext>
     </p:extLst>
   </p:cSld>
@@ -10846,7 +10846,7 @@
     </p:spTree>
     <p:extLst>
       <p:ext uri="{BB962C8B-B14F-4D97-AF65-F5344CB8AC3E}">
-        <p14:creationId xmlns:p14="http://schemas.microsoft.com/office/powerpoint/2010/main" val="2704491788"/>
+        <p14:creationId xmlns:p14="http://schemas.microsoft.com/office/powerpoint/2010/main" val="3867572727"/>
       </p:ext>
     </p:extLst>
   </p:cSld>

--- a/Präsentation/Präsentation.pptx
+++ b/Präsentation/Präsentation.pptx
@@ -10825,8 +10825,13 @@
             <a:pPr lvl="1"/>
             <a:r>
               <a:rPr lang="de-DE" dirty="0" smtClean="0"/>
-              <a:t>Als Text</a:t>
-            </a:r>
+              <a:t>Als </a:t>
+            </a:r>
+            <a:r>
+              <a:rPr lang="de-DE" dirty="0" smtClean="0"/>
+              <a:t>lokalisierbarer Text</a:t>
+            </a:r>
+            <a:endParaRPr lang="de-DE" dirty="0" smtClean="0"/>
           </a:p>
           <a:p>
             <a:pPr lvl="1"/>

--- a/Präsentation/Präsentation.pptx
+++ b/Präsentation/Präsentation.pptx
@@ -161,7 +161,7 @@
   </p:defaultTextStyle>
   <p:extLst>
     <p:ext uri="{EFAFB233-063F-42B5-8137-9DF3F51BA10A}">
-      <p15:sldGuideLst xmlns:p15="http://schemas.microsoft.com/office/powerpoint/2012/main" xmlns="">
+      <p15:sldGuideLst xmlns:p15="http://schemas.microsoft.com/office/powerpoint/2012/main">
         <p15:guide id="1" orient="horz" pos="2160">
           <p15:clr>
             <a:srgbClr val="A4A3A4"/>
@@ -175,7 +175,7 @@
       </p15:sldGuideLst>
     </p:ext>
     <p:ext uri="{2D200454-40CA-4A62-9FC3-DE9A4176ACB9}">
-      <p15:notesGuideLst xmlns:p15="http://schemas.microsoft.com/office/powerpoint/2012/main" xmlns="">
+      <p15:notesGuideLst xmlns:p15="http://schemas.microsoft.com/office/powerpoint/2012/main">
         <p15:guide id="1" orient="horz" pos="2880">
           <p15:clr>
             <a:srgbClr val="A4A3A4"/>
@@ -13930,8 +13930,19 @@
             <a:pPr lvl="1"/>
             <a:r>
               <a:rPr lang="de-DE" dirty="0" smtClean="0"/>
-              <a:t>Hardwareauslastung des Systems</a:t>
-            </a:r>
+              <a:t>Hardwareauslastung des </a:t>
+            </a:r>
+            <a:r>
+              <a:rPr lang="de-DE" dirty="0" smtClean="0"/>
+              <a:t>Systems</a:t>
+            </a:r>
+          </a:p>
+          <a:p>
+            <a:r>
+              <a:rPr lang="de-DE" dirty="0" smtClean="0"/>
+              <a:t>Funktioniert ohne Modifikationen</a:t>
+            </a:r>
+            <a:endParaRPr lang="de-DE" dirty="0" smtClean="0"/>
           </a:p>
           <a:p>
             <a:pPr marL="0" indent="0">
@@ -24833,7 +24844,11 @@
           <a:p>
             <a:r>
               <a:rPr lang="de-DE" dirty="0" smtClean="0"/>
-              <a:t>Erfassung des Systemzustandes</a:t>
+              <a:t>Dezentrale Erfassung </a:t>
+            </a:r>
+            <a:r>
+              <a:rPr lang="de-DE" dirty="0" smtClean="0"/>
+              <a:t>des Systemzustandes</a:t>
             </a:r>
           </a:p>
           <a:p>

--- a/Präsentation/Präsentation.pptx
+++ b/Präsentation/Präsentation.pptx
@@ -3,34 +3,36 @@
 <p:presentation xmlns:a="http://schemas.openxmlformats.org/drawingml/2006/main" xmlns:r="http://schemas.openxmlformats.org/officeDocument/2006/relationships" xmlns:p="http://schemas.openxmlformats.org/presentationml/2006/main" saveSubsetFonts="1" autoCompressPictures="0">
   <p:sldMasterIdLst>
     <p:sldMasterId id="2147483676" r:id="rId1"/>
+    <p:sldMasterId id="2147483689" r:id="rId2"/>
   </p:sldMasterIdLst>
   <p:notesMasterIdLst>
-    <p:notesMasterId r:id="rId22"/>
+    <p:notesMasterId r:id="rId24"/>
   </p:notesMasterIdLst>
   <p:handoutMasterIdLst>
-    <p:handoutMasterId r:id="rId23"/>
+    <p:handoutMasterId r:id="rId25"/>
   </p:handoutMasterIdLst>
   <p:sldIdLst>
-    <p:sldId id="256" r:id="rId2"/>
-    <p:sldId id="281" r:id="rId3"/>
-    <p:sldId id="271" r:id="rId4"/>
-    <p:sldId id="272" r:id="rId5"/>
-    <p:sldId id="273" r:id="rId6"/>
-    <p:sldId id="274" r:id="rId7"/>
-    <p:sldId id="264" r:id="rId8"/>
-    <p:sldId id="265" r:id="rId9"/>
-    <p:sldId id="266" r:id="rId10"/>
-    <p:sldId id="267" r:id="rId11"/>
-    <p:sldId id="268" r:id="rId12"/>
-    <p:sldId id="269" r:id="rId13"/>
-    <p:sldId id="270" r:id="rId14"/>
-    <p:sldId id="282" r:id="rId15"/>
-    <p:sldId id="275" r:id="rId16"/>
-    <p:sldId id="276" r:id="rId17"/>
-    <p:sldId id="277" r:id="rId18"/>
-    <p:sldId id="278" r:id="rId19"/>
-    <p:sldId id="279" r:id="rId20"/>
-    <p:sldId id="280" r:id="rId21"/>
+    <p:sldId id="256" r:id="rId3"/>
+    <p:sldId id="281" r:id="rId4"/>
+    <p:sldId id="271" r:id="rId5"/>
+    <p:sldId id="272" r:id="rId6"/>
+    <p:sldId id="273" r:id="rId7"/>
+    <p:sldId id="274" r:id="rId8"/>
+    <p:sldId id="264" r:id="rId9"/>
+    <p:sldId id="265" r:id="rId10"/>
+    <p:sldId id="266" r:id="rId11"/>
+    <p:sldId id="267" r:id="rId12"/>
+    <p:sldId id="268" r:id="rId13"/>
+    <p:sldId id="269" r:id="rId14"/>
+    <p:sldId id="270" r:id="rId15"/>
+    <p:sldId id="282" r:id="rId16"/>
+    <p:sldId id="283" r:id="rId17"/>
+    <p:sldId id="275" r:id="rId18"/>
+    <p:sldId id="276" r:id="rId19"/>
+    <p:sldId id="277" r:id="rId20"/>
+    <p:sldId id="278" r:id="rId21"/>
+    <p:sldId id="279" r:id="rId22"/>
+    <p:sldId id="280" r:id="rId23"/>
   </p:sldIdLst>
   <p:sldSz cx="9144000" cy="6858000" type="screen4x3"/>
   <p:notesSz cx="6858000" cy="9144000"/>
@@ -6690,7 +6692,7 @@
             <a:fld id="{74ACB795-123D-4B41-ABB8-5412373C4490}" type="slidenum">
               <a:rPr lang="en-GB" smtClean="0">
                 <a:solidFill>
-                  <a:prstClr val="black"/>
+                  <a:srgbClr val="000000"/>
                 </a:solidFill>
               </a:rPr>
               <a:pPr/>
@@ -6698,7 +6700,7 @@
             </a:fld>
             <a:endParaRPr lang="en-GB">
               <a:solidFill>
-                <a:prstClr val="black"/>
+                <a:srgbClr val="000000"/>
               </a:solidFill>
             </a:endParaRPr>
           </a:p>
@@ -6707,7 +6709,7 @@
     </p:spTree>
     <p:extLst>
       <p:ext uri="{BB962C8B-B14F-4D97-AF65-F5344CB8AC3E}">
-        <p14:creationId xmlns:p14="http://schemas.microsoft.com/office/powerpoint/2010/main" val="399328401"/>
+        <p14:creationId xmlns:p14="http://schemas.microsoft.com/office/powerpoint/2010/main" val="127901692"/>
       </p:ext>
     </p:extLst>
   </p:cSld>
@@ -6974,6 +6976,273 @@
     </p:spTree>
     <p:extLst>
       <p:ext uri="{BB962C8B-B14F-4D97-AF65-F5344CB8AC3E}">
+        <p14:creationId xmlns:p14="http://schemas.microsoft.com/office/powerpoint/2010/main" val="399328401"/>
+      </p:ext>
+    </p:extLst>
+  </p:cSld>
+  <p:clrMapOvr>
+    <a:masterClrMapping/>
+  </p:clrMapOvr>
+</p:notes>
+</file>
+
+<file path=ppt/notesSlides/notesSlide16.xml><?xml version="1.0" encoding="utf-8"?>
+<p:notes xmlns:a="http://schemas.openxmlformats.org/drawingml/2006/main" xmlns:r="http://schemas.openxmlformats.org/officeDocument/2006/relationships" xmlns:p="http://schemas.openxmlformats.org/presentationml/2006/main">
+  <p:cSld>
+    <p:spTree>
+      <p:nvGrpSpPr>
+        <p:cNvPr id="1" name=""/>
+        <p:cNvGrpSpPr/>
+        <p:nvPr/>
+      </p:nvGrpSpPr>
+      <p:grpSpPr>
+        <a:xfrm>
+          <a:off x="0" y="0"/>
+          <a:ext cx="0" cy="0"/>
+          <a:chOff x="0" y="0"/>
+          <a:chExt cx="0" cy="0"/>
+        </a:xfrm>
+      </p:grpSpPr>
+      <p:sp>
+        <p:nvSpPr>
+          <p:cNvPr id="2" name="Folienbildplatzhalter 1"/>
+          <p:cNvSpPr>
+            <a:spLocks noGrp="1" noRot="1" noChangeAspect="1"/>
+          </p:cNvSpPr>
+          <p:nvPr>
+            <p:ph type="sldImg"/>
+          </p:nvPr>
+        </p:nvSpPr>
+        <p:spPr/>
+      </p:sp>
+      <p:sp>
+        <p:nvSpPr>
+          <p:cNvPr id="3" name="Notizenplatzhalter 2"/>
+          <p:cNvSpPr>
+            <a:spLocks noGrp="1"/>
+          </p:cNvSpPr>
+          <p:nvPr>
+            <p:ph type="body" idx="1"/>
+          </p:nvPr>
+        </p:nvSpPr>
+        <p:spPr/>
+        <p:txBody>
+          <a:bodyPr>
+            <a:normAutofit/>
+          </a:bodyPr>
+          <a:lstStyle/>
+          <a:p>
+            <a:r>
+              <a:rPr lang="en-GB" baseline="0" dirty="0" smtClean="0"/>
+              <a:t>Das </a:t>
+            </a:r>
+            <a:r>
+              <a:rPr lang="en-GB" baseline="0" dirty="0" err="1" smtClean="0"/>
+              <a:t>aktuelle</a:t>
+            </a:r>
+            <a:r>
+              <a:rPr lang="en-GB" baseline="0" dirty="0" smtClean="0"/>
+              <a:t> </a:t>
+            </a:r>
+            <a:r>
+              <a:rPr lang="en-GB" baseline="0" dirty="0" err="1" smtClean="0"/>
+              <a:t>Kapitel</a:t>
+            </a:r>
+            <a:r>
+              <a:rPr lang="en-GB" baseline="0" dirty="0" smtClean="0"/>
+              <a:t> </a:t>
+            </a:r>
+            <a:r>
+              <a:rPr lang="en-GB" baseline="0" dirty="0" err="1" smtClean="0"/>
+              <a:t>sollte</a:t>
+            </a:r>
+            <a:r>
+              <a:rPr lang="en-GB" baseline="0" dirty="0" smtClean="0"/>
+              <a:t> </a:t>
+            </a:r>
+            <a:r>
+              <a:rPr lang="en-GB" baseline="0" dirty="0" err="1" smtClean="0"/>
+              <a:t>fettgedruckt</a:t>
+            </a:r>
+            <a:r>
+              <a:rPr lang="en-GB" baseline="0" dirty="0" smtClean="0"/>
+              <a:t> </a:t>
+            </a:r>
+            <a:r>
+              <a:rPr lang="en-GB" baseline="0" dirty="0" err="1" smtClean="0"/>
+              <a:t>werden</a:t>
+            </a:r>
+            <a:r>
+              <a:rPr lang="en-GB" baseline="0" dirty="0" smtClean="0"/>
+              <a:t>. Den </a:t>
+            </a:r>
+            <a:r>
+              <a:rPr lang="en-GB" baseline="0" dirty="0" err="1" smtClean="0"/>
+              <a:t>Abstand</a:t>
+            </a:r>
+            <a:r>
+              <a:rPr lang="en-GB" baseline="0" dirty="0" smtClean="0"/>
+              <a:t> </a:t>
+            </a:r>
+            <a:r>
+              <a:rPr lang="en-GB" baseline="0" dirty="0" err="1" smtClean="0"/>
+              <a:t>der</a:t>
+            </a:r>
+            <a:r>
+              <a:rPr lang="en-GB" baseline="0" dirty="0" smtClean="0"/>
+              <a:t> </a:t>
+            </a:r>
+            <a:r>
+              <a:rPr lang="en-GB" baseline="0" dirty="0" err="1" smtClean="0"/>
+              <a:t>Worte</a:t>
+            </a:r>
+            <a:r>
+              <a:rPr lang="en-GB" baseline="0" dirty="0" smtClean="0"/>
+              <a:t> </a:t>
+            </a:r>
+            <a:r>
+              <a:rPr lang="en-GB" baseline="0" dirty="0" err="1" smtClean="0"/>
+              <a:t>kann</a:t>
+            </a:r>
+            <a:r>
+              <a:rPr lang="en-GB" baseline="0" dirty="0" smtClean="0"/>
+              <a:t> man gut in PowerPoint an </a:t>
+            </a:r>
+            <a:r>
+              <a:rPr lang="en-GB" baseline="0" dirty="0" err="1" smtClean="0"/>
+              <a:t>andere</a:t>
+            </a:r>
+            <a:r>
+              <a:rPr lang="en-GB" baseline="0" dirty="0" smtClean="0"/>
+              <a:t> </a:t>
+            </a:r>
+            <a:r>
+              <a:rPr lang="en-GB" baseline="0" dirty="0" err="1" smtClean="0"/>
+              <a:t>Wortlängen</a:t>
+            </a:r>
+            <a:r>
+              <a:rPr lang="en-GB" baseline="0" dirty="0" smtClean="0"/>
+              <a:t> </a:t>
+            </a:r>
+            <a:r>
+              <a:rPr lang="en-GB" baseline="0" dirty="0" err="1" smtClean="0"/>
+              <a:t>anpassen</a:t>
+            </a:r>
+            <a:r>
+              <a:rPr lang="en-GB" baseline="0" dirty="0" smtClean="0"/>
+              <a:t>, </a:t>
+            </a:r>
+            <a:r>
+              <a:rPr lang="en-GB" baseline="0" dirty="0" err="1" smtClean="0"/>
+              <a:t>dazu</a:t>
+            </a:r>
+            <a:r>
+              <a:rPr lang="en-GB" baseline="0" dirty="0" smtClean="0"/>
+              <a:t> </a:t>
+            </a:r>
+            <a:r>
+              <a:rPr lang="en-GB" baseline="0" dirty="0" err="1" smtClean="0"/>
+              <a:t>alle</a:t>
+            </a:r>
+            <a:r>
+              <a:rPr lang="en-GB" baseline="0" dirty="0" smtClean="0"/>
+              <a:t> </a:t>
+            </a:r>
+            <a:r>
+              <a:rPr lang="en-GB" baseline="0" dirty="0" err="1" smtClean="0"/>
+              <a:t>Worte</a:t>
+            </a:r>
+            <a:r>
+              <a:rPr lang="en-GB" baseline="0" dirty="0" smtClean="0"/>
+              <a:t> und die </a:t>
+            </a:r>
+            <a:r>
+              <a:rPr lang="en-GB" baseline="0" dirty="0" err="1" smtClean="0"/>
+              <a:t>Pfeile</a:t>
+            </a:r>
+            <a:r>
+              <a:rPr lang="en-GB" baseline="0" dirty="0" smtClean="0"/>
+              <a:t> </a:t>
+            </a:r>
+            <a:r>
+              <a:rPr lang="en-GB" baseline="0" dirty="0" err="1" smtClean="0"/>
+              <a:t>markieren</a:t>
+            </a:r>
+            <a:r>
+              <a:rPr lang="en-GB" baseline="0" dirty="0" smtClean="0"/>
+              <a:t> und “</a:t>
+            </a:r>
+            <a:r>
+              <a:rPr lang="en-GB" baseline="0" dirty="0" err="1" smtClean="0"/>
+              <a:t>Anordnen</a:t>
+            </a:r>
+            <a:r>
+              <a:rPr lang="en-GB" baseline="0" dirty="0" smtClean="0"/>
+              <a:t> -&gt; </a:t>
+            </a:r>
+            <a:r>
+              <a:rPr lang="en-GB" baseline="0" dirty="0" err="1" smtClean="0"/>
+              <a:t>Ausrichten</a:t>
+            </a:r>
+            <a:r>
+              <a:rPr lang="en-GB" baseline="0" dirty="0" smtClean="0"/>
+              <a:t> -&gt; Horizontal </a:t>
+            </a:r>
+            <a:r>
+              <a:rPr lang="en-GB" baseline="0" dirty="0" err="1" smtClean="0"/>
+              <a:t>verteilen</a:t>
+            </a:r>
+            <a:r>
+              <a:rPr lang="en-GB" baseline="0" dirty="0" smtClean="0"/>
+              <a:t>”  </a:t>
+            </a:r>
+            <a:r>
+              <a:rPr lang="en-GB" baseline="0" dirty="0" err="1" smtClean="0"/>
+              <a:t>auswählen</a:t>
+            </a:r>
+            <a:r>
+              <a:rPr lang="en-GB" baseline="0" dirty="0" smtClean="0"/>
+              <a:t> (PowerPoint2007). </a:t>
+            </a:r>
+            <a:endParaRPr lang="en-GB" dirty="0"/>
+          </a:p>
+        </p:txBody>
+      </p:sp>
+      <p:sp>
+        <p:nvSpPr>
+          <p:cNvPr id="4" name="Foliennummernplatzhalter 3"/>
+          <p:cNvSpPr>
+            <a:spLocks noGrp="1"/>
+          </p:cNvSpPr>
+          <p:nvPr>
+            <p:ph type="sldNum" sz="quarter" idx="10"/>
+          </p:nvPr>
+        </p:nvSpPr>
+        <p:spPr/>
+        <p:txBody>
+          <a:bodyPr/>
+          <a:lstStyle/>
+          <a:p>
+            <a:fld id="{74ACB795-123D-4B41-ABB8-5412373C4490}" type="slidenum">
+              <a:rPr lang="en-GB" smtClean="0">
+                <a:solidFill>
+                  <a:prstClr val="black"/>
+                </a:solidFill>
+              </a:rPr>
+              <a:pPr/>
+              <a:t>17</a:t>
+            </a:fld>
+            <a:endParaRPr lang="en-GB">
+              <a:solidFill>
+                <a:prstClr val="black"/>
+              </a:solidFill>
+            </a:endParaRPr>
+          </a:p>
+        </p:txBody>
+      </p:sp>
+    </p:spTree>
+    <p:extLst>
+      <p:ext uri="{BB962C8B-B14F-4D97-AF65-F5344CB8AC3E}">
         <p14:creationId xmlns:p14="http://schemas.microsoft.com/office/powerpoint/2010/main" val="1026569350"/>
       </p:ext>
     </p:extLst>
@@ -6984,7 +7253,7 @@
 </p:notes>
 </file>
 
-<file path=ppt/notesSlides/notesSlide16.xml><?xml version="1.0" encoding="utf-8"?>
+<file path=ppt/notesSlides/notesSlide17.xml><?xml version="1.0" encoding="utf-8"?>
 <p:notes xmlns:a="http://schemas.openxmlformats.org/drawingml/2006/main" xmlns:r="http://schemas.openxmlformats.org/officeDocument/2006/relationships" xmlns:p="http://schemas.openxmlformats.org/presentationml/2006/main">
   <p:cSld>
     <p:spTree>
@@ -7056,7 +7325,7 @@
                 </a:solidFill>
               </a:rPr>
               <a:pPr/>
-              <a:t>17</a:t>
+              <a:t>18</a:t>
             </a:fld>
             <a:endParaRPr lang="en-GB">
               <a:solidFill>
@@ -7070,273 +7339,6 @@
     <p:extLst>
       <p:ext uri="{BB962C8B-B14F-4D97-AF65-F5344CB8AC3E}">
         <p14:creationId xmlns:p14="http://schemas.microsoft.com/office/powerpoint/2010/main" val="4261907797"/>
-      </p:ext>
-    </p:extLst>
-  </p:cSld>
-  <p:clrMapOvr>
-    <a:masterClrMapping/>
-  </p:clrMapOvr>
-</p:notes>
-</file>
-
-<file path=ppt/notesSlides/notesSlide17.xml><?xml version="1.0" encoding="utf-8"?>
-<p:notes xmlns:a="http://schemas.openxmlformats.org/drawingml/2006/main" xmlns:r="http://schemas.openxmlformats.org/officeDocument/2006/relationships" xmlns:p="http://schemas.openxmlformats.org/presentationml/2006/main">
-  <p:cSld>
-    <p:spTree>
-      <p:nvGrpSpPr>
-        <p:cNvPr id="1" name=""/>
-        <p:cNvGrpSpPr/>
-        <p:nvPr/>
-      </p:nvGrpSpPr>
-      <p:grpSpPr>
-        <a:xfrm>
-          <a:off x="0" y="0"/>
-          <a:ext cx="0" cy="0"/>
-          <a:chOff x="0" y="0"/>
-          <a:chExt cx="0" cy="0"/>
-        </a:xfrm>
-      </p:grpSpPr>
-      <p:sp>
-        <p:nvSpPr>
-          <p:cNvPr id="2" name="Folienbildplatzhalter 1"/>
-          <p:cNvSpPr>
-            <a:spLocks noGrp="1" noRot="1" noChangeAspect="1"/>
-          </p:cNvSpPr>
-          <p:nvPr>
-            <p:ph type="sldImg"/>
-          </p:nvPr>
-        </p:nvSpPr>
-        <p:spPr/>
-      </p:sp>
-      <p:sp>
-        <p:nvSpPr>
-          <p:cNvPr id="3" name="Notizenplatzhalter 2"/>
-          <p:cNvSpPr>
-            <a:spLocks noGrp="1"/>
-          </p:cNvSpPr>
-          <p:nvPr>
-            <p:ph type="body" idx="1"/>
-          </p:nvPr>
-        </p:nvSpPr>
-        <p:spPr/>
-        <p:txBody>
-          <a:bodyPr>
-            <a:normAutofit/>
-          </a:bodyPr>
-          <a:lstStyle/>
-          <a:p>
-            <a:r>
-              <a:rPr lang="en-GB" baseline="0" dirty="0" smtClean="0"/>
-              <a:t>Das </a:t>
-            </a:r>
-            <a:r>
-              <a:rPr lang="en-GB" baseline="0" dirty="0" err="1" smtClean="0"/>
-              <a:t>aktuelle</a:t>
-            </a:r>
-            <a:r>
-              <a:rPr lang="en-GB" baseline="0" dirty="0" smtClean="0"/>
-              <a:t> </a:t>
-            </a:r>
-            <a:r>
-              <a:rPr lang="en-GB" baseline="0" dirty="0" err="1" smtClean="0"/>
-              <a:t>Kapitel</a:t>
-            </a:r>
-            <a:r>
-              <a:rPr lang="en-GB" baseline="0" dirty="0" smtClean="0"/>
-              <a:t> </a:t>
-            </a:r>
-            <a:r>
-              <a:rPr lang="en-GB" baseline="0" dirty="0" err="1" smtClean="0"/>
-              <a:t>sollte</a:t>
-            </a:r>
-            <a:r>
-              <a:rPr lang="en-GB" baseline="0" dirty="0" smtClean="0"/>
-              <a:t> </a:t>
-            </a:r>
-            <a:r>
-              <a:rPr lang="en-GB" baseline="0" dirty="0" err="1" smtClean="0"/>
-              <a:t>fettgedruckt</a:t>
-            </a:r>
-            <a:r>
-              <a:rPr lang="en-GB" baseline="0" dirty="0" smtClean="0"/>
-              <a:t> </a:t>
-            </a:r>
-            <a:r>
-              <a:rPr lang="en-GB" baseline="0" dirty="0" err="1" smtClean="0"/>
-              <a:t>werden</a:t>
-            </a:r>
-            <a:r>
-              <a:rPr lang="en-GB" baseline="0" dirty="0" smtClean="0"/>
-              <a:t>. Den </a:t>
-            </a:r>
-            <a:r>
-              <a:rPr lang="en-GB" baseline="0" dirty="0" err="1" smtClean="0"/>
-              <a:t>Abstand</a:t>
-            </a:r>
-            <a:r>
-              <a:rPr lang="en-GB" baseline="0" dirty="0" smtClean="0"/>
-              <a:t> </a:t>
-            </a:r>
-            <a:r>
-              <a:rPr lang="en-GB" baseline="0" dirty="0" err="1" smtClean="0"/>
-              <a:t>der</a:t>
-            </a:r>
-            <a:r>
-              <a:rPr lang="en-GB" baseline="0" dirty="0" smtClean="0"/>
-              <a:t> </a:t>
-            </a:r>
-            <a:r>
-              <a:rPr lang="en-GB" baseline="0" dirty="0" err="1" smtClean="0"/>
-              <a:t>Worte</a:t>
-            </a:r>
-            <a:r>
-              <a:rPr lang="en-GB" baseline="0" dirty="0" smtClean="0"/>
-              <a:t> </a:t>
-            </a:r>
-            <a:r>
-              <a:rPr lang="en-GB" baseline="0" dirty="0" err="1" smtClean="0"/>
-              <a:t>kann</a:t>
-            </a:r>
-            <a:r>
-              <a:rPr lang="en-GB" baseline="0" dirty="0" smtClean="0"/>
-              <a:t> man gut in PowerPoint an </a:t>
-            </a:r>
-            <a:r>
-              <a:rPr lang="en-GB" baseline="0" dirty="0" err="1" smtClean="0"/>
-              <a:t>andere</a:t>
-            </a:r>
-            <a:r>
-              <a:rPr lang="en-GB" baseline="0" dirty="0" smtClean="0"/>
-              <a:t> </a:t>
-            </a:r>
-            <a:r>
-              <a:rPr lang="en-GB" baseline="0" dirty="0" err="1" smtClean="0"/>
-              <a:t>Wortlängen</a:t>
-            </a:r>
-            <a:r>
-              <a:rPr lang="en-GB" baseline="0" dirty="0" smtClean="0"/>
-              <a:t> </a:t>
-            </a:r>
-            <a:r>
-              <a:rPr lang="en-GB" baseline="0" dirty="0" err="1" smtClean="0"/>
-              <a:t>anpassen</a:t>
-            </a:r>
-            <a:r>
-              <a:rPr lang="en-GB" baseline="0" dirty="0" smtClean="0"/>
-              <a:t>, </a:t>
-            </a:r>
-            <a:r>
-              <a:rPr lang="en-GB" baseline="0" dirty="0" err="1" smtClean="0"/>
-              <a:t>dazu</a:t>
-            </a:r>
-            <a:r>
-              <a:rPr lang="en-GB" baseline="0" dirty="0" smtClean="0"/>
-              <a:t> </a:t>
-            </a:r>
-            <a:r>
-              <a:rPr lang="en-GB" baseline="0" dirty="0" err="1" smtClean="0"/>
-              <a:t>alle</a:t>
-            </a:r>
-            <a:r>
-              <a:rPr lang="en-GB" baseline="0" dirty="0" smtClean="0"/>
-              <a:t> </a:t>
-            </a:r>
-            <a:r>
-              <a:rPr lang="en-GB" baseline="0" dirty="0" err="1" smtClean="0"/>
-              <a:t>Worte</a:t>
-            </a:r>
-            <a:r>
-              <a:rPr lang="en-GB" baseline="0" dirty="0" smtClean="0"/>
-              <a:t> und die </a:t>
-            </a:r>
-            <a:r>
-              <a:rPr lang="en-GB" baseline="0" dirty="0" err="1" smtClean="0"/>
-              <a:t>Pfeile</a:t>
-            </a:r>
-            <a:r>
-              <a:rPr lang="en-GB" baseline="0" dirty="0" smtClean="0"/>
-              <a:t> </a:t>
-            </a:r>
-            <a:r>
-              <a:rPr lang="en-GB" baseline="0" dirty="0" err="1" smtClean="0"/>
-              <a:t>markieren</a:t>
-            </a:r>
-            <a:r>
-              <a:rPr lang="en-GB" baseline="0" dirty="0" smtClean="0"/>
-              <a:t> und “</a:t>
-            </a:r>
-            <a:r>
-              <a:rPr lang="en-GB" baseline="0" dirty="0" err="1" smtClean="0"/>
-              <a:t>Anordnen</a:t>
-            </a:r>
-            <a:r>
-              <a:rPr lang="en-GB" baseline="0" dirty="0" smtClean="0"/>
-              <a:t> -&gt; </a:t>
-            </a:r>
-            <a:r>
-              <a:rPr lang="en-GB" baseline="0" dirty="0" err="1" smtClean="0"/>
-              <a:t>Ausrichten</a:t>
-            </a:r>
-            <a:r>
-              <a:rPr lang="en-GB" baseline="0" dirty="0" smtClean="0"/>
-              <a:t> -&gt; Horizontal </a:t>
-            </a:r>
-            <a:r>
-              <a:rPr lang="en-GB" baseline="0" dirty="0" err="1" smtClean="0"/>
-              <a:t>verteilen</a:t>
-            </a:r>
-            <a:r>
-              <a:rPr lang="en-GB" baseline="0" dirty="0" smtClean="0"/>
-              <a:t>”  </a:t>
-            </a:r>
-            <a:r>
-              <a:rPr lang="en-GB" baseline="0" dirty="0" err="1" smtClean="0"/>
-              <a:t>auswählen</a:t>
-            </a:r>
-            <a:r>
-              <a:rPr lang="en-GB" baseline="0" dirty="0" smtClean="0"/>
-              <a:t> (PowerPoint2007). </a:t>
-            </a:r>
-            <a:endParaRPr lang="en-GB" dirty="0"/>
-          </a:p>
-        </p:txBody>
-      </p:sp>
-      <p:sp>
-        <p:nvSpPr>
-          <p:cNvPr id="4" name="Foliennummernplatzhalter 3"/>
-          <p:cNvSpPr>
-            <a:spLocks noGrp="1"/>
-          </p:cNvSpPr>
-          <p:nvPr>
-            <p:ph type="sldNum" sz="quarter" idx="10"/>
-          </p:nvPr>
-        </p:nvSpPr>
-        <p:spPr/>
-        <p:txBody>
-          <a:bodyPr/>
-          <a:lstStyle/>
-          <a:p>
-            <a:fld id="{74ACB795-123D-4B41-ABB8-5412373C4490}" type="slidenum">
-              <a:rPr lang="en-GB" smtClean="0">
-                <a:solidFill>
-                  <a:prstClr val="black"/>
-                </a:solidFill>
-              </a:rPr>
-              <a:pPr/>
-              <a:t>18</a:t>
-            </a:fld>
-            <a:endParaRPr lang="en-GB">
-              <a:solidFill>
-                <a:prstClr val="black"/>
-              </a:solidFill>
-            </a:endParaRPr>
-          </a:p>
-        </p:txBody>
-      </p:sp>
-    </p:spTree>
-    <p:extLst>
-      <p:ext uri="{BB962C8B-B14F-4D97-AF65-F5344CB8AC3E}">
-        <p14:creationId xmlns:p14="http://schemas.microsoft.com/office/powerpoint/2010/main" val="3535616076"/>
       </p:ext>
     </p:extLst>
   </p:cSld>
@@ -7603,7 +7605,7 @@
     </p:spTree>
     <p:extLst>
       <p:ext uri="{BB962C8B-B14F-4D97-AF65-F5344CB8AC3E}">
-        <p14:creationId xmlns:p14="http://schemas.microsoft.com/office/powerpoint/2010/main" val="3789656306"/>
+        <p14:creationId xmlns:p14="http://schemas.microsoft.com/office/powerpoint/2010/main" val="3535616076"/>
       </p:ext>
     </p:extLst>
   </p:cSld>
@@ -7870,7 +7872,7 @@
     </p:spTree>
     <p:extLst>
       <p:ext uri="{BB962C8B-B14F-4D97-AF65-F5344CB8AC3E}">
-        <p14:creationId xmlns:p14="http://schemas.microsoft.com/office/powerpoint/2010/main" val="230650053"/>
+        <p14:creationId xmlns:p14="http://schemas.microsoft.com/office/powerpoint/2010/main" val="3789656306"/>
       </p:ext>
     </p:extLst>
   </p:cSld>
@@ -8138,6 +8140,273 @@
     <p:extLst>
       <p:ext uri="{BB962C8B-B14F-4D97-AF65-F5344CB8AC3E}">
         <p14:creationId xmlns:p14="http://schemas.microsoft.com/office/powerpoint/2010/main" val="1026569350"/>
+      </p:ext>
+    </p:extLst>
+  </p:cSld>
+  <p:clrMapOvr>
+    <a:masterClrMapping/>
+  </p:clrMapOvr>
+</p:notes>
+</file>
+
+<file path=ppt/notesSlides/notesSlide20.xml><?xml version="1.0" encoding="utf-8"?>
+<p:notes xmlns:a="http://schemas.openxmlformats.org/drawingml/2006/main" xmlns:r="http://schemas.openxmlformats.org/officeDocument/2006/relationships" xmlns:p="http://schemas.openxmlformats.org/presentationml/2006/main">
+  <p:cSld>
+    <p:spTree>
+      <p:nvGrpSpPr>
+        <p:cNvPr id="1" name=""/>
+        <p:cNvGrpSpPr/>
+        <p:nvPr/>
+      </p:nvGrpSpPr>
+      <p:grpSpPr>
+        <a:xfrm>
+          <a:off x="0" y="0"/>
+          <a:ext cx="0" cy="0"/>
+          <a:chOff x="0" y="0"/>
+          <a:chExt cx="0" cy="0"/>
+        </a:xfrm>
+      </p:grpSpPr>
+      <p:sp>
+        <p:nvSpPr>
+          <p:cNvPr id="2" name="Folienbildplatzhalter 1"/>
+          <p:cNvSpPr>
+            <a:spLocks noGrp="1" noRot="1" noChangeAspect="1"/>
+          </p:cNvSpPr>
+          <p:nvPr>
+            <p:ph type="sldImg"/>
+          </p:nvPr>
+        </p:nvSpPr>
+        <p:spPr/>
+      </p:sp>
+      <p:sp>
+        <p:nvSpPr>
+          <p:cNvPr id="3" name="Notizenplatzhalter 2"/>
+          <p:cNvSpPr>
+            <a:spLocks noGrp="1"/>
+          </p:cNvSpPr>
+          <p:nvPr>
+            <p:ph type="body" idx="1"/>
+          </p:nvPr>
+        </p:nvSpPr>
+        <p:spPr/>
+        <p:txBody>
+          <a:bodyPr>
+            <a:normAutofit/>
+          </a:bodyPr>
+          <a:lstStyle/>
+          <a:p>
+            <a:r>
+              <a:rPr lang="en-GB" baseline="0" dirty="0" smtClean="0"/>
+              <a:t>Das </a:t>
+            </a:r>
+            <a:r>
+              <a:rPr lang="en-GB" baseline="0" dirty="0" err="1" smtClean="0"/>
+              <a:t>aktuelle</a:t>
+            </a:r>
+            <a:r>
+              <a:rPr lang="en-GB" baseline="0" dirty="0" smtClean="0"/>
+              <a:t> </a:t>
+            </a:r>
+            <a:r>
+              <a:rPr lang="en-GB" baseline="0" dirty="0" err="1" smtClean="0"/>
+              <a:t>Kapitel</a:t>
+            </a:r>
+            <a:r>
+              <a:rPr lang="en-GB" baseline="0" dirty="0" smtClean="0"/>
+              <a:t> </a:t>
+            </a:r>
+            <a:r>
+              <a:rPr lang="en-GB" baseline="0" dirty="0" err="1" smtClean="0"/>
+              <a:t>sollte</a:t>
+            </a:r>
+            <a:r>
+              <a:rPr lang="en-GB" baseline="0" dirty="0" smtClean="0"/>
+              <a:t> </a:t>
+            </a:r>
+            <a:r>
+              <a:rPr lang="en-GB" baseline="0" dirty="0" err="1" smtClean="0"/>
+              <a:t>fettgedruckt</a:t>
+            </a:r>
+            <a:r>
+              <a:rPr lang="en-GB" baseline="0" dirty="0" smtClean="0"/>
+              <a:t> </a:t>
+            </a:r>
+            <a:r>
+              <a:rPr lang="en-GB" baseline="0" dirty="0" err="1" smtClean="0"/>
+              <a:t>werden</a:t>
+            </a:r>
+            <a:r>
+              <a:rPr lang="en-GB" baseline="0" dirty="0" smtClean="0"/>
+              <a:t>. Den </a:t>
+            </a:r>
+            <a:r>
+              <a:rPr lang="en-GB" baseline="0" dirty="0" err="1" smtClean="0"/>
+              <a:t>Abstand</a:t>
+            </a:r>
+            <a:r>
+              <a:rPr lang="en-GB" baseline="0" dirty="0" smtClean="0"/>
+              <a:t> </a:t>
+            </a:r>
+            <a:r>
+              <a:rPr lang="en-GB" baseline="0" dirty="0" err="1" smtClean="0"/>
+              <a:t>der</a:t>
+            </a:r>
+            <a:r>
+              <a:rPr lang="en-GB" baseline="0" dirty="0" smtClean="0"/>
+              <a:t> </a:t>
+            </a:r>
+            <a:r>
+              <a:rPr lang="en-GB" baseline="0" dirty="0" err="1" smtClean="0"/>
+              <a:t>Worte</a:t>
+            </a:r>
+            <a:r>
+              <a:rPr lang="en-GB" baseline="0" dirty="0" smtClean="0"/>
+              <a:t> </a:t>
+            </a:r>
+            <a:r>
+              <a:rPr lang="en-GB" baseline="0" dirty="0" err="1" smtClean="0"/>
+              <a:t>kann</a:t>
+            </a:r>
+            <a:r>
+              <a:rPr lang="en-GB" baseline="0" dirty="0" smtClean="0"/>
+              <a:t> man gut in PowerPoint an </a:t>
+            </a:r>
+            <a:r>
+              <a:rPr lang="en-GB" baseline="0" dirty="0" err="1" smtClean="0"/>
+              <a:t>andere</a:t>
+            </a:r>
+            <a:r>
+              <a:rPr lang="en-GB" baseline="0" dirty="0" smtClean="0"/>
+              <a:t> </a:t>
+            </a:r>
+            <a:r>
+              <a:rPr lang="en-GB" baseline="0" dirty="0" err="1" smtClean="0"/>
+              <a:t>Wortlängen</a:t>
+            </a:r>
+            <a:r>
+              <a:rPr lang="en-GB" baseline="0" dirty="0" smtClean="0"/>
+              <a:t> </a:t>
+            </a:r>
+            <a:r>
+              <a:rPr lang="en-GB" baseline="0" dirty="0" err="1" smtClean="0"/>
+              <a:t>anpassen</a:t>
+            </a:r>
+            <a:r>
+              <a:rPr lang="en-GB" baseline="0" dirty="0" smtClean="0"/>
+              <a:t>, </a:t>
+            </a:r>
+            <a:r>
+              <a:rPr lang="en-GB" baseline="0" dirty="0" err="1" smtClean="0"/>
+              <a:t>dazu</a:t>
+            </a:r>
+            <a:r>
+              <a:rPr lang="en-GB" baseline="0" dirty="0" smtClean="0"/>
+              <a:t> </a:t>
+            </a:r>
+            <a:r>
+              <a:rPr lang="en-GB" baseline="0" dirty="0" err="1" smtClean="0"/>
+              <a:t>alle</a:t>
+            </a:r>
+            <a:r>
+              <a:rPr lang="en-GB" baseline="0" dirty="0" smtClean="0"/>
+              <a:t> </a:t>
+            </a:r>
+            <a:r>
+              <a:rPr lang="en-GB" baseline="0" dirty="0" err="1" smtClean="0"/>
+              <a:t>Worte</a:t>
+            </a:r>
+            <a:r>
+              <a:rPr lang="en-GB" baseline="0" dirty="0" smtClean="0"/>
+              <a:t> und die </a:t>
+            </a:r>
+            <a:r>
+              <a:rPr lang="en-GB" baseline="0" dirty="0" err="1" smtClean="0"/>
+              <a:t>Pfeile</a:t>
+            </a:r>
+            <a:r>
+              <a:rPr lang="en-GB" baseline="0" dirty="0" smtClean="0"/>
+              <a:t> </a:t>
+            </a:r>
+            <a:r>
+              <a:rPr lang="en-GB" baseline="0" dirty="0" err="1" smtClean="0"/>
+              <a:t>markieren</a:t>
+            </a:r>
+            <a:r>
+              <a:rPr lang="en-GB" baseline="0" dirty="0" smtClean="0"/>
+              <a:t> und “</a:t>
+            </a:r>
+            <a:r>
+              <a:rPr lang="en-GB" baseline="0" dirty="0" err="1" smtClean="0"/>
+              <a:t>Anordnen</a:t>
+            </a:r>
+            <a:r>
+              <a:rPr lang="en-GB" baseline="0" dirty="0" smtClean="0"/>
+              <a:t> -&gt; </a:t>
+            </a:r>
+            <a:r>
+              <a:rPr lang="en-GB" baseline="0" dirty="0" err="1" smtClean="0"/>
+              <a:t>Ausrichten</a:t>
+            </a:r>
+            <a:r>
+              <a:rPr lang="en-GB" baseline="0" dirty="0" smtClean="0"/>
+              <a:t> -&gt; Horizontal </a:t>
+            </a:r>
+            <a:r>
+              <a:rPr lang="en-GB" baseline="0" dirty="0" err="1" smtClean="0"/>
+              <a:t>verteilen</a:t>
+            </a:r>
+            <a:r>
+              <a:rPr lang="en-GB" baseline="0" dirty="0" smtClean="0"/>
+              <a:t>”  </a:t>
+            </a:r>
+            <a:r>
+              <a:rPr lang="en-GB" baseline="0" dirty="0" err="1" smtClean="0"/>
+              <a:t>auswählen</a:t>
+            </a:r>
+            <a:r>
+              <a:rPr lang="en-GB" baseline="0" dirty="0" smtClean="0"/>
+              <a:t> (PowerPoint2007). </a:t>
+            </a:r>
+            <a:endParaRPr lang="en-GB" dirty="0"/>
+          </a:p>
+        </p:txBody>
+      </p:sp>
+      <p:sp>
+        <p:nvSpPr>
+          <p:cNvPr id="4" name="Foliennummernplatzhalter 3"/>
+          <p:cNvSpPr>
+            <a:spLocks noGrp="1"/>
+          </p:cNvSpPr>
+          <p:nvPr>
+            <p:ph type="sldNum" sz="quarter" idx="10"/>
+          </p:nvPr>
+        </p:nvSpPr>
+        <p:spPr/>
+        <p:txBody>
+          <a:bodyPr/>
+          <a:lstStyle/>
+          <a:p>
+            <a:fld id="{74ACB795-123D-4B41-ABB8-5412373C4490}" type="slidenum">
+              <a:rPr lang="en-GB" smtClean="0">
+                <a:solidFill>
+                  <a:prstClr val="black"/>
+                </a:solidFill>
+              </a:rPr>
+              <a:pPr/>
+              <a:t>21</a:t>
+            </a:fld>
+            <a:endParaRPr lang="en-GB">
+              <a:solidFill>
+                <a:prstClr val="black"/>
+              </a:solidFill>
+            </a:endParaRPr>
+          </a:p>
+        </p:txBody>
+      </p:sp>
+    </p:spTree>
+    <p:extLst>
+      <p:ext uri="{BB962C8B-B14F-4D97-AF65-F5344CB8AC3E}">
+        <p14:creationId xmlns:p14="http://schemas.microsoft.com/office/powerpoint/2010/main" val="230650053"/>
       </p:ext>
     </p:extLst>
   </p:cSld>
@@ -10739,7 +11008,373 @@
 </p:sldLayout>
 </file>
 
-<file path=ppt/slideLayouts/slideLayout2.xml><?xml version="1.0" encoding="utf-8"?>
+<file path=ppt/slideLayouts/slideLayout13.xml><?xml version="1.0" encoding="utf-8"?>
+<p:sldLayout xmlns:a="http://schemas.openxmlformats.org/drawingml/2006/main" xmlns:r="http://schemas.openxmlformats.org/officeDocument/2006/relationships" xmlns:p="http://schemas.openxmlformats.org/presentationml/2006/main" showMasterSp="0" type="title" preserve="1">
+  <p:cSld name="Titelfolie">
+    <p:spTree>
+      <p:nvGrpSpPr>
+        <p:cNvPr id="1" name=""/>
+        <p:cNvGrpSpPr/>
+        <p:nvPr/>
+      </p:nvGrpSpPr>
+      <p:grpSpPr>
+        <a:xfrm>
+          <a:off x="0" y="0"/>
+          <a:ext cx="0" cy="0"/>
+          <a:chOff x="0" y="0"/>
+          <a:chExt cx="0" cy="0"/>
+        </a:xfrm>
+      </p:grpSpPr>
+      <p:pic>
+        <p:nvPicPr>
+          <p:cNvPr id="2" name="Picture 2"/>
+          <p:cNvPicPr>
+            <a:picLocks noChangeAspect="1" noChangeArrowheads="1"/>
+          </p:cNvPicPr>
+          <p:nvPr/>
+        </p:nvPicPr>
+        <p:blipFill>
+          <a:blip r:embed="rId2">
+            <a:extLst>
+              <a:ext uri="{28A0092B-C50C-407E-A947-70E740481C1C}">
+                <a14:useLocalDpi xmlns:a14="http://schemas.microsoft.com/office/drawing/2010/main" val="0"/>
+              </a:ext>
+            </a:extLst>
+          </a:blip>
+          <a:stretch>
+            <a:fillRect/>
+          </a:stretch>
+        </p:blipFill>
+        <p:spPr bwMode="auto">
+          <a:xfrm>
+            <a:off x="87313" y="3505554"/>
+            <a:ext cx="9056687" cy="2872667"/>
+          </a:xfrm>
+          <a:prstGeom prst="rect">
+            <a:avLst/>
+          </a:prstGeom>
+          <a:noFill/>
+          <a:ln w="9525">
+            <a:noFill/>
+            <a:miter lim="800000"/>
+            <a:headEnd/>
+            <a:tailEnd/>
+          </a:ln>
+        </p:spPr>
+      </p:pic>
+      <p:pic>
+        <p:nvPicPr>
+          <p:cNvPr id="3" name="Picture 9" descr="II_rahmen_neu_titel"/>
+          <p:cNvPicPr>
+            <a:picLocks noChangeAspect="1" noChangeArrowheads="1"/>
+          </p:cNvPicPr>
+          <p:nvPr/>
+        </p:nvPicPr>
+        <p:blipFill>
+          <a:blip r:embed="rId3" cstate="print"/>
+          <a:srcRect/>
+          <a:stretch>
+            <a:fillRect/>
+          </a:stretch>
+        </p:blipFill>
+        <p:spPr bwMode="auto">
+          <a:xfrm>
+            <a:off x="0" y="0"/>
+            <a:ext cx="9144000" cy="6870700"/>
+          </a:xfrm>
+          <a:prstGeom prst="rect">
+            <a:avLst/>
+          </a:prstGeom>
+          <a:noFill/>
+          <a:ln w="9525">
+            <a:noFill/>
+            <a:miter lim="800000"/>
+            <a:headEnd/>
+            <a:tailEnd/>
+          </a:ln>
+        </p:spPr>
+      </p:pic>
+      <p:sp>
+        <p:nvSpPr>
+          <p:cNvPr id="4" name="Text Box 14"/>
+          <p:cNvSpPr txBox="1">
+            <a:spLocks noChangeArrowheads="1"/>
+          </p:cNvSpPr>
+          <p:nvPr/>
+        </p:nvSpPr>
+        <p:spPr bwMode="auto">
+          <a:xfrm>
+            <a:off x="396874" y="6426253"/>
+            <a:ext cx="5620468" cy="307777"/>
+          </a:xfrm>
+          <a:prstGeom prst="rect">
+            <a:avLst/>
+          </a:prstGeom>
+          <a:noFill/>
+          <a:ln w="9525">
+            <a:noFill/>
+            <a:miter lim="800000"/>
+            <a:headEnd/>
+            <a:tailEnd/>
+          </a:ln>
+          <a:effectLst/>
+        </p:spPr>
+        <p:txBody>
+          <a:bodyPr wrap="square" lIns="0" tIns="0" rIns="0" bIns="0">
+            <a:spAutoFit/>
+          </a:bodyPr>
+          <a:lstStyle/>
+          <a:p>
+            <a:pPr>
+              <a:defRPr/>
+            </a:pPr>
+            <a:r>
+              <a:rPr lang="en-US" sz="1000" dirty="0">
+                <a:solidFill>
+                  <a:srgbClr val="000000"/>
+                </a:solidFill>
+                <a:latin typeface="Arial" pitchFamily="34" charset="0"/>
+              </a:rPr>
+              <a:t>KIT – </a:t>
+            </a:r>
+            <a:r>
+              <a:rPr lang="de-DE" sz="1000" dirty="0" smtClean="0">
+                <a:solidFill>
+                  <a:srgbClr val="000000"/>
+                </a:solidFill>
+                <a:latin typeface="Arial" pitchFamily="34" charset="0"/>
+              </a:rPr>
+              <a:t>Universität des Landes Baden-Württemberg und </a:t>
+            </a:r>
+            <a:br>
+              <a:rPr lang="de-DE" sz="1000" dirty="0" smtClean="0">
+                <a:solidFill>
+                  <a:srgbClr val="000000"/>
+                </a:solidFill>
+                <a:latin typeface="Arial" pitchFamily="34" charset="0"/>
+              </a:rPr>
+            </a:br>
+            <a:r>
+              <a:rPr lang="de-DE" sz="1000" dirty="0" smtClean="0">
+                <a:solidFill>
+                  <a:srgbClr val="000000"/>
+                </a:solidFill>
+                <a:latin typeface="Arial" pitchFamily="34" charset="0"/>
+              </a:rPr>
+              <a:t>nationales Forschungszentrum in der Helmholtz-Gemeinschaft</a:t>
+            </a:r>
+            <a:endParaRPr lang="en-US" sz="1000" dirty="0">
+              <a:solidFill>
+                <a:srgbClr val="000000"/>
+              </a:solidFill>
+              <a:latin typeface="Arial" pitchFamily="34" charset="0"/>
+            </a:endParaRPr>
+          </a:p>
+        </p:txBody>
+      </p:sp>
+      <p:sp>
+        <p:nvSpPr>
+          <p:cNvPr id="5" name="Text Box 21"/>
+          <p:cNvSpPr txBox="1">
+            <a:spLocks noChangeArrowheads="1"/>
+          </p:cNvSpPr>
+          <p:nvPr/>
+        </p:nvSpPr>
+        <p:spPr bwMode="auto">
+          <a:xfrm>
+            <a:off x="385763" y="3289300"/>
+            <a:ext cx="8532812" cy="307975"/>
+          </a:xfrm>
+          <a:prstGeom prst="rect">
+            <a:avLst/>
+          </a:prstGeom>
+          <a:noFill/>
+          <a:ln w="9525">
+            <a:noFill/>
+            <a:miter lim="800000"/>
+            <a:headEnd/>
+            <a:tailEnd/>
+          </a:ln>
+          <a:effectLst/>
+        </p:spPr>
+        <p:txBody>
+          <a:bodyPr lIns="0" tIns="0" rIns="0" bIns="0" anchor="ctr">
+            <a:spAutoFit/>
+          </a:bodyPr>
+          <a:lstStyle/>
+          <a:p>
+            <a:pPr>
+              <a:defRPr/>
+            </a:pPr>
+            <a:r>
+              <a:rPr lang="de-DE" sz="1000" dirty="0" smtClean="0">
+                <a:solidFill>
+                  <a:srgbClr val="FFFFFF"/>
+                </a:solidFill>
+                <a:latin typeface="Arial" pitchFamily="34" charset="0"/>
+              </a:rPr>
+              <a:t>Praxis der Softwareentwicklung SS 2014</a:t>
+            </a:r>
+            <a:r>
+              <a:rPr lang="de-DE" sz="1000" dirty="0">
+                <a:solidFill>
+                  <a:srgbClr val="FFFFFF"/>
+                </a:solidFill>
+                <a:latin typeface="Arial" pitchFamily="34" charset="0"/>
+              </a:rPr>
+              <a:t/>
+            </a:r>
+            <a:br>
+              <a:rPr lang="de-DE" sz="1000" dirty="0">
+                <a:solidFill>
+                  <a:srgbClr val="FFFFFF"/>
+                </a:solidFill>
+                <a:latin typeface="Arial" pitchFamily="34" charset="0"/>
+              </a:rPr>
+            </a:br>
+            <a:r>
+              <a:rPr lang="de-DE" sz="1000" dirty="0" err="1" smtClean="0">
+                <a:solidFill>
+                  <a:srgbClr val="FFFFFF"/>
+                </a:solidFill>
+                <a:latin typeface="Arial" pitchFamily="34" charset="0"/>
+              </a:rPr>
+              <a:t>Advanced</a:t>
+            </a:r>
+            <a:r>
+              <a:rPr lang="de-DE" sz="1000" dirty="0" smtClean="0">
+                <a:solidFill>
+                  <a:srgbClr val="FFFFFF"/>
+                </a:solidFill>
+                <a:latin typeface="Arial" pitchFamily="34" charset="0"/>
+              </a:rPr>
+              <a:t> ROS Network </a:t>
+            </a:r>
+            <a:r>
+              <a:rPr lang="de-DE" sz="1000" dirty="0" err="1" smtClean="0">
+                <a:solidFill>
+                  <a:srgbClr val="FFFFFF"/>
+                </a:solidFill>
+                <a:latin typeface="Arial" pitchFamily="34" charset="0"/>
+              </a:rPr>
+              <a:t>Introspection</a:t>
+            </a:r>
+            <a:endParaRPr lang="de-DE" sz="1000" dirty="0">
+              <a:solidFill>
+                <a:srgbClr val="FFFFFF"/>
+              </a:solidFill>
+              <a:latin typeface="Arial" pitchFamily="34" charset="0"/>
+            </a:endParaRPr>
+          </a:p>
+        </p:txBody>
+      </p:sp>
+      <p:sp>
+        <p:nvSpPr>
+          <p:cNvPr id="6" name="Text Box 14"/>
+          <p:cNvSpPr txBox="1">
+            <a:spLocks noChangeArrowheads="1"/>
+          </p:cNvSpPr>
+          <p:nvPr/>
+        </p:nvSpPr>
+        <p:spPr bwMode="auto">
+          <a:xfrm>
+            <a:off x="7318375" y="6497638"/>
+            <a:ext cx="1727200" cy="244475"/>
+          </a:xfrm>
+          <a:prstGeom prst="rect">
+            <a:avLst/>
+          </a:prstGeom>
+          <a:noFill/>
+          <a:ln w="9525">
+            <a:noFill/>
+            <a:miter lim="800000"/>
+            <a:headEnd/>
+            <a:tailEnd/>
+          </a:ln>
+          <a:effectLst/>
+        </p:spPr>
+        <p:txBody>
+          <a:bodyPr lIns="0" tIns="0" rIns="0" bIns="0">
+            <a:spAutoFit/>
+          </a:bodyPr>
+          <a:lstStyle/>
+          <a:p>
+            <a:pPr algn="r">
+              <a:defRPr/>
+            </a:pPr>
+            <a:r>
+              <a:rPr lang="de-DE" sz="1600" b="1">
+                <a:solidFill>
+                  <a:srgbClr val="FFFFFF"/>
+                </a:solidFill>
+              </a:rPr>
+              <a:t>www.kit.edu</a:t>
+            </a:r>
+          </a:p>
+        </p:txBody>
+      </p:sp>
+      <p:pic>
+        <p:nvPicPr>
+          <p:cNvPr id="8" name="Picture 2" descr="C:\versioned\KlausSVN\Dissertation\presentations\Disputation\kit_logo_de_farbe_positiv.jpg"/>
+          <p:cNvPicPr>
+            <a:picLocks noChangeAspect="1" noChangeArrowheads="1"/>
+          </p:cNvPicPr>
+          <p:nvPr userDrawn="1"/>
+        </p:nvPicPr>
+        <p:blipFill>
+          <a:blip r:embed="rId4" cstate="print">
+            <a:extLst>
+              <a:ext uri="{28A0092B-C50C-407E-A947-70E740481C1C}">
+                <a14:useLocalDpi xmlns:a14="http://schemas.microsoft.com/office/drawing/2010/main" val="0"/>
+              </a:ext>
+            </a:extLst>
+          </a:blip>
+          <a:srcRect/>
+          <a:stretch>
+            <a:fillRect/>
+          </a:stretch>
+        </p:blipFill>
+        <p:spPr bwMode="auto">
+          <a:xfrm>
+            <a:off x="396874" y="333375"/>
+            <a:ext cx="1617664" cy="739736"/>
+          </a:xfrm>
+          <a:prstGeom prst="rect">
+            <a:avLst/>
+          </a:prstGeom>
+          <a:noFill/>
+          <a:extLst>
+            <a:ext uri="{909E8E84-426E-40DD-AFC4-6F175D3DCCD1}">
+              <a14:hiddenFill xmlns:a14="http://schemas.microsoft.com/office/drawing/2010/main">
+                <a:solidFill>
+                  <a:srgbClr val="FFFFFF"/>
+                </a:solidFill>
+              </a14:hiddenFill>
+            </a:ext>
+          </a:extLst>
+        </p:spPr>
+      </p:pic>
+    </p:spTree>
+    <p:extLst>
+      <p:ext uri="{BB962C8B-B14F-4D97-AF65-F5344CB8AC3E}">
+        <p14:creationId xmlns:p14="http://schemas.microsoft.com/office/powerpoint/2010/main" val="1573253139"/>
+      </p:ext>
+    </p:extLst>
+  </p:cSld>
+  <p:clrMapOvr>
+    <a:masterClrMapping/>
+  </p:clrMapOvr>
+  <p:timing>
+    <p:tnLst>
+      <p:par>
+        <p:cTn id="1" dur="indefinite" restart="never" nodeType="tmRoot"/>
+      </p:par>
+    </p:tnLst>
+  </p:timing>
+</p:sldLayout>
+</file>
+
+<file path=ppt/slideLayouts/slideLayout14.xml><?xml version="1.0" encoding="utf-8"?>
 <p:sldLayout xmlns:a="http://schemas.openxmlformats.org/drawingml/2006/main" xmlns:r="http://schemas.openxmlformats.org/officeDocument/2006/relationships" xmlns:p="http://schemas.openxmlformats.org/presentationml/2006/main" type="obj" preserve="1">
   <p:cSld name="Titel und Inhalt">
     <p:spTree>
@@ -10868,6 +11503,1998 @@
         </p:txBody>
       </p:sp>
     </p:spTree>
+    <p:extLst>
+      <p:ext uri="{BB962C8B-B14F-4D97-AF65-F5344CB8AC3E}">
+        <p14:creationId xmlns:p14="http://schemas.microsoft.com/office/powerpoint/2010/main" val="1323463693"/>
+      </p:ext>
+    </p:extLst>
+  </p:cSld>
+  <p:clrMapOvr>
+    <a:masterClrMapping/>
+  </p:clrMapOvr>
+  <p:timing>
+    <p:tnLst>
+      <p:par>
+        <p:cTn id="1" dur="indefinite" restart="never" nodeType="tmRoot"/>
+      </p:par>
+    </p:tnLst>
+  </p:timing>
+</p:sldLayout>
+</file>
+
+<file path=ppt/slideLayouts/slideLayout15.xml><?xml version="1.0" encoding="utf-8"?>
+<p:sldLayout xmlns:a="http://schemas.openxmlformats.org/drawingml/2006/main" xmlns:r="http://schemas.openxmlformats.org/officeDocument/2006/relationships" xmlns:p="http://schemas.openxmlformats.org/presentationml/2006/main" type="secHead" preserve="1">
+  <p:cSld name="Abschnittsüberschrift">
+    <p:spTree>
+      <p:nvGrpSpPr>
+        <p:cNvPr id="1" name=""/>
+        <p:cNvGrpSpPr/>
+        <p:nvPr/>
+      </p:nvGrpSpPr>
+      <p:grpSpPr>
+        <a:xfrm>
+          <a:off x="0" y="0"/>
+          <a:ext cx="0" cy="0"/>
+          <a:chOff x="0" y="0"/>
+          <a:chExt cx="0" cy="0"/>
+        </a:xfrm>
+      </p:grpSpPr>
+      <p:sp>
+        <p:nvSpPr>
+          <p:cNvPr id="2" name="Titel 1"/>
+          <p:cNvSpPr>
+            <a:spLocks noGrp="1"/>
+          </p:cNvSpPr>
+          <p:nvPr>
+            <p:ph type="title"/>
+          </p:nvPr>
+        </p:nvSpPr>
+        <p:spPr>
+          <a:xfrm>
+            <a:off x="722313" y="4406900"/>
+            <a:ext cx="7772400" cy="1362075"/>
+          </a:xfrm>
+        </p:spPr>
+        <p:txBody>
+          <a:bodyPr anchor="t"/>
+          <a:lstStyle>
+            <a:lvl1pPr algn="l">
+              <a:defRPr sz="3200" b="1" cap="all"/>
+            </a:lvl1pPr>
+          </a:lstStyle>
+          <a:p>
+            <a:r>
+              <a:rPr lang="de-DE" smtClean="0"/>
+              <a:t>Titelmasterformat durch Klicken bearbeiten</a:t>
+            </a:r>
+            <a:endParaRPr lang="de-DE" dirty="0"/>
+          </a:p>
+        </p:txBody>
+      </p:sp>
+      <p:sp>
+        <p:nvSpPr>
+          <p:cNvPr id="3" name="Textplatzhalter 2"/>
+          <p:cNvSpPr>
+            <a:spLocks noGrp="1"/>
+          </p:cNvSpPr>
+          <p:nvPr>
+            <p:ph type="body" idx="1"/>
+          </p:nvPr>
+        </p:nvSpPr>
+        <p:spPr>
+          <a:xfrm>
+            <a:off x="722313" y="2906713"/>
+            <a:ext cx="7772400" cy="1500187"/>
+          </a:xfrm>
+        </p:spPr>
+        <p:txBody>
+          <a:bodyPr anchor="b"/>
+          <a:lstStyle>
+            <a:lvl1pPr marL="0" indent="0">
+              <a:buNone/>
+              <a:defRPr sz="2000"/>
+            </a:lvl1pPr>
+            <a:lvl2pPr marL="457200" indent="0">
+              <a:buNone/>
+              <a:defRPr sz="1800"/>
+            </a:lvl2pPr>
+            <a:lvl3pPr marL="914400" indent="0">
+              <a:buNone/>
+              <a:defRPr sz="1600"/>
+            </a:lvl3pPr>
+            <a:lvl4pPr marL="1371600" indent="0">
+              <a:buNone/>
+              <a:defRPr sz="1400"/>
+            </a:lvl4pPr>
+            <a:lvl5pPr marL="1828800" indent="0">
+              <a:buNone/>
+              <a:defRPr sz="1400"/>
+            </a:lvl5pPr>
+            <a:lvl6pPr marL="2286000" indent="0">
+              <a:buNone/>
+              <a:defRPr sz="1400"/>
+            </a:lvl6pPr>
+            <a:lvl7pPr marL="2743200" indent="0">
+              <a:buNone/>
+              <a:defRPr sz="1400"/>
+            </a:lvl7pPr>
+            <a:lvl8pPr marL="3200400" indent="0">
+              <a:buNone/>
+              <a:defRPr sz="1400"/>
+            </a:lvl8pPr>
+            <a:lvl9pPr marL="3657600" indent="0">
+              <a:buNone/>
+              <a:defRPr sz="1400"/>
+            </a:lvl9pPr>
+          </a:lstStyle>
+          <a:p>
+            <a:pPr lvl="0"/>
+            <a:r>
+              <a:rPr lang="de-DE" smtClean="0"/>
+              <a:t>Textmasterformat bearbeiten</a:t>
+            </a:r>
+          </a:p>
+        </p:txBody>
+      </p:sp>
+    </p:spTree>
+    <p:extLst>
+      <p:ext uri="{BB962C8B-B14F-4D97-AF65-F5344CB8AC3E}">
+        <p14:creationId xmlns:p14="http://schemas.microsoft.com/office/powerpoint/2010/main" val="3093253883"/>
+      </p:ext>
+    </p:extLst>
+  </p:cSld>
+  <p:clrMapOvr>
+    <a:masterClrMapping/>
+  </p:clrMapOvr>
+  <p:timing>
+    <p:tnLst>
+      <p:par>
+        <p:cTn id="1" dur="indefinite" restart="never" nodeType="tmRoot"/>
+      </p:par>
+    </p:tnLst>
+  </p:timing>
+</p:sldLayout>
+</file>
+
+<file path=ppt/slideLayouts/slideLayout16.xml><?xml version="1.0" encoding="utf-8"?>
+<p:sldLayout xmlns:a="http://schemas.openxmlformats.org/drawingml/2006/main" xmlns:r="http://schemas.openxmlformats.org/officeDocument/2006/relationships" xmlns:p="http://schemas.openxmlformats.org/presentationml/2006/main" type="twoObj" preserve="1">
+  <p:cSld name="Zwei Inhalte">
+    <p:spTree>
+      <p:nvGrpSpPr>
+        <p:cNvPr id="1" name=""/>
+        <p:cNvGrpSpPr/>
+        <p:nvPr/>
+      </p:nvGrpSpPr>
+      <p:grpSpPr>
+        <a:xfrm>
+          <a:off x="0" y="0"/>
+          <a:ext cx="0" cy="0"/>
+          <a:chOff x="0" y="0"/>
+          <a:chExt cx="0" cy="0"/>
+        </a:xfrm>
+      </p:grpSpPr>
+      <p:sp>
+        <p:nvSpPr>
+          <p:cNvPr id="2" name="Titel 1"/>
+          <p:cNvSpPr>
+            <a:spLocks noGrp="1"/>
+          </p:cNvSpPr>
+          <p:nvPr>
+            <p:ph type="title"/>
+          </p:nvPr>
+        </p:nvSpPr>
+        <p:spPr/>
+        <p:txBody>
+          <a:bodyPr/>
+          <a:lstStyle/>
+          <a:p>
+            <a:r>
+              <a:rPr lang="de-DE" smtClean="0"/>
+              <a:t>Titelmasterformat durch Klicken bearbeiten</a:t>
+            </a:r>
+            <a:endParaRPr lang="de-DE"/>
+          </a:p>
+        </p:txBody>
+      </p:sp>
+      <p:sp>
+        <p:nvSpPr>
+          <p:cNvPr id="3" name="Inhaltsplatzhalter 2"/>
+          <p:cNvSpPr>
+            <a:spLocks noGrp="1"/>
+          </p:cNvSpPr>
+          <p:nvPr>
+            <p:ph sz="half" idx="1"/>
+          </p:nvPr>
+        </p:nvSpPr>
+        <p:spPr>
+          <a:xfrm>
+            <a:off x="392113" y="1198563"/>
+            <a:ext cx="4102100" cy="4894262"/>
+          </a:xfrm>
+        </p:spPr>
+        <p:txBody>
+          <a:bodyPr/>
+          <a:lstStyle>
+            <a:lvl1pPr>
+              <a:defRPr sz="2800"/>
+            </a:lvl1pPr>
+            <a:lvl2pPr>
+              <a:defRPr sz="2400"/>
+            </a:lvl2pPr>
+            <a:lvl3pPr>
+              <a:defRPr sz="2000"/>
+            </a:lvl3pPr>
+            <a:lvl4pPr>
+              <a:defRPr sz="1800"/>
+            </a:lvl4pPr>
+            <a:lvl5pPr>
+              <a:defRPr sz="1800"/>
+            </a:lvl5pPr>
+            <a:lvl6pPr>
+              <a:defRPr sz="1800"/>
+            </a:lvl6pPr>
+            <a:lvl7pPr>
+              <a:defRPr sz="1800"/>
+            </a:lvl7pPr>
+            <a:lvl8pPr>
+              <a:defRPr sz="1800"/>
+            </a:lvl8pPr>
+            <a:lvl9pPr>
+              <a:defRPr sz="1800"/>
+            </a:lvl9pPr>
+          </a:lstStyle>
+          <a:p>
+            <a:pPr lvl="0"/>
+            <a:r>
+              <a:rPr lang="de-DE" smtClean="0"/>
+              <a:t>Textmasterformat bearbeiten</a:t>
+            </a:r>
+          </a:p>
+          <a:p>
+            <a:pPr lvl="1"/>
+            <a:r>
+              <a:rPr lang="de-DE" smtClean="0"/>
+              <a:t>Zweite Ebene</a:t>
+            </a:r>
+          </a:p>
+          <a:p>
+            <a:pPr lvl="2"/>
+            <a:r>
+              <a:rPr lang="de-DE" smtClean="0"/>
+              <a:t>Dritte Ebene</a:t>
+            </a:r>
+          </a:p>
+          <a:p>
+            <a:pPr lvl="3"/>
+            <a:r>
+              <a:rPr lang="de-DE" smtClean="0"/>
+              <a:t>Vierte Ebene</a:t>
+            </a:r>
+          </a:p>
+          <a:p>
+            <a:pPr lvl="4"/>
+            <a:r>
+              <a:rPr lang="de-DE" smtClean="0"/>
+              <a:t>Fünfte Ebene</a:t>
+            </a:r>
+            <a:endParaRPr lang="de-DE"/>
+          </a:p>
+        </p:txBody>
+      </p:sp>
+      <p:sp>
+        <p:nvSpPr>
+          <p:cNvPr id="4" name="Inhaltsplatzhalter 3"/>
+          <p:cNvSpPr>
+            <a:spLocks noGrp="1"/>
+          </p:cNvSpPr>
+          <p:nvPr>
+            <p:ph sz="half" idx="2"/>
+          </p:nvPr>
+        </p:nvSpPr>
+        <p:spPr>
+          <a:xfrm>
+            <a:off x="4646613" y="1198563"/>
+            <a:ext cx="4102100" cy="4894262"/>
+          </a:xfrm>
+        </p:spPr>
+        <p:txBody>
+          <a:bodyPr/>
+          <a:lstStyle>
+            <a:lvl1pPr>
+              <a:defRPr sz="2800"/>
+            </a:lvl1pPr>
+            <a:lvl2pPr>
+              <a:defRPr sz="2400"/>
+            </a:lvl2pPr>
+            <a:lvl3pPr>
+              <a:defRPr sz="2000"/>
+            </a:lvl3pPr>
+            <a:lvl4pPr>
+              <a:defRPr sz="1800"/>
+            </a:lvl4pPr>
+            <a:lvl5pPr>
+              <a:defRPr sz="1800"/>
+            </a:lvl5pPr>
+            <a:lvl6pPr>
+              <a:defRPr sz="1800"/>
+            </a:lvl6pPr>
+            <a:lvl7pPr>
+              <a:defRPr sz="1800"/>
+            </a:lvl7pPr>
+            <a:lvl8pPr>
+              <a:defRPr sz="1800"/>
+            </a:lvl8pPr>
+            <a:lvl9pPr>
+              <a:defRPr sz="1800"/>
+            </a:lvl9pPr>
+          </a:lstStyle>
+          <a:p>
+            <a:pPr lvl="0"/>
+            <a:r>
+              <a:rPr lang="de-DE" smtClean="0"/>
+              <a:t>Textmasterformat bearbeiten</a:t>
+            </a:r>
+          </a:p>
+          <a:p>
+            <a:pPr lvl="1"/>
+            <a:r>
+              <a:rPr lang="de-DE" smtClean="0"/>
+              <a:t>Zweite Ebene</a:t>
+            </a:r>
+          </a:p>
+          <a:p>
+            <a:pPr lvl="2"/>
+            <a:r>
+              <a:rPr lang="de-DE" smtClean="0"/>
+              <a:t>Dritte Ebene</a:t>
+            </a:r>
+          </a:p>
+          <a:p>
+            <a:pPr lvl="3"/>
+            <a:r>
+              <a:rPr lang="de-DE" smtClean="0"/>
+              <a:t>Vierte Ebene</a:t>
+            </a:r>
+          </a:p>
+          <a:p>
+            <a:pPr lvl="4"/>
+            <a:r>
+              <a:rPr lang="de-DE" smtClean="0"/>
+              <a:t>Fünfte Ebene</a:t>
+            </a:r>
+            <a:endParaRPr lang="de-DE"/>
+          </a:p>
+        </p:txBody>
+      </p:sp>
+      <p:sp>
+        <p:nvSpPr>
+          <p:cNvPr id="5" name="Rectangle 12"/>
+          <p:cNvSpPr>
+            <a:spLocks noGrp="1" noChangeArrowheads="1"/>
+          </p:cNvSpPr>
+          <p:nvPr>
+            <p:ph type="ftr" sz="quarter" idx="10"/>
+          </p:nvPr>
+        </p:nvSpPr>
+        <p:spPr>
+          <a:ln/>
+        </p:spPr>
+        <p:txBody>
+          <a:bodyPr/>
+          <a:lstStyle>
+            <a:lvl1pPr>
+              <a:defRPr/>
+            </a:lvl1pPr>
+          </a:lstStyle>
+          <a:p>
+            <a:r>
+              <a:rPr lang="de-DE" smtClean="0">
+                <a:solidFill>
+                  <a:srgbClr val="000000"/>
+                </a:solidFill>
+              </a:rPr>
+              <a:t>Name Vorname: Titel des Vortrags</a:t>
+            </a:r>
+            <a:endParaRPr lang="de-DE">
+              <a:solidFill>
+                <a:srgbClr val="000000"/>
+              </a:solidFill>
+            </a:endParaRPr>
+          </a:p>
+        </p:txBody>
+      </p:sp>
+    </p:spTree>
+    <p:extLst>
+      <p:ext uri="{BB962C8B-B14F-4D97-AF65-F5344CB8AC3E}">
+        <p14:creationId xmlns:p14="http://schemas.microsoft.com/office/powerpoint/2010/main" val="2291066134"/>
+      </p:ext>
+    </p:extLst>
+  </p:cSld>
+  <p:clrMapOvr>
+    <a:masterClrMapping/>
+  </p:clrMapOvr>
+</p:sldLayout>
+</file>
+
+<file path=ppt/slideLayouts/slideLayout17.xml><?xml version="1.0" encoding="utf-8"?>
+<p:sldLayout xmlns:a="http://schemas.openxmlformats.org/drawingml/2006/main" xmlns:r="http://schemas.openxmlformats.org/officeDocument/2006/relationships" xmlns:p="http://schemas.openxmlformats.org/presentationml/2006/main" type="twoTxTwoObj" preserve="1">
+  <p:cSld name="Vergleich">
+    <p:spTree>
+      <p:nvGrpSpPr>
+        <p:cNvPr id="1" name=""/>
+        <p:cNvGrpSpPr/>
+        <p:nvPr/>
+      </p:nvGrpSpPr>
+      <p:grpSpPr>
+        <a:xfrm>
+          <a:off x="0" y="0"/>
+          <a:ext cx="0" cy="0"/>
+          <a:chOff x="0" y="0"/>
+          <a:chExt cx="0" cy="0"/>
+        </a:xfrm>
+      </p:grpSpPr>
+      <p:sp>
+        <p:nvSpPr>
+          <p:cNvPr id="2" name="Titel 1"/>
+          <p:cNvSpPr>
+            <a:spLocks noGrp="1"/>
+          </p:cNvSpPr>
+          <p:nvPr>
+            <p:ph type="title"/>
+          </p:nvPr>
+        </p:nvSpPr>
+        <p:spPr>
+          <a:xfrm>
+            <a:off x="457200" y="274638"/>
+            <a:ext cx="8229600" cy="1143000"/>
+          </a:xfrm>
+        </p:spPr>
+        <p:txBody>
+          <a:bodyPr/>
+          <a:lstStyle>
+            <a:lvl1pPr>
+              <a:defRPr/>
+            </a:lvl1pPr>
+          </a:lstStyle>
+          <a:p>
+            <a:r>
+              <a:rPr lang="de-DE" smtClean="0"/>
+              <a:t>Titelmasterformat durch Klicken bearbeiten</a:t>
+            </a:r>
+            <a:endParaRPr lang="de-DE"/>
+          </a:p>
+        </p:txBody>
+      </p:sp>
+      <p:sp>
+        <p:nvSpPr>
+          <p:cNvPr id="3" name="Textplatzhalter 2"/>
+          <p:cNvSpPr>
+            <a:spLocks noGrp="1"/>
+          </p:cNvSpPr>
+          <p:nvPr>
+            <p:ph type="body" idx="1"/>
+          </p:nvPr>
+        </p:nvSpPr>
+        <p:spPr>
+          <a:xfrm>
+            <a:off x="457200" y="1535113"/>
+            <a:ext cx="4040188" cy="639762"/>
+          </a:xfrm>
+        </p:spPr>
+        <p:txBody>
+          <a:bodyPr anchor="b"/>
+          <a:lstStyle>
+            <a:lvl1pPr marL="0" indent="0">
+              <a:buNone/>
+              <a:defRPr sz="2400" b="1"/>
+            </a:lvl1pPr>
+            <a:lvl2pPr marL="457200" indent="0">
+              <a:buNone/>
+              <a:defRPr sz="2000" b="1"/>
+            </a:lvl2pPr>
+            <a:lvl3pPr marL="914400" indent="0">
+              <a:buNone/>
+              <a:defRPr sz="1800" b="1"/>
+            </a:lvl3pPr>
+            <a:lvl4pPr marL="1371600" indent="0">
+              <a:buNone/>
+              <a:defRPr sz="1600" b="1"/>
+            </a:lvl4pPr>
+            <a:lvl5pPr marL="1828800" indent="0">
+              <a:buNone/>
+              <a:defRPr sz="1600" b="1"/>
+            </a:lvl5pPr>
+            <a:lvl6pPr marL="2286000" indent="0">
+              <a:buNone/>
+              <a:defRPr sz="1600" b="1"/>
+            </a:lvl6pPr>
+            <a:lvl7pPr marL="2743200" indent="0">
+              <a:buNone/>
+              <a:defRPr sz="1600" b="1"/>
+            </a:lvl7pPr>
+            <a:lvl8pPr marL="3200400" indent="0">
+              <a:buNone/>
+              <a:defRPr sz="1600" b="1"/>
+            </a:lvl8pPr>
+            <a:lvl9pPr marL="3657600" indent="0">
+              <a:buNone/>
+              <a:defRPr sz="1600" b="1"/>
+            </a:lvl9pPr>
+          </a:lstStyle>
+          <a:p>
+            <a:pPr lvl="0"/>
+            <a:r>
+              <a:rPr lang="de-DE" smtClean="0"/>
+              <a:t>Textmasterformat bearbeiten</a:t>
+            </a:r>
+          </a:p>
+        </p:txBody>
+      </p:sp>
+      <p:sp>
+        <p:nvSpPr>
+          <p:cNvPr id="4" name="Inhaltsplatzhalter 3"/>
+          <p:cNvSpPr>
+            <a:spLocks noGrp="1"/>
+          </p:cNvSpPr>
+          <p:nvPr>
+            <p:ph sz="half" idx="2"/>
+          </p:nvPr>
+        </p:nvSpPr>
+        <p:spPr>
+          <a:xfrm>
+            <a:off x="457200" y="2174875"/>
+            <a:ext cx="4040188" cy="3951288"/>
+          </a:xfrm>
+        </p:spPr>
+        <p:txBody>
+          <a:bodyPr/>
+          <a:lstStyle>
+            <a:lvl1pPr>
+              <a:defRPr sz="2400"/>
+            </a:lvl1pPr>
+            <a:lvl2pPr>
+              <a:defRPr sz="2000"/>
+            </a:lvl2pPr>
+            <a:lvl3pPr>
+              <a:defRPr sz="1800"/>
+            </a:lvl3pPr>
+            <a:lvl4pPr>
+              <a:defRPr sz="1600"/>
+            </a:lvl4pPr>
+            <a:lvl5pPr>
+              <a:defRPr sz="1600"/>
+            </a:lvl5pPr>
+            <a:lvl6pPr>
+              <a:defRPr sz="1600"/>
+            </a:lvl6pPr>
+            <a:lvl7pPr>
+              <a:defRPr sz="1600"/>
+            </a:lvl7pPr>
+            <a:lvl8pPr>
+              <a:defRPr sz="1600"/>
+            </a:lvl8pPr>
+            <a:lvl9pPr>
+              <a:defRPr sz="1600"/>
+            </a:lvl9pPr>
+          </a:lstStyle>
+          <a:p>
+            <a:pPr lvl="0"/>
+            <a:r>
+              <a:rPr lang="de-DE" smtClean="0"/>
+              <a:t>Textmasterformat bearbeiten</a:t>
+            </a:r>
+          </a:p>
+          <a:p>
+            <a:pPr lvl="1"/>
+            <a:r>
+              <a:rPr lang="de-DE" smtClean="0"/>
+              <a:t>Zweite Ebene</a:t>
+            </a:r>
+          </a:p>
+          <a:p>
+            <a:pPr lvl="2"/>
+            <a:r>
+              <a:rPr lang="de-DE" smtClean="0"/>
+              <a:t>Dritte Ebene</a:t>
+            </a:r>
+          </a:p>
+          <a:p>
+            <a:pPr lvl="3"/>
+            <a:r>
+              <a:rPr lang="de-DE" smtClean="0"/>
+              <a:t>Vierte Ebene</a:t>
+            </a:r>
+          </a:p>
+          <a:p>
+            <a:pPr lvl="4"/>
+            <a:r>
+              <a:rPr lang="de-DE" smtClean="0"/>
+              <a:t>Fünfte Ebene</a:t>
+            </a:r>
+            <a:endParaRPr lang="de-DE"/>
+          </a:p>
+        </p:txBody>
+      </p:sp>
+      <p:sp>
+        <p:nvSpPr>
+          <p:cNvPr id="5" name="Textplatzhalter 4"/>
+          <p:cNvSpPr>
+            <a:spLocks noGrp="1"/>
+          </p:cNvSpPr>
+          <p:nvPr>
+            <p:ph type="body" sz="quarter" idx="3"/>
+          </p:nvPr>
+        </p:nvSpPr>
+        <p:spPr>
+          <a:xfrm>
+            <a:off x="4645025" y="1535113"/>
+            <a:ext cx="4041775" cy="639762"/>
+          </a:xfrm>
+        </p:spPr>
+        <p:txBody>
+          <a:bodyPr anchor="b"/>
+          <a:lstStyle>
+            <a:lvl1pPr marL="0" indent="0">
+              <a:buNone/>
+              <a:defRPr sz="2400" b="1"/>
+            </a:lvl1pPr>
+            <a:lvl2pPr marL="457200" indent="0">
+              <a:buNone/>
+              <a:defRPr sz="2000" b="1"/>
+            </a:lvl2pPr>
+            <a:lvl3pPr marL="914400" indent="0">
+              <a:buNone/>
+              <a:defRPr sz="1800" b="1"/>
+            </a:lvl3pPr>
+            <a:lvl4pPr marL="1371600" indent="0">
+              <a:buNone/>
+              <a:defRPr sz="1600" b="1"/>
+            </a:lvl4pPr>
+            <a:lvl5pPr marL="1828800" indent="0">
+              <a:buNone/>
+              <a:defRPr sz="1600" b="1"/>
+            </a:lvl5pPr>
+            <a:lvl6pPr marL="2286000" indent="0">
+              <a:buNone/>
+              <a:defRPr sz="1600" b="1"/>
+            </a:lvl6pPr>
+            <a:lvl7pPr marL="2743200" indent="0">
+              <a:buNone/>
+              <a:defRPr sz="1600" b="1"/>
+            </a:lvl7pPr>
+            <a:lvl8pPr marL="3200400" indent="0">
+              <a:buNone/>
+              <a:defRPr sz="1600" b="1"/>
+            </a:lvl8pPr>
+            <a:lvl9pPr marL="3657600" indent="0">
+              <a:buNone/>
+              <a:defRPr sz="1600" b="1"/>
+            </a:lvl9pPr>
+          </a:lstStyle>
+          <a:p>
+            <a:pPr lvl="0"/>
+            <a:r>
+              <a:rPr lang="de-DE" smtClean="0"/>
+              <a:t>Textmasterformat bearbeiten</a:t>
+            </a:r>
+          </a:p>
+        </p:txBody>
+      </p:sp>
+      <p:sp>
+        <p:nvSpPr>
+          <p:cNvPr id="6" name="Inhaltsplatzhalter 5"/>
+          <p:cNvSpPr>
+            <a:spLocks noGrp="1"/>
+          </p:cNvSpPr>
+          <p:nvPr>
+            <p:ph sz="quarter" idx="4"/>
+          </p:nvPr>
+        </p:nvSpPr>
+        <p:spPr>
+          <a:xfrm>
+            <a:off x="4645025" y="2174875"/>
+            <a:ext cx="4041775" cy="3951288"/>
+          </a:xfrm>
+        </p:spPr>
+        <p:txBody>
+          <a:bodyPr/>
+          <a:lstStyle>
+            <a:lvl1pPr>
+              <a:defRPr sz="2400"/>
+            </a:lvl1pPr>
+            <a:lvl2pPr>
+              <a:defRPr sz="2000"/>
+            </a:lvl2pPr>
+            <a:lvl3pPr>
+              <a:defRPr sz="1800"/>
+            </a:lvl3pPr>
+            <a:lvl4pPr>
+              <a:defRPr sz="1600"/>
+            </a:lvl4pPr>
+            <a:lvl5pPr>
+              <a:defRPr sz="1600"/>
+            </a:lvl5pPr>
+            <a:lvl6pPr>
+              <a:defRPr sz="1600"/>
+            </a:lvl6pPr>
+            <a:lvl7pPr>
+              <a:defRPr sz="1600"/>
+            </a:lvl7pPr>
+            <a:lvl8pPr>
+              <a:defRPr sz="1600"/>
+            </a:lvl8pPr>
+            <a:lvl9pPr>
+              <a:defRPr sz="1600"/>
+            </a:lvl9pPr>
+          </a:lstStyle>
+          <a:p>
+            <a:pPr lvl="0"/>
+            <a:r>
+              <a:rPr lang="de-DE" smtClean="0"/>
+              <a:t>Textmasterformat bearbeiten</a:t>
+            </a:r>
+          </a:p>
+          <a:p>
+            <a:pPr lvl="1"/>
+            <a:r>
+              <a:rPr lang="de-DE" smtClean="0"/>
+              <a:t>Zweite Ebene</a:t>
+            </a:r>
+          </a:p>
+          <a:p>
+            <a:pPr lvl="2"/>
+            <a:r>
+              <a:rPr lang="de-DE" smtClean="0"/>
+              <a:t>Dritte Ebene</a:t>
+            </a:r>
+          </a:p>
+          <a:p>
+            <a:pPr lvl="3"/>
+            <a:r>
+              <a:rPr lang="de-DE" smtClean="0"/>
+              <a:t>Vierte Ebene</a:t>
+            </a:r>
+          </a:p>
+          <a:p>
+            <a:pPr lvl="4"/>
+            <a:r>
+              <a:rPr lang="de-DE" smtClean="0"/>
+              <a:t>Fünfte Ebene</a:t>
+            </a:r>
+            <a:endParaRPr lang="de-DE"/>
+          </a:p>
+        </p:txBody>
+      </p:sp>
+      <p:sp>
+        <p:nvSpPr>
+          <p:cNvPr id="7" name="Rectangle 12"/>
+          <p:cNvSpPr>
+            <a:spLocks noGrp="1" noChangeArrowheads="1"/>
+          </p:cNvSpPr>
+          <p:nvPr>
+            <p:ph type="ftr" sz="quarter" idx="10"/>
+          </p:nvPr>
+        </p:nvSpPr>
+        <p:spPr>
+          <a:ln/>
+        </p:spPr>
+        <p:txBody>
+          <a:bodyPr/>
+          <a:lstStyle>
+            <a:lvl1pPr>
+              <a:defRPr/>
+            </a:lvl1pPr>
+          </a:lstStyle>
+          <a:p>
+            <a:r>
+              <a:rPr lang="de-DE" smtClean="0">
+                <a:solidFill>
+                  <a:srgbClr val="000000"/>
+                </a:solidFill>
+              </a:rPr>
+              <a:t>Name Vorname: Titel des Vortrags</a:t>
+            </a:r>
+            <a:endParaRPr lang="de-DE">
+              <a:solidFill>
+                <a:srgbClr val="000000"/>
+              </a:solidFill>
+            </a:endParaRPr>
+          </a:p>
+        </p:txBody>
+      </p:sp>
+    </p:spTree>
+    <p:extLst>
+      <p:ext uri="{BB962C8B-B14F-4D97-AF65-F5344CB8AC3E}">
+        <p14:creationId xmlns:p14="http://schemas.microsoft.com/office/powerpoint/2010/main" val="276057859"/>
+      </p:ext>
+    </p:extLst>
+  </p:cSld>
+  <p:clrMapOvr>
+    <a:masterClrMapping/>
+  </p:clrMapOvr>
+</p:sldLayout>
+</file>
+
+<file path=ppt/slideLayouts/slideLayout18.xml><?xml version="1.0" encoding="utf-8"?>
+<p:sldLayout xmlns:a="http://schemas.openxmlformats.org/drawingml/2006/main" xmlns:r="http://schemas.openxmlformats.org/officeDocument/2006/relationships" xmlns:p="http://schemas.openxmlformats.org/presentationml/2006/main" type="titleOnly" preserve="1">
+  <p:cSld name="Nur Titel">
+    <p:spTree>
+      <p:nvGrpSpPr>
+        <p:cNvPr id="1" name=""/>
+        <p:cNvGrpSpPr/>
+        <p:nvPr/>
+      </p:nvGrpSpPr>
+      <p:grpSpPr>
+        <a:xfrm>
+          <a:off x="0" y="0"/>
+          <a:ext cx="0" cy="0"/>
+          <a:chOff x="0" y="0"/>
+          <a:chExt cx="0" cy="0"/>
+        </a:xfrm>
+      </p:grpSpPr>
+      <p:sp>
+        <p:nvSpPr>
+          <p:cNvPr id="2" name="Titel 1"/>
+          <p:cNvSpPr>
+            <a:spLocks noGrp="1"/>
+          </p:cNvSpPr>
+          <p:nvPr>
+            <p:ph type="title"/>
+          </p:nvPr>
+        </p:nvSpPr>
+        <p:spPr/>
+        <p:txBody>
+          <a:bodyPr/>
+          <a:lstStyle/>
+          <a:p>
+            <a:r>
+              <a:rPr lang="de-DE" smtClean="0"/>
+              <a:t>Titelmasterformat durch Klicken bearbeiten</a:t>
+            </a:r>
+            <a:endParaRPr lang="de-DE"/>
+          </a:p>
+        </p:txBody>
+      </p:sp>
+      <p:sp>
+        <p:nvSpPr>
+          <p:cNvPr id="3" name="Rectangle 12"/>
+          <p:cNvSpPr>
+            <a:spLocks noGrp="1" noChangeArrowheads="1"/>
+          </p:cNvSpPr>
+          <p:nvPr>
+            <p:ph type="ftr" sz="quarter" idx="10"/>
+          </p:nvPr>
+        </p:nvSpPr>
+        <p:spPr>
+          <a:ln/>
+        </p:spPr>
+        <p:txBody>
+          <a:bodyPr/>
+          <a:lstStyle>
+            <a:lvl1pPr>
+              <a:defRPr/>
+            </a:lvl1pPr>
+          </a:lstStyle>
+          <a:p>
+            <a:r>
+              <a:rPr lang="de-DE" smtClean="0">
+                <a:solidFill>
+                  <a:srgbClr val="000000"/>
+                </a:solidFill>
+              </a:rPr>
+              <a:t>Name Vorname: Titel des Vortrags</a:t>
+            </a:r>
+            <a:endParaRPr lang="de-DE">
+              <a:solidFill>
+                <a:srgbClr val="000000"/>
+              </a:solidFill>
+            </a:endParaRPr>
+          </a:p>
+        </p:txBody>
+      </p:sp>
+    </p:spTree>
+    <p:extLst>
+      <p:ext uri="{BB962C8B-B14F-4D97-AF65-F5344CB8AC3E}">
+        <p14:creationId xmlns:p14="http://schemas.microsoft.com/office/powerpoint/2010/main" val="2380414090"/>
+      </p:ext>
+    </p:extLst>
+  </p:cSld>
+  <p:clrMapOvr>
+    <a:masterClrMapping/>
+  </p:clrMapOvr>
+</p:sldLayout>
+</file>
+
+<file path=ppt/slideLayouts/slideLayout19.xml><?xml version="1.0" encoding="utf-8"?>
+<p:sldLayout xmlns:a="http://schemas.openxmlformats.org/drawingml/2006/main" xmlns:r="http://schemas.openxmlformats.org/officeDocument/2006/relationships" xmlns:p="http://schemas.openxmlformats.org/presentationml/2006/main" type="blank" preserve="1">
+  <p:cSld name="Leer">
+    <p:spTree>
+      <p:nvGrpSpPr>
+        <p:cNvPr id="1" name=""/>
+        <p:cNvGrpSpPr/>
+        <p:nvPr/>
+      </p:nvGrpSpPr>
+      <p:grpSpPr>
+        <a:xfrm>
+          <a:off x="0" y="0"/>
+          <a:ext cx="0" cy="0"/>
+          <a:chOff x="0" y="0"/>
+          <a:chExt cx="0" cy="0"/>
+        </a:xfrm>
+      </p:grpSpPr>
+      <p:sp>
+        <p:nvSpPr>
+          <p:cNvPr id="2" name="Rectangle 12"/>
+          <p:cNvSpPr>
+            <a:spLocks noGrp="1" noChangeArrowheads="1"/>
+          </p:cNvSpPr>
+          <p:nvPr>
+            <p:ph type="ftr" sz="quarter" idx="10"/>
+          </p:nvPr>
+        </p:nvSpPr>
+        <p:spPr>
+          <a:ln/>
+        </p:spPr>
+        <p:txBody>
+          <a:bodyPr/>
+          <a:lstStyle>
+            <a:lvl1pPr>
+              <a:defRPr/>
+            </a:lvl1pPr>
+          </a:lstStyle>
+          <a:p>
+            <a:r>
+              <a:rPr lang="de-DE" smtClean="0">
+                <a:solidFill>
+                  <a:srgbClr val="000000"/>
+                </a:solidFill>
+              </a:rPr>
+              <a:t>Name Vorname: Titel des Vortrags</a:t>
+            </a:r>
+            <a:endParaRPr lang="de-DE">
+              <a:solidFill>
+                <a:srgbClr val="000000"/>
+              </a:solidFill>
+            </a:endParaRPr>
+          </a:p>
+        </p:txBody>
+      </p:sp>
+    </p:spTree>
+    <p:extLst>
+      <p:ext uri="{BB962C8B-B14F-4D97-AF65-F5344CB8AC3E}">
+        <p14:creationId xmlns:p14="http://schemas.microsoft.com/office/powerpoint/2010/main" val="1502269353"/>
+      </p:ext>
+    </p:extLst>
+  </p:cSld>
+  <p:clrMapOvr>
+    <a:masterClrMapping/>
+  </p:clrMapOvr>
+</p:sldLayout>
+</file>
+
+<file path=ppt/slideLayouts/slideLayout2.xml><?xml version="1.0" encoding="utf-8"?>
+<p:sldLayout xmlns:a="http://schemas.openxmlformats.org/drawingml/2006/main" xmlns:r="http://schemas.openxmlformats.org/officeDocument/2006/relationships" xmlns:p="http://schemas.openxmlformats.org/presentationml/2006/main" type="obj" preserve="1">
+  <p:cSld name="Titel und Inhalt">
+    <p:spTree>
+      <p:nvGrpSpPr>
+        <p:cNvPr id="1" name=""/>
+        <p:cNvGrpSpPr/>
+        <p:nvPr/>
+      </p:nvGrpSpPr>
+      <p:grpSpPr>
+        <a:xfrm>
+          <a:off x="0" y="0"/>
+          <a:ext cx="0" cy="0"/>
+          <a:chOff x="0" y="0"/>
+          <a:chExt cx="0" cy="0"/>
+        </a:xfrm>
+      </p:grpSpPr>
+      <p:sp>
+        <p:nvSpPr>
+          <p:cNvPr id="2" name="Titel 1"/>
+          <p:cNvSpPr>
+            <a:spLocks noGrp="1"/>
+          </p:cNvSpPr>
+          <p:nvPr>
+            <p:ph type="title"/>
+          </p:nvPr>
+        </p:nvSpPr>
+        <p:spPr/>
+        <p:txBody>
+          <a:bodyPr/>
+          <a:lstStyle>
+            <a:lvl1pPr>
+              <a:defRPr sz="2800"/>
+            </a:lvl1pPr>
+          </a:lstStyle>
+          <a:p>
+            <a:r>
+              <a:rPr lang="de-DE" dirty="0" smtClean="0"/>
+              <a:t>Titelmasterformat durch Klicken bearbeiten</a:t>
+            </a:r>
+            <a:endParaRPr lang="de-DE" dirty="0"/>
+          </a:p>
+        </p:txBody>
+      </p:sp>
+      <p:sp>
+        <p:nvSpPr>
+          <p:cNvPr id="3" name="Inhaltsplatzhalter 2"/>
+          <p:cNvSpPr>
+            <a:spLocks noGrp="1"/>
+          </p:cNvSpPr>
+          <p:nvPr>
+            <p:ph idx="1"/>
+          </p:nvPr>
+        </p:nvSpPr>
+        <p:spPr/>
+        <p:txBody>
+          <a:bodyPr/>
+          <a:lstStyle>
+            <a:lvl1pPr marL="361950" indent="-361950">
+              <a:spcBef>
+                <a:spcPts val="700"/>
+              </a:spcBef>
+              <a:tabLst/>
+              <a:defRPr/>
+            </a:lvl1pPr>
+            <a:lvl2pPr indent="-396000">
+              <a:spcBef>
+                <a:spcPts val="700"/>
+              </a:spcBef>
+              <a:defRPr/>
+            </a:lvl2pPr>
+            <a:lvl3pPr indent="-324000">
+              <a:spcBef>
+                <a:spcPts val="700"/>
+              </a:spcBef>
+              <a:defRPr/>
+            </a:lvl3pPr>
+            <a:lvl4pPr indent="-324000">
+              <a:spcBef>
+                <a:spcPts val="700"/>
+              </a:spcBef>
+              <a:defRPr/>
+            </a:lvl4pPr>
+            <a:lvl5pPr indent="-324000">
+              <a:spcBef>
+                <a:spcPts val="700"/>
+              </a:spcBef>
+              <a:defRPr/>
+            </a:lvl5pPr>
+          </a:lstStyle>
+          <a:p>
+            <a:pPr lvl="0"/>
+            <a:r>
+              <a:rPr lang="de-DE" dirty="0" smtClean="0"/>
+              <a:t>Textmasterformat bearbeiten</a:t>
+            </a:r>
+          </a:p>
+          <a:p>
+            <a:pPr lvl="1"/>
+            <a:r>
+              <a:rPr lang="de-DE" dirty="0" smtClean="0"/>
+              <a:t>Zweite Ebene</a:t>
+            </a:r>
+          </a:p>
+          <a:p>
+            <a:pPr lvl="2"/>
+            <a:r>
+              <a:rPr lang="de-DE" dirty="0" smtClean="0"/>
+              <a:t>Dritte Ebene</a:t>
+            </a:r>
+          </a:p>
+          <a:p>
+            <a:pPr lvl="3"/>
+            <a:r>
+              <a:rPr lang="de-DE" dirty="0" smtClean="0"/>
+              <a:t>Vierte Ebene</a:t>
+            </a:r>
+          </a:p>
+          <a:p>
+            <a:pPr lvl="4"/>
+            <a:r>
+              <a:rPr lang="de-DE" dirty="0" smtClean="0"/>
+              <a:t>Fünfte Ebene</a:t>
+            </a:r>
+            <a:endParaRPr lang="de-DE" dirty="0"/>
+          </a:p>
+        </p:txBody>
+      </p:sp>
+    </p:spTree>
+  </p:cSld>
+  <p:clrMapOvr>
+    <a:masterClrMapping/>
+  </p:clrMapOvr>
+  <p:timing>
+    <p:tnLst>
+      <p:par>
+        <p:cTn id="1" dur="indefinite" restart="never" nodeType="tmRoot"/>
+      </p:par>
+    </p:tnLst>
+  </p:timing>
+</p:sldLayout>
+</file>
+
+<file path=ppt/slideLayouts/slideLayout20.xml><?xml version="1.0" encoding="utf-8"?>
+<p:sldLayout xmlns:a="http://schemas.openxmlformats.org/drawingml/2006/main" xmlns:r="http://schemas.openxmlformats.org/officeDocument/2006/relationships" xmlns:p="http://schemas.openxmlformats.org/presentationml/2006/main" type="objTx" preserve="1">
+  <p:cSld name="Inhalt mit Überschrift">
+    <p:spTree>
+      <p:nvGrpSpPr>
+        <p:cNvPr id="1" name=""/>
+        <p:cNvGrpSpPr/>
+        <p:nvPr/>
+      </p:nvGrpSpPr>
+      <p:grpSpPr>
+        <a:xfrm>
+          <a:off x="0" y="0"/>
+          <a:ext cx="0" cy="0"/>
+          <a:chOff x="0" y="0"/>
+          <a:chExt cx="0" cy="0"/>
+        </a:xfrm>
+      </p:grpSpPr>
+      <p:sp>
+        <p:nvSpPr>
+          <p:cNvPr id="2" name="Titel 1"/>
+          <p:cNvSpPr>
+            <a:spLocks noGrp="1"/>
+          </p:cNvSpPr>
+          <p:nvPr>
+            <p:ph type="title"/>
+          </p:nvPr>
+        </p:nvSpPr>
+        <p:spPr>
+          <a:xfrm>
+            <a:off x="457200" y="273050"/>
+            <a:ext cx="3008313" cy="1162050"/>
+          </a:xfrm>
+        </p:spPr>
+        <p:txBody>
+          <a:bodyPr/>
+          <a:lstStyle>
+            <a:lvl1pPr algn="l">
+              <a:defRPr sz="2000" b="1"/>
+            </a:lvl1pPr>
+          </a:lstStyle>
+          <a:p>
+            <a:r>
+              <a:rPr lang="de-DE" smtClean="0"/>
+              <a:t>Titelmasterformat durch Klicken bearbeiten</a:t>
+            </a:r>
+            <a:endParaRPr lang="de-DE"/>
+          </a:p>
+        </p:txBody>
+      </p:sp>
+      <p:sp>
+        <p:nvSpPr>
+          <p:cNvPr id="3" name="Inhaltsplatzhalter 2"/>
+          <p:cNvSpPr>
+            <a:spLocks noGrp="1"/>
+          </p:cNvSpPr>
+          <p:nvPr>
+            <p:ph idx="1"/>
+          </p:nvPr>
+        </p:nvSpPr>
+        <p:spPr>
+          <a:xfrm>
+            <a:off x="3575050" y="273050"/>
+            <a:ext cx="5111750" cy="5853113"/>
+          </a:xfrm>
+        </p:spPr>
+        <p:txBody>
+          <a:bodyPr/>
+          <a:lstStyle>
+            <a:lvl1pPr>
+              <a:defRPr sz="3200"/>
+            </a:lvl1pPr>
+            <a:lvl2pPr>
+              <a:defRPr sz="2800"/>
+            </a:lvl2pPr>
+            <a:lvl3pPr>
+              <a:defRPr sz="2400"/>
+            </a:lvl3pPr>
+            <a:lvl4pPr>
+              <a:defRPr sz="2000"/>
+            </a:lvl4pPr>
+            <a:lvl5pPr>
+              <a:defRPr sz="2000"/>
+            </a:lvl5pPr>
+            <a:lvl6pPr>
+              <a:defRPr sz="2000"/>
+            </a:lvl6pPr>
+            <a:lvl7pPr>
+              <a:defRPr sz="2000"/>
+            </a:lvl7pPr>
+            <a:lvl8pPr>
+              <a:defRPr sz="2000"/>
+            </a:lvl8pPr>
+            <a:lvl9pPr>
+              <a:defRPr sz="2000"/>
+            </a:lvl9pPr>
+          </a:lstStyle>
+          <a:p>
+            <a:pPr lvl="0"/>
+            <a:r>
+              <a:rPr lang="de-DE" smtClean="0"/>
+              <a:t>Textmasterformat bearbeiten</a:t>
+            </a:r>
+          </a:p>
+          <a:p>
+            <a:pPr lvl="1"/>
+            <a:r>
+              <a:rPr lang="de-DE" smtClean="0"/>
+              <a:t>Zweite Ebene</a:t>
+            </a:r>
+          </a:p>
+          <a:p>
+            <a:pPr lvl="2"/>
+            <a:r>
+              <a:rPr lang="de-DE" smtClean="0"/>
+              <a:t>Dritte Ebene</a:t>
+            </a:r>
+          </a:p>
+          <a:p>
+            <a:pPr lvl="3"/>
+            <a:r>
+              <a:rPr lang="de-DE" smtClean="0"/>
+              <a:t>Vierte Ebene</a:t>
+            </a:r>
+          </a:p>
+          <a:p>
+            <a:pPr lvl="4"/>
+            <a:r>
+              <a:rPr lang="de-DE" smtClean="0"/>
+              <a:t>Fünfte Ebene</a:t>
+            </a:r>
+            <a:endParaRPr lang="de-DE"/>
+          </a:p>
+        </p:txBody>
+      </p:sp>
+      <p:sp>
+        <p:nvSpPr>
+          <p:cNvPr id="4" name="Textplatzhalter 3"/>
+          <p:cNvSpPr>
+            <a:spLocks noGrp="1"/>
+          </p:cNvSpPr>
+          <p:nvPr>
+            <p:ph type="body" sz="half" idx="2"/>
+          </p:nvPr>
+        </p:nvSpPr>
+        <p:spPr>
+          <a:xfrm>
+            <a:off x="457200" y="1435100"/>
+            <a:ext cx="3008313" cy="4691063"/>
+          </a:xfrm>
+        </p:spPr>
+        <p:txBody>
+          <a:bodyPr/>
+          <a:lstStyle>
+            <a:lvl1pPr marL="0" indent="0">
+              <a:buNone/>
+              <a:defRPr sz="1400"/>
+            </a:lvl1pPr>
+            <a:lvl2pPr marL="457200" indent="0">
+              <a:buNone/>
+              <a:defRPr sz="1200"/>
+            </a:lvl2pPr>
+            <a:lvl3pPr marL="914400" indent="0">
+              <a:buNone/>
+              <a:defRPr sz="1000"/>
+            </a:lvl3pPr>
+            <a:lvl4pPr marL="1371600" indent="0">
+              <a:buNone/>
+              <a:defRPr sz="900"/>
+            </a:lvl4pPr>
+            <a:lvl5pPr marL="1828800" indent="0">
+              <a:buNone/>
+              <a:defRPr sz="900"/>
+            </a:lvl5pPr>
+            <a:lvl6pPr marL="2286000" indent="0">
+              <a:buNone/>
+              <a:defRPr sz="900"/>
+            </a:lvl6pPr>
+            <a:lvl7pPr marL="2743200" indent="0">
+              <a:buNone/>
+              <a:defRPr sz="900"/>
+            </a:lvl7pPr>
+            <a:lvl8pPr marL="3200400" indent="0">
+              <a:buNone/>
+              <a:defRPr sz="900"/>
+            </a:lvl8pPr>
+            <a:lvl9pPr marL="3657600" indent="0">
+              <a:buNone/>
+              <a:defRPr sz="900"/>
+            </a:lvl9pPr>
+          </a:lstStyle>
+          <a:p>
+            <a:pPr lvl="0"/>
+            <a:r>
+              <a:rPr lang="de-DE" smtClean="0"/>
+              <a:t>Textmasterformat bearbeiten</a:t>
+            </a:r>
+          </a:p>
+        </p:txBody>
+      </p:sp>
+      <p:sp>
+        <p:nvSpPr>
+          <p:cNvPr id="5" name="Rectangle 12"/>
+          <p:cNvSpPr>
+            <a:spLocks noGrp="1" noChangeArrowheads="1"/>
+          </p:cNvSpPr>
+          <p:nvPr>
+            <p:ph type="ftr" sz="quarter" idx="10"/>
+          </p:nvPr>
+        </p:nvSpPr>
+        <p:spPr>
+          <a:ln/>
+        </p:spPr>
+        <p:txBody>
+          <a:bodyPr/>
+          <a:lstStyle>
+            <a:lvl1pPr>
+              <a:defRPr/>
+            </a:lvl1pPr>
+          </a:lstStyle>
+          <a:p>
+            <a:r>
+              <a:rPr lang="de-DE" smtClean="0">
+                <a:solidFill>
+                  <a:srgbClr val="000000"/>
+                </a:solidFill>
+              </a:rPr>
+              <a:t>Name Vorname: Titel des Vortrags</a:t>
+            </a:r>
+            <a:endParaRPr lang="de-DE">
+              <a:solidFill>
+                <a:srgbClr val="000000"/>
+              </a:solidFill>
+            </a:endParaRPr>
+          </a:p>
+        </p:txBody>
+      </p:sp>
+    </p:spTree>
+    <p:extLst>
+      <p:ext uri="{BB962C8B-B14F-4D97-AF65-F5344CB8AC3E}">
+        <p14:creationId xmlns:p14="http://schemas.microsoft.com/office/powerpoint/2010/main" val="384174846"/>
+      </p:ext>
+    </p:extLst>
+  </p:cSld>
+  <p:clrMapOvr>
+    <a:masterClrMapping/>
+  </p:clrMapOvr>
+</p:sldLayout>
+</file>
+
+<file path=ppt/slideLayouts/slideLayout21.xml><?xml version="1.0" encoding="utf-8"?>
+<p:sldLayout xmlns:a="http://schemas.openxmlformats.org/drawingml/2006/main" xmlns:r="http://schemas.openxmlformats.org/officeDocument/2006/relationships" xmlns:p="http://schemas.openxmlformats.org/presentationml/2006/main" type="picTx" preserve="1">
+  <p:cSld name="Bild mit Überschrift">
+    <p:spTree>
+      <p:nvGrpSpPr>
+        <p:cNvPr id="1" name=""/>
+        <p:cNvGrpSpPr/>
+        <p:nvPr/>
+      </p:nvGrpSpPr>
+      <p:grpSpPr>
+        <a:xfrm>
+          <a:off x="0" y="0"/>
+          <a:ext cx="0" cy="0"/>
+          <a:chOff x="0" y="0"/>
+          <a:chExt cx="0" cy="0"/>
+        </a:xfrm>
+      </p:grpSpPr>
+      <p:sp>
+        <p:nvSpPr>
+          <p:cNvPr id="2" name="Titel 1"/>
+          <p:cNvSpPr>
+            <a:spLocks noGrp="1"/>
+          </p:cNvSpPr>
+          <p:nvPr>
+            <p:ph type="title"/>
+          </p:nvPr>
+        </p:nvSpPr>
+        <p:spPr>
+          <a:xfrm>
+            <a:off x="1792288" y="4800600"/>
+            <a:ext cx="5486400" cy="566738"/>
+          </a:xfrm>
+        </p:spPr>
+        <p:txBody>
+          <a:bodyPr/>
+          <a:lstStyle>
+            <a:lvl1pPr algn="l">
+              <a:defRPr sz="2000" b="1"/>
+            </a:lvl1pPr>
+          </a:lstStyle>
+          <a:p>
+            <a:r>
+              <a:rPr lang="de-DE" smtClean="0"/>
+              <a:t>Titelmasterformat durch Klicken bearbeiten</a:t>
+            </a:r>
+            <a:endParaRPr lang="de-DE"/>
+          </a:p>
+        </p:txBody>
+      </p:sp>
+      <p:sp>
+        <p:nvSpPr>
+          <p:cNvPr id="3" name="Bildplatzhalter 2"/>
+          <p:cNvSpPr>
+            <a:spLocks noGrp="1"/>
+          </p:cNvSpPr>
+          <p:nvPr>
+            <p:ph type="pic" idx="1"/>
+          </p:nvPr>
+        </p:nvSpPr>
+        <p:spPr>
+          <a:xfrm>
+            <a:off x="1792288" y="612775"/>
+            <a:ext cx="5486400" cy="4114800"/>
+          </a:xfrm>
+        </p:spPr>
+        <p:txBody>
+          <a:bodyPr/>
+          <a:lstStyle>
+            <a:lvl1pPr marL="0" indent="0">
+              <a:buNone/>
+              <a:defRPr sz="3200"/>
+            </a:lvl1pPr>
+            <a:lvl2pPr marL="457200" indent="0">
+              <a:buNone/>
+              <a:defRPr sz="2800"/>
+            </a:lvl2pPr>
+            <a:lvl3pPr marL="914400" indent="0">
+              <a:buNone/>
+              <a:defRPr sz="2400"/>
+            </a:lvl3pPr>
+            <a:lvl4pPr marL="1371600" indent="0">
+              <a:buNone/>
+              <a:defRPr sz="2000"/>
+            </a:lvl4pPr>
+            <a:lvl5pPr marL="1828800" indent="0">
+              <a:buNone/>
+              <a:defRPr sz="2000"/>
+            </a:lvl5pPr>
+            <a:lvl6pPr marL="2286000" indent="0">
+              <a:buNone/>
+              <a:defRPr sz="2000"/>
+            </a:lvl6pPr>
+            <a:lvl7pPr marL="2743200" indent="0">
+              <a:buNone/>
+              <a:defRPr sz="2000"/>
+            </a:lvl7pPr>
+            <a:lvl8pPr marL="3200400" indent="0">
+              <a:buNone/>
+              <a:defRPr sz="2000"/>
+            </a:lvl8pPr>
+            <a:lvl9pPr marL="3657600" indent="0">
+              <a:buNone/>
+              <a:defRPr sz="2000"/>
+            </a:lvl9pPr>
+          </a:lstStyle>
+          <a:p>
+            <a:pPr lvl="0"/>
+            <a:r>
+              <a:rPr lang="de-DE" noProof="0" smtClean="0"/>
+              <a:t>Bild durch Klicken auf Symbol hinzufügen</a:t>
+            </a:r>
+          </a:p>
+        </p:txBody>
+      </p:sp>
+      <p:sp>
+        <p:nvSpPr>
+          <p:cNvPr id="4" name="Textplatzhalter 3"/>
+          <p:cNvSpPr>
+            <a:spLocks noGrp="1"/>
+          </p:cNvSpPr>
+          <p:nvPr>
+            <p:ph type="body" sz="half" idx="2"/>
+          </p:nvPr>
+        </p:nvSpPr>
+        <p:spPr>
+          <a:xfrm>
+            <a:off x="1792288" y="5367338"/>
+            <a:ext cx="5486400" cy="804862"/>
+          </a:xfrm>
+        </p:spPr>
+        <p:txBody>
+          <a:bodyPr/>
+          <a:lstStyle>
+            <a:lvl1pPr marL="0" indent="0">
+              <a:buNone/>
+              <a:defRPr sz="1400"/>
+            </a:lvl1pPr>
+            <a:lvl2pPr marL="457200" indent="0">
+              <a:buNone/>
+              <a:defRPr sz="1200"/>
+            </a:lvl2pPr>
+            <a:lvl3pPr marL="914400" indent="0">
+              <a:buNone/>
+              <a:defRPr sz="1000"/>
+            </a:lvl3pPr>
+            <a:lvl4pPr marL="1371600" indent="0">
+              <a:buNone/>
+              <a:defRPr sz="900"/>
+            </a:lvl4pPr>
+            <a:lvl5pPr marL="1828800" indent="0">
+              <a:buNone/>
+              <a:defRPr sz="900"/>
+            </a:lvl5pPr>
+            <a:lvl6pPr marL="2286000" indent="0">
+              <a:buNone/>
+              <a:defRPr sz="900"/>
+            </a:lvl6pPr>
+            <a:lvl7pPr marL="2743200" indent="0">
+              <a:buNone/>
+              <a:defRPr sz="900"/>
+            </a:lvl7pPr>
+            <a:lvl8pPr marL="3200400" indent="0">
+              <a:buNone/>
+              <a:defRPr sz="900"/>
+            </a:lvl8pPr>
+            <a:lvl9pPr marL="3657600" indent="0">
+              <a:buNone/>
+              <a:defRPr sz="900"/>
+            </a:lvl9pPr>
+          </a:lstStyle>
+          <a:p>
+            <a:pPr lvl="0"/>
+            <a:r>
+              <a:rPr lang="de-DE" smtClean="0"/>
+              <a:t>Textmasterformat bearbeiten</a:t>
+            </a:r>
+          </a:p>
+        </p:txBody>
+      </p:sp>
+      <p:sp>
+        <p:nvSpPr>
+          <p:cNvPr id="5" name="Rectangle 12"/>
+          <p:cNvSpPr>
+            <a:spLocks noGrp="1" noChangeArrowheads="1"/>
+          </p:cNvSpPr>
+          <p:nvPr>
+            <p:ph type="ftr" sz="quarter" idx="10"/>
+          </p:nvPr>
+        </p:nvSpPr>
+        <p:spPr>
+          <a:ln/>
+        </p:spPr>
+        <p:txBody>
+          <a:bodyPr/>
+          <a:lstStyle>
+            <a:lvl1pPr>
+              <a:defRPr/>
+            </a:lvl1pPr>
+          </a:lstStyle>
+          <a:p>
+            <a:r>
+              <a:rPr lang="de-DE" smtClean="0">
+                <a:solidFill>
+                  <a:srgbClr val="000000"/>
+                </a:solidFill>
+              </a:rPr>
+              <a:t>Name Vorname: Titel des Vortrags</a:t>
+            </a:r>
+            <a:endParaRPr lang="de-DE">
+              <a:solidFill>
+                <a:srgbClr val="000000"/>
+              </a:solidFill>
+            </a:endParaRPr>
+          </a:p>
+        </p:txBody>
+      </p:sp>
+    </p:spTree>
+    <p:extLst>
+      <p:ext uri="{BB962C8B-B14F-4D97-AF65-F5344CB8AC3E}">
+        <p14:creationId xmlns:p14="http://schemas.microsoft.com/office/powerpoint/2010/main" val="1175543015"/>
+      </p:ext>
+    </p:extLst>
+  </p:cSld>
+  <p:clrMapOvr>
+    <a:masterClrMapping/>
+  </p:clrMapOvr>
+</p:sldLayout>
+</file>
+
+<file path=ppt/slideLayouts/slideLayout22.xml><?xml version="1.0" encoding="utf-8"?>
+<p:sldLayout xmlns:a="http://schemas.openxmlformats.org/drawingml/2006/main" xmlns:r="http://schemas.openxmlformats.org/officeDocument/2006/relationships" xmlns:p="http://schemas.openxmlformats.org/presentationml/2006/main" type="vertTx" preserve="1">
+  <p:cSld name="Titel und vertikaler Text">
+    <p:spTree>
+      <p:nvGrpSpPr>
+        <p:cNvPr id="1" name=""/>
+        <p:cNvGrpSpPr/>
+        <p:nvPr/>
+      </p:nvGrpSpPr>
+      <p:grpSpPr>
+        <a:xfrm>
+          <a:off x="0" y="0"/>
+          <a:ext cx="0" cy="0"/>
+          <a:chOff x="0" y="0"/>
+          <a:chExt cx="0" cy="0"/>
+        </a:xfrm>
+      </p:grpSpPr>
+      <p:sp>
+        <p:nvSpPr>
+          <p:cNvPr id="2" name="Titel 1"/>
+          <p:cNvSpPr>
+            <a:spLocks noGrp="1"/>
+          </p:cNvSpPr>
+          <p:nvPr>
+            <p:ph type="title"/>
+          </p:nvPr>
+        </p:nvSpPr>
+        <p:spPr/>
+        <p:txBody>
+          <a:bodyPr/>
+          <a:lstStyle/>
+          <a:p>
+            <a:r>
+              <a:rPr lang="de-DE" smtClean="0"/>
+              <a:t>Titelmasterformat durch Klicken bearbeiten</a:t>
+            </a:r>
+            <a:endParaRPr lang="de-DE"/>
+          </a:p>
+        </p:txBody>
+      </p:sp>
+      <p:sp>
+        <p:nvSpPr>
+          <p:cNvPr id="3" name="Vertikaler Textplatzhalter 2"/>
+          <p:cNvSpPr>
+            <a:spLocks noGrp="1"/>
+          </p:cNvSpPr>
+          <p:nvPr>
+            <p:ph type="body" orient="vert" idx="1"/>
+          </p:nvPr>
+        </p:nvSpPr>
+        <p:spPr/>
+        <p:txBody>
+          <a:bodyPr vert="eaVert"/>
+          <a:lstStyle/>
+          <a:p>
+            <a:pPr lvl="0"/>
+            <a:r>
+              <a:rPr lang="de-DE" smtClean="0"/>
+              <a:t>Textmasterformat bearbeiten</a:t>
+            </a:r>
+          </a:p>
+          <a:p>
+            <a:pPr lvl="1"/>
+            <a:r>
+              <a:rPr lang="de-DE" smtClean="0"/>
+              <a:t>Zweite Ebene</a:t>
+            </a:r>
+          </a:p>
+          <a:p>
+            <a:pPr lvl="2"/>
+            <a:r>
+              <a:rPr lang="de-DE" smtClean="0"/>
+              <a:t>Dritte Ebene</a:t>
+            </a:r>
+          </a:p>
+          <a:p>
+            <a:pPr lvl="3"/>
+            <a:r>
+              <a:rPr lang="de-DE" smtClean="0"/>
+              <a:t>Vierte Ebene</a:t>
+            </a:r>
+          </a:p>
+          <a:p>
+            <a:pPr lvl="4"/>
+            <a:r>
+              <a:rPr lang="de-DE" smtClean="0"/>
+              <a:t>Fünfte Ebene</a:t>
+            </a:r>
+            <a:endParaRPr lang="de-DE"/>
+          </a:p>
+        </p:txBody>
+      </p:sp>
+      <p:sp>
+        <p:nvSpPr>
+          <p:cNvPr id="4" name="Rectangle 12"/>
+          <p:cNvSpPr>
+            <a:spLocks noGrp="1" noChangeArrowheads="1"/>
+          </p:cNvSpPr>
+          <p:nvPr>
+            <p:ph type="ftr" sz="quarter" idx="10"/>
+          </p:nvPr>
+        </p:nvSpPr>
+        <p:spPr>
+          <a:ln/>
+        </p:spPr>
+        <p:txBody>
+          <a:bodyPr/>
+          <a:lstStyle>
+            <a:lvl1pPr>
+              <a:defRPr/>
+            </a:lvl1pPr>
+          </a:lstStyle>
+          <a:p>
+            <a:r>
+              <a:rPr lang="de-DE" smtClean="0">
+                <a:solidFill>
+                  <a:srgbClr val="000000"/>
+                </a:solidFill>
+              </a:rPr>
+              <a:t>Name Vorname: Titel des Vortrags</a:t>
+            </a:r>
+            <a:endParaRPr lang="de-DE">
+              <a:solidFill>
+                <a:srgbClr val="000000"/>
+              </a:solidFill>
+            </a:endParaRPr>
+          </a:p>
+        </p:txBody>
+      </p:sp>
+    </p:spTree>
+    <p:extLst>
+      <p:ext uri="{BB962C8B-B14F-4D97-AF65-F5344CB8AC3E}">
+        <p14:creationId xmlns:p14="http://schemas.microsoft.com/office/powerpoint/2010/main" val="3150350327"/>
+      </p:ext>
+    </p:extLst>
+  </p:cSld>
+  <p:clrMapOvr>
+    <a:masterClrMapping/>
+  </p:clrMapOvr>
+</p:sldLayout>
+</file>
+
+<file path=ppt/slideLayouts/slideLayout23.xml><?xml version="1.0" encoding="utf-8"?>
+<p:sldLayout xmlns:a="http://schemas.openxmlformats.org/drawingml/2006/main" xmlns:r="http://schemas.openxmlformats.org/officeDocument/2006/relationships" xmlns:p="http://schemas.openxmlformats.org/presentationml/2006/main" type="vertTitleAndTx" preserve="1">
+  <p:cSld name="Vertikaler Titel und Text">
+    <p:spTree>
+      <p:nvGrpSpPr>
+        <p:cNvPr id="1" name=""/>
+        <p:cNvGrpSpPr/>
+        <p:nvPr/>
+      </p:nvGrpSpPr>
+      <p:grpSpPr>
+        <a:xfrm>
+          <a:off x="0" y="0"/>
+          <a:ext cx="0" cy="0"/>
+          <a:chOff x="0" y="0"/>
+          <a:chExt cx="0" cy="0"/>
+        </a:xfrm>
+      </p:grpSpPr>
+      <p:sp>
+        <p:nvSpPr>
+          <p:cNvPr id="2" name="Vertikaler Titel 1"/>
+          <p:cNvSpPr>
+            <a:spLocks noGrp="1"/>
+          </p:cNvSpPr>
+          <p:nvPr>
+            <p:ph type="title" orient="vert"/>
+          </p:nvPr>
+        </p:nvSpPr>
+        <p:spPr>
+          <a:xfrm>
+            <a:off x="6659563" y="333375"/>
+            <a:ext cx="2089150" cy="5759450"/>
+          </a:xfrm>
+        </p:spPr>
+        <p:txBody>
+          <a:bodyPr vert="eaVert"/>
+          <a:lstStyle/>
+          <a:p>
+            <a:r>
+              <a:rPr lang="de-DE" smtClean="0"/>
+              <a:t>Titelmasterformat durch Klicken bearbeiten</a:t>
+            </a:r>
+            <a:endParaRPr lang="de-DE"/>
+          </a:p>
+        </p:txBody>
+      </p:sp>
+      <p:sp>
+        <p:nvSpPr>
+          <p:cNvPr id="3" name="Vertikaler Textplatzhalter 2"/>
+          <p:cNvSpPr>
+            <a:spLocks noGrp="1"/>
+          </p:cNvSpPr>
+          <p:nvPr>
+            <p:ph type="body" orient="vert" idx="1"/>
+          </p:nvPr>
+        </p:nvSpPr>
+        <p:spPr>
+          <a:xfrm>
+            <a:off x="390525" y="333375"/>
+            <a:ext cx="6116638" cy="5759450"/>
+          </a:xfrm>
+        </p:spPr>
+        <p:txBody>
+          <a:bodyPr vert="eaVert"/>
+          <a:lstStyle/>
+          <a:p>
+            <a:pPr lvl="0"/>
+            <a:r>
+              <a:rPr lang="de-DE" smtClean="0"/>
+              <a:t>Textmasterformat bearbeiten</a:t>
+            </a:r>
+          </a:p>
+          <a:p>
+            <a:pPr lvl="1"/>
+            <a:r>
+              <a:rPr lang="de-DE" smtClean="0"/>
+              <a:t>Zweite Ebene</a:t>
+            </a:r>
+          </a:p>
+          <a:p>
+            <a:pPr lvl="2"/>
+            <a:r>
+              <a:rPr lang="de-DE" smtClean="0"/>
+              <a:t>Dritte Ebene</a:t>
+            </a:r>
+          </a:p>
+          <a:p>
+            <a:pPr lvl="3"/>
+            <a:r>
+              <a:rPr lang="de-DE" smtClean="0"/>
+              <a:t>Vierte Ebene</a:t>
+            </a:r>
+          </a:p>
+          <a:p>
+            <a:pPr lvl="4"/>
+            <a:r>
+              <a:rPr lang="de-DE" smtClean="0"/>
+              <a:t>Fünfte Ebene</a:t>
+            </a:r>
+            <a:endParaRPr lang="de-DE"/>
+          </a:p>
+        </p:txBody>
+      </p:sp>
+      <p:sp>
+        <p:nvSpPr>
+          <p:cNvPr id="4" name="Rectangle 12"/>
+          <p:cNvSpPr>
+            <a:spLocks noGrp="1" noChangeArrowheads="1"/>
+          </p:cNvSpPr>
+          <p:nvPr>
+            <p:ph type="ftr" sz="quarter" idx="10"/>
+          </p:nvPr>
+        </p:nvSpPr>
+        <p:spPr>
+          <a:ln/>
+        </p:spPr>
+        <p:txBody>
+          <a:bodyPr/>
+          <a:lstStyle>
+            <a:lvl1pPr>
+              <a:defRPr/>
+            </a:lvl1pPr>
+          </a:lstStyle>
+          <a:p>
+            <a:r>
+              <a:rPr lang="de-DE" smtClean="0">
+                <a:solidFill>
+                  <a:srgbClr val="000000"/>
+                </a:solidFill>
+              </a:rPr>
+              <a:t>Name Vorname: Titel des Vortrags</a:t>
+            </a:r>
+            <a:endParaRPr lang="de-DE">
+              <a:solidFill>
+                <a:srgbClr val="000000"/>
+              </a:solidFill>
+            </a:endParaRPr>
+          </a:p>
+        </p:txBody>
+      </p:sp>
+    </p:spTree>
+    <p:extLst>
+      <p:ext uri="{BB962C8B-B14F-4D97-AF65-F5344CB8AC3E}">
+        <p14:creationId xmlns:p14="http://schemas.microsoft.com/office/powerpoint/2010/main" val="2343526073"/>
+      </p:ext>
+    </p:extLst>
+  </p:cSld>
+  <p:clrMapOvr>
+    <a:masterClrMapping/>
+  </p:clrMapOvr>
+</p:sldLayout>
+</file>
+
+<file path=ppt/slideLayouts/slideLayout24.xml><?xml version="1.0" encoding="utf-8"?>
+<p:sldLayout xmlns:a="http://schemas.openxmlformats.org/drawingml/2006/main" xmlns:r="http://schemas.openxmlformats.org/officeDocument/2006/relationships" xmlns:p="http://schemas.openxmlformats.org/presentationml/2006/main" showMasterSp="0" type="title">
+  <p:cSld name="1_Titelfolie">
+    <p:spTree>
+      <p:nvGrpSpPr>
+        <p:cNvPr id="1" name=""/>
+        <p:cNvGrpSpPr/>
+        <p:nvPr/>
+      </p:nvGrpSpPr>
+      <p:grpSpPr>
+        <a:xfrm>
+          <a:off x="0" y="0"/>
+          <a:ext cx="0" cy="0"/>
+          <a:chOff x="0" y="0"/>
+          <a:chExt cx="0" cy="0"/>
+        </a:xfrm>
+      </p:grpSpPr>
+      <p:sp>
+        <p:nvSpPr>
+          <p:cNvPr id="36868" name="Rectangle 4"/>
+          <p:cNvSpPr>
+            <a:spLocks noGrp="1" noChangeArrowheads="1"/>
+          </p:cNvSpPr>
+          <p:nvPr>
+            <p:ph type="ctrTitle"/>
+          </p:nvPr>
+        </p:nvSpPr>
+        <p:spPr>
+          <a:xfrm>
+            <a:off x="395288" y="1268413"/>
+            <a:ext cx="8389937" cy="649287"/>
+          </a:xfrm>
+          <a:extLst>
+            <a:ext uri="{909E8E84-426E-40DD-AFC4-6F175D3DCCD1}">
+              <a14:hiddenFill xmlns:a14="http://schemas.microsoft.com/office/drawing/2010/main">
+                <a:solidFill>
+                  <a:srgbClr val="50AAE6"/>
+                </a:solidFill>
+              </a14:hiddenFill>
+            </a:ext>
+          </a:extLst>
+        </p:spPr>
+        <p:txBody>
+          <a:bodyPr/>
+          <a:lstStyle>
+            <a:lvl1pPr>
+              <a:lnSpc>
+                <a:spcPct val="90000"/>
+              </a:lnSpc>
+              <a:defRPr sz="2600"/>
+            </a:lvl1pPr>
+          </a:lstStyle>
+          <a:p>
+            <a:pPr lvl="0"/>
+            <a:r>
+              <a:rPr lang="de-DE" noProof="0" smtClean="0"/>
+              <a:t>Titel durch Klicken hinzufügen</a:t>
+            </a:r>
+          </a:p>
+        </p:txBody>
+      </p:sp>
+      <p:sp>
+        <p:nvSpPr>
+          <p:cNvPr id="36869" name="Rectangle 5"/>
+          <p:cNvSpPr>
+            <a:spLocks noGrp="1" noChangeArrowheads="1"/>
+          </p:cNvSpPr>
+          <p:nvPr>
+            <p:ph type="subTitle" idx="1"/>
+          </p:nvPr>
+        </p:nvSpPr>
+        <p:spPr>
+          <a:xfrm>
+            <a:off x="396875" y="2232025"/>
+            <a:ext cx="8370888" cy="620713"/>
+          </a:xfrm>
+        </p:spPr>
+        <p:txBody>
+          <a:bodyPr/>
+          <a:lstStyle>
+            <a:lvl1pPr marL="0" indent="0">
+              <a:spcBef>
+                <a:spcPct val="0"/>
+              </a:spcBef>
+              <a:buFontTx/>
+              <a:buNone/>
+              <a:defRPr sz="2000" b="1">
+                <a:solidFill>
+                  <a:srgbClr val="000000"/>
+                </a:solidFill>
+              </a:defRPr>
+            </a:lvl1pPr>
+          </a:lstStyle>
+          <a:p>
+            <a:pPr lvl="0"/>
+            <a:r>
+              <a:rPr lang="de-DE" noProof="0" smtClean="0"/>
+              <a:t>Untertitel durch Klicken hinzufügen</a:t>
+            </a:r>
+          </a:p>
+        </p:txBody>
+      </p:sp>
+    </p:spTree>
+    <p:extLst>
+      <p:ext uri="{BB962C8B-B14F-4D97-AF65-F5344CB8AC3E}">
+        <p14:creationId xmlns:p14="http://schemas.microsoft.com/office/powerpoint/2010/main" val="2717336198"/>
+      </p:ext>
+    </p:extLst>
   </p:cSld>
   <p:clrMapOvr>
     <a:masterClrMapping/>
@@ -12699,6 +15326,910 @@
     <p:sldLayoutId id="2147483686" r:id="rId10"/>
     <p:sldLayoutId id="2147483687" r:id="rId11"/>
     <p:sldLayoutId id="2147483688" r:id="rId12"/>
+  </p:sldLayoutIdLst>
+  <p:timing>
+    <p:tnLst>
+      <p:par>
+        <p:cTn id="1" dur="indefinite" restart="never" nodeType="tmRoot"/>
+      </p:par>
+    </p:tnLst>
+  </p:timing>
+  <p:hf sldNum="0" hdr="0" dt="0"/>
+  <p:txStyles>
+    <p:titleStyle>
+      <a:lvl1pPr algn="l" rtl="0" eaLnBrk="1" fontAlgn="base" hangingPunct="1">
+        <a:spcBef>
+          <a:spcPct val="0"/>
+        </a:spcBef>
+        <a:spcAft>
+          <a:spcPct val="0"/>
+        </a:spcAft>
+        <a:defRPr sz="2600" b="1">
+          <a:solidFill>
+            <a:schemeClr val="tx2"/>
+          </a:solidFill>
+          <a:latin typeface="+mj-lt"/>
+          <a:ea typeface="+mj-ea"/>
+          <a:cs typeface="+mj-cs"/>
+        </a:defRPr>
+      </a:lvl1pPr>
+      <a:lvl2pPr algn="l" rtl="0" eaLnBrk="1" fontAlgn="base" hangingPunct="1">
+        <a:spcBef>
+          <a:spcPct val="0"/>
+        </a:spcBef>
+        <a:spcAft>
+          <a:spcPct val="0"/>
+        </a:spcAft>
+        <a:defRPr sz="2400" b="1">
+          <a:solidFill>
+            <a:schemeClr val="tx2"/>
+          </a:solidFill>
+          <a:latin typeface="Arial" charset="0"/>
+        </a:defRPr>
+      </a:lvl2pPr>
+      <a:lvl3pPr algn="l" rtl="0" eaLnBrk="1" fontAlgn="base" hangingPunct="1">
+        <a:spcBef>
+          <a:spcPct val="0"/>
+        </a:spcBef>
+        <a:spcAft>
+          <a:spcPct val="0"/>
+        </a:spcAft>
+        <a:defRPr sz="2400" b="1">
+          <a:solidFill>
+            <a:schemeClr val="tx2"/>
+          </a:solidFill>
+          <a:latin typeface="Arial" charset="0"/>
+        </a:defRPr>
+      </a:lvl3pPr>
+      <a:lvl4pPr algn="l" rtl="0" eaLnBrk="1" fontAlgn="base" hangingPunct="1">
+        <a:spcBef>
+          <a:spcPct val="0"/>
+        </a:spcBef>
+        <a:spcAft>
+          <a:spcPct val="0"/>
+        </a:spcAft>
+        <a:defRPr sz="2400" b="1">
+          <a:solidFill>
+            <a:schemeClr val="tx2"/>
+          </a:solidFill>
+          <a:latin typeface="Arial" charset="0"/>
+        </a:defRPr>
+      </a:lvl4pPr>
+      <a:lvl5pPr algn="l" rtl="0" eaLnBrk="1" fontAlgn="base" hangingPunct="1">
+        <a:spcBef>
+          <a:spcPct val="0"/>
+        </a:spcBef>
+        <a:spcAft>
+          <a:spcPct val="0"/>
+        </a:spcAft>
+        <a:defRPr sz="2400" b="1">
+          <a:solidFill>
+            <a:schemeClr val="tx2"/>
+          </a:solidFill>
+          <a:latin typeface="Arial" charset="0"/>
+        </a:defRPr>
+      </a:lvl5pPr>
+      <a:lvl6pPr marL="457200" algn="l" rtl="0" eaLnBrk="1" fontAlgn="base" hangingPunct="1">
+        <a:spcBef>
+          <a:spcPct val="0"/>
+        </a:spcBef>
+        <a:spcAft>
+          <a:spcPct val="0"/>
+        </a:spcAft>
+        <a:defRPr sz="2400" b="1">
+          <a:solidFill>
+            <a:schemeClr val="tx2"/>
+          </a:solidFill>
+          <a:latin typeface="Arial" charset="0"/>
+        </a:defRPr>
+      </a:lvl6pPr>
+      <a:lvl7pPr marL="914400" algn="l" rtl="0" eaLnBrk="1" fontAlgn="base" hangingPunct="1">
+        <a:spcBef>
+          <a:spcPct val="0"/>
+        </a:spcBef>
+        <a:spcAft>
+          <a:spcPct val="0"/>
+        </a:spcAft>
+        <a:defRPr sz="2400" b="1">
+          <a:solidFill>
+            <a:schemeClr val="tx2"/>
+          </a:solidFill>
+          <a:latin typeface="Arial" charset="0"/>
+        </a:defRPr>
+      </a:lvl7pPr>
+      <a:lvl8pPr marL="1371600" algn="l" rtl="0" eaLnBrk="1" fontAlgn="base" hangingPunct="1">
+        <a:spcBef>
+          <a:spcPct val="0"/>
+        </a:spcBef>
+        <a:spcAft>
+          <a:spcPct val="0"/>
+        </a:spcAft>
+        <a:defRPr sz="2400" b="1">
+          <a:solidFill>
+            <a:schemeClr val="tx2"/>
+          </a:solidFill>
+          <a:latin typeface="Arial" charset="0"/>
+        </a:defRPr>
+      </a:lvl8pPr>
+      <a:lvl9pPr marL="1828800" algn="l" rtl="0" eaLnBrk="1" fontAlgn="base" hangingPunct="1">
+        <a:spcBef>
+          <a:spcPct val="0"/>
+        </a:spcBef>
+        <a:spcAft>
+          <a:spcPct val="0"/>
+        </a:spcAft>
+        <a:defRPr sz="2400" b="1">
+          <a:solidFill>
+            <a:schemeClr val="tx2"/>
+          </a:solidFill>
+          <a:latin typeface="Arial" charset="0"/>
+        </a:defRPr>
+      </a:lvl9pPr>
+    </p:titleStyle>
+    <p:bodyStyle>
+      <a:lvl1pPr marL="314325" indent="-314325" algn="l" rtl="0" eaLnBrk="1" fontAlgn="base" hangingPunct="1">
+        <a:spcBef>
+          <a:spcPct val="20000"/>
+        </a:spcBef>
+        <a:spcAft>
+          <a:spcPct val="0"/>
+        </a:spcAft>
+        <a:buBlip>
+          <a:blip r:embed="rId17"/>
+        </a:buBlip>
+        <a:defRPr sz="2800">
+          <a:solidFill>
+            <a:schemeClr val="tx1"/>
+          </a:solidFill>
+          <a:latin typeface="+mn-lt"/>
+          <a:ea typeface="+mn-ea"/>
+          <a:cs typeface="+mn-cs"/>
+        </a:defRPr>
+      </a:lvl1pPr>
+      <a:lvl2pPr marL="790575" indent="-314325" algn="l" rtl="0" eaLnBrk="1" fontAlgn="base" hangingPunct="1">
+        <a:spcBef>
+          <a:spcPct val="20000"/>
+        </a:spcBef>
+        <a:spcAft>
+          <a:spcPct val="0"/>
+        </a:spcAft>
+        <a:buBlip>
+          <a:blip r:embed="rId18"/>
+        </a:buBlip>
+        <a:defRPr sz="2400">
+          <a:solidFill>
+            <a:schemeClr val="tx1"/>
+          </a:solidFill>
+          <a:latin typeface="+mn-lt"/>
+        </a:defRPr>
+      </a:lvl2pPr>
+      <a:lvl3pPr marL="1209675" indent="-276225" algn="l" rtl="0" eaLnBrk="1" fontAlgn="base" hangingPunct="1">
+        <a:spcBef>
+          <a:spcPct val="20000"/>
+        </a:spcBef>
+        <a:spcAft>
+          <a:spcPct val="0"/>
+        </a:spcAft>
+        <a:buBlip>
+          <a:blip r:embed="rId19"/>
+        </a:buBlip>
+        <a:defRPr sz="2000">
+          <a:solidFill>
+            <a:schemeClr val="tx1"/>
+          </a:solidFill>
+          <a:latin typeface="+mn-lt"/>
+        </a:defRPr>
+      </a:lvl3pPr>
+      <a:lvl4pPr marL="1657350" indent="-276225" algn="l" rtl="0" eaLnBrk="1" fontAlgn="base" hangingPunct="1">
+        <a:spcBef>
+          <a:spcPct val="20000"/>
+        </a:spcBef>
+        <a:spcAft>
+          <a:spcPct val="0"/>
+        </a:spcAft>
+        <a:buBlip>
+          <a:blip r:embed="rId19"/>
+        </a:buBlip>
+        <a:defRPr sz="2000">
+          <a:solidFill>
+            <a:schemeClr val="tx1"/>
+          </a:solidFill>
+          <a:latin typeface="+mn-lt"/>
+        </a:defRPr>
+      </a:lvl4pPr>
+      <a:lvl5pPr marL="2095500" indent="-276225" algn="l" rtl="0" eaLnBrk="1" fontAlgn="base" hangingPunct="1">
+        <a:spcBef>
+          <a:spcPct val="20000"/>
+        </a:spcBef>
+        <a:spcAft>
+          <a:spcPct val="0"/>
+        </a:spcAft>
+        <a:buBlip>
+          <a:blip r:embed="rId19"/>
+        </a:buBlip>
+        <a:defRPr sz="1800">
+          <a:solidFill>
+            <a:schemeClr val="tx1"/>
+          </a:solidFill>
+          <a:latin typeface="+mn-lt"/>
+        </a:defRPr>
+      </a:lvl5pPr>
+      <a:lvl6pPr marL="2514600" indent="-228600" algn="l" rtl="0" eaLnBrk="1" fontAlgn="base" hangingPunct="1">
+        <a:spcBef>
+          <a:spcPct val="20000"/>
+        </a:spcBef>
+        <a:spcAft>
+          <a:spcPct val="0"/>
+        </a:spcAft>
+        <a:buSzPct val="60000"/>
+        <a:buBlip>
+          <a:blip r:embed="rId20"/>
+        </a:buBlip>
+        <a:defRPr sz="1400">
+          <a:solidFill>
+            <a:schemeClr val="tx1"/>
+          </a:solidFill>
+          <a:latin typeface="+mn-lt"/>
+        </a:defRPr>
+      </a:lvl6pPr>
+      <a:lvl7pPr marL="2971800" indent="-228600" algn="l" rtl="0" eaLnBrk="1" fontAlgn="base" hangingPunct="1">
+        <a:spcBef>
+          <a:spcPct val="20000"/>
+        </a:spcBef>
+        <a:spcAft>
+          <a:spcPct val="0"/>
+        </a:spcAft>
+        <a:buSzPct val="60000"/>
+        <a:buBlip>
+          <a:blip r:embed="rId20"/>
+        </a:buBlip>
+        <a:defRPr sz="1400">
+          <a:solidFill>
+            <a:schemeClr val="tx1"/>
+          </a:solidFill>
+          <a:latin typeface="+mn-lt"/>
+        </a:defRPr>
+      </a:lvl7pPr>
+      <a:lvl8pPr marL="3429000" indent="-228600" algn="l" rtl="0" eaLnBrk="1" fontAlgn="base" hangingPunct="1">
+        <a:spcBef>
+          <a:spcPct val="20000"/>
+        </a:spcBef>
+        <a:spcAft>
+          <a:spcPct val="0"/>
+        </a:spcAft>
+        <a:buSzPct val="60000"/>
+        <a:buBlip>
+          <a:blip r:embed="rId20"/>
+        </a:buBlip>
+        <a:defRPr sz="1400">
+          <a:solidFill>
+            <a:schemeClr val="tx1"/>
+          </a:solidFill>
+          <a:latin typeface="+mn-lt"/>
+        </a:defRPr>
+      </a:lvl8pPr>
+      <a:lvl9pPr marL="3886200" indent="-228600" algn="l" rtl="0" eaLnBrk="1" fontAlgn="base" hangingPunct="1">
+        <a:spcBef>
+          <a:spcPct val="20000"/>
+        </a:spcBef>
+        <a:spcAft>
+          <a:spcPct val="0"/>
+        </a:spcAft>
+        <a:buSzPct val="60000"/>
+        <a:buBlip>
+          <a:blip r:embed="rId20"/>
+        </a:buBlip>
+        <a:defRPr sz="1400">
+          <a:solidFill>
+            <a:schemeClr val="tx1"/>
+          </a:solidFill>
+          <a:latin typeface="+mn-lt"/>
+        </a:defRPr>
+      </a:lvl9pPr>
+    </p:bodyStyle>
+    <p:otherStyle>
+      <a:defPPr>
+        <a:defRPr lang="de-DE"/>
+      </a:defPPr>
+      <a:lvl1pPr marL="0" algn="l" defTabSz="914400" rtl="0" eaLnBrk="1" latinLnBrk="0" hangingPunct="1">
+        <a:defRPr sz="1800" kern="1200">
+          <a:solidFill>
+            <a:schemeClr val="tx1"/>
+          </a:solidFill>
+          <a:latin typeface="+mn-lt"/>
+          <a:ea typeface="+mn-ea"/>
+          <a:cs typeface="+mn-cs"/>
+        </a:defRPr>
+      </a:lvl1pPr>
+      <a:lvl2pPr marL="457200" algn="l" defTabSz="914400" rtl="0" eaLnBrk="1" latinLnBrk="0" hangingPunct="1">
+        <a:defRPr sz="1800" kern="1200">
+          <a:solidFill>
+            <a:schemeClr val="tx1"/>
+          </a:solidFill>
+          <a:latin typeface="+mn-lt"/>
+          <a:ea typeface="+mn-ea"/>
+          <a:cs typeface="+mn-cs"/>
+        </a:defRPr>
+      </a:lvl2pPr>
+      <a:lvl3pPr marL="914400" algn="l" defTabSz="914400" rtl="0" eaLnBrk="1" latinLnBrk="0" hangingPunct="1">
+        <a:defRPr sz="1800" kern="1200">
+          <a:solidFill>
+            <a:schemeClr val="tx1"/>
+          </a:solidFill>
+          <a:latin typeface="+mn-lt"/>
+          <a:ea typeface="+mn-ea"/>
+          <a:cs typeface="+mn-cs"/>
+        </a:defRPr>
+      </a:lvl3pPr>
+      <a:lvl4pPr marL="1371600" algn="l" defTabSz="914400" rtl="0" eaLnBrk="1" latinLnBrk="0" hangingPunct="1">
+        <a:defRPr sz="1800" kern="1200">
+          <a:solidFill>
+            <a:schemeClr val="tx1"/>
+          </a:solidFill>
+          <a:latin typeface="+mn-lt"/>
+          <a:ea typeface="+mn-ea"/>
+          <a:cs typeface="+mn-cs"/>
+        </a:defRPr>
+      </a:lvl4pPr>
+      <a:lvl5pPr marL="1828800" algn="l" defTabSz="914400" rtl="0" eaLnBrk="1" latinLnBrk="0" hangingPunct="1">
+        <a:defRPr sz="1800" kern="1200">
+          <a:solidFill>
+            <a:schemeClr val="tx1"/>
+          </a:solidFill>
+          <a:latin typeface="+mn-lt"/>
+          <a:ea typeface="+mn-ea"/>
+          <a:cs typeface="+mn-cs"/>
+        </a:defRPr>
+      </a:lvl5pPr>
+      <a:lvl6pPr marL="2286000" algn="l" defTabSz="914400" rtl="0" eaLnBrk="1" latinLnBrk="0" hangingPunct="1">
+        <a:defRPr sz="1800" kern="1200">
+          <a:solidFill>
+            <a:schemeClr val="tx1"/>
+          </a:solidFill>
+          <a:latin typeface="+mn-lt"/>
+          <a:ea typeface="+mn-ea"/>
+          <a:cs typeface="+mn-cs"/>
+        </a:defRPr>
+      </a:lvl6pPr>
+      <a:lvl7pPr marL="2743200" algn="l" defTabSz="914400" rtl="0" eaLnBrk="1" latinLnBrk="0" hangingPunct="1">
+        <a:defRPr sz="1800" kern="1200">
+          <a:solidFill>
+            <a:schemeClr val="tx1"/>
+          </a:solidFill>
+          <a:latin typeface="+mn-lt"/>
+          <a:ea typeface="+mn-ea"/>
+          <a:cs typeface="+mn-cs"/>
+        </a:defRPr>
+      </a:lvl7pPr>
+      <a:lvl8pPr marL="3200400" algn="l" defTabSz="914400" rtl="0" eaLnBrk="1" latinLnBrk="0" hangingPunct="1">
+        <a:defRPr sz="1800" kern="1200">
+          <a:solidFill>
+            <a:schemeClr val="tx1"/>
+          </a:solidFill>
+          <a:latin typeface="+mn-lt"/>
+          <a:ea typeface="+mn-ea"/>
+          <a:cs typeface="+mn-cs"/>
+        </a:defRPr>
+      </a:lvl8pPr>
+      <a:lvl9pPr marL="3657600" algn="l" defTabSz="914400" rtl="0" eaLnBrk="1" latinLnBrk="0" hangingPunct="1">
+        <a:defRPr sz="1800" kern="1200">
+          <a:solidFill>
+            <a:schemeClr val="tx1"/>
+          </a:solidFill>
+          <a:latin typeface="+mn-lt"/>
+          <a:ea typeface="+mn-ea"/>
+          <a:cs typeface="+mn-cs"/>
+        </a:defRPr>
+      </a:lvl9pPr>
+    </p:otherStyle>
+  </p:txStyles>
+</p:sldMaster>
+</file>
+
+<file path=ppt/slideMasters/slideMaster2.xml><?xml version="1.0" encoding="utf-8"?>
+<p:sldMaster xmlns:a="http://schemas.openxmlformats.org/drawingml/2006/main" xmlns:r="http://schemas.openxmlformats.org/officeDocument/2006/relationships" xmlns:p="http://schemas.openxmlformats.org/presentationml/2006/main" preserve="1">
+  <p:cSld>
+    <p:bg>
+      <p:bgPr>
+        <a:solidFill>
+          <a:schemeClr val="bg1"/>
+        </a:solidFill>
+        <a:effectLst/>
+      </p:bgPr>
+    </p:bg>
+    <p:spTree>
+      <p:nvGrpSpPr>
+        <p:cNvPr id="1" name=""/>
+        <p:cNvGrpSpPr/>
+        <p:nvPr/>
+      </p:nvGrpSpPr>
+      <p:grpSpPr>
+        <a:xfrm>
+          <a:off x="0" y="0"/>
+          <a:ext cx="0" cy="0"/>
+          <a:chOff x="0" y="0"/>
+          <a:chExt cx="0" cy="0"/>
+        </a:xfrm>
+      </p:grpSpPr>
+      <p:pic>
+        <p:nvPicPr>
+          <p:cNvPr id="1026" name="Picture 9" descr="II_rahmen_neu_folge"/>
+          <p:cNvPicPr>
+            <a:picLocks noChangeAspect="1" noChangeArrowheads="1"/>
+          </p:cNvPicPr>
+          <p:nvPr/>
+        </p:nvPicPr>
+        <p:blipFill>
+          <a:blip r:embed="rId14" cstate="print"/>
+          <a:srcRect/>
+          <a:stretch>
+            <a:fillRect/>
+          </a:stretch>
+        </p:blipFill>
+        <p:spPr bwMode="auto">
+          <a:xfrm>
+            <a:off x="0" y="0"/>
+            <a:ext cx="9144000" cy="6858000"/>
+          </a:xfrm>
+          <a:prstGeom prst="rect">
+            <a:avLst/>
+          </a:prstGeom>
+          <a:noFill/>
+          <a:ln w="9525">
+            <a:noFill/>
+            <a:miter lim="800000"/>
+            <a:headEnd/>
+            <a:tailEnd/>
+          </a:ln>
+        </p:spPr>
+      </p:pic>
+      <p:sp>
+        <p:nvSpPr>
+          <p:cNvPr id="1027" name="Rectangle 2"/>
+          <p:cNvSpPr>
+            <a:spLocks noGrp="1" noChangeArrowheads="1"/>
+          </p:cNvSpPr>
+          <p:nvPr>
+            <p:ph type="title"/>
+          </p:nvPr>
+        </p:nvSpPr>
+        <p:spPr bwMode="auto">
+          <a:xfrm>
+            <a:off x="390525" y="333375"/>
+            <a:ext cx="6911975" cy="561975"/>
+          </a:xfrm>
+          <a:prstGeom prst="rect">
+            <a:avLst/>
+          </a:prstGeom>
+          <a:noFill/>
+          <a:ln w="9525">
+            <a:noFill/>
+            <a:miter lim="800000"/>
+            <a:headEnd/>
+            <a:tailEnd/>
+          </a:ln>
+        </p:spPr>
+        <p:txBody>
+          <a:bodyPr vert="horz" wrap="square" lIns="0" tIns="0" rIns="0" bIns="0" numCol="1" anchor="b" anchorCtr="0" compatLnSpc="1">
+            <a:prstTxWarp prst="textNoShape">
+              <a:avLst/>
+            </a:prstTxWarp>
+          </a:bodyPr>
+          <a:lstStyle/>
+          <a:p>
+            <a:pPr lvl="0"/>
+            <a:r>
+              <a:rPr lang="de-DE" noProof="0" smtClean="0"/>
+              <a:t>Click to add title</a:t>
+            </a:r>
+          </a:p>
+        </p:txBody>
+      </p:sp>
+      <p:sp>
+        <p:nvSpPr>
+          <p:cNvPr id="1028" name="Rectangle 3"/>
+          <p:cNvSpPr>
+            <a:spLocks noGrp="1" noChangeArrowheads="1"/>
+          </p:cNvSpPr>
+          <p:nvPr>
+            <p:ph type="body" idx="1"/>
+          </p:nvPr>
+        </p:nvSpPr>
+        <p:spPr bwMode="auto">
+          <a:xfrm>
+            <a:off x="392113" y="1198563"/>
+            <a:ext cx="8356600" cy="4745037"/>
+          </a:xfrm>
+          <a:prstGeom prst="rect">
+            <a:avLst/>
+          </a:prstGeom>
+          <a:noFill/>
+          <a:ln w="9525">
+            <a:noFill/>
+            <a:miter lim="800000"/>
+            <a:headEnd/>
+            <a:tailEnd/>
+          </a:ln>
+        </p:spPr>
+        <p:txBody>
+          <a:bodyPr vert="horz" wrap="square" lIns="0" tIns="0" rIns="0" bIns="0" numCol="1" anchor="t" anchorCtr="0" compatLnSpc="1">
+            <a:prstTxWarp prst="textNoShape">
+              <a:avLst/>
+            </a:prstTxWarp>
+          </a:bodyPr>
+          <a:lstStyle/>
+          <a:p>
+            <a:pPr lvl="0"/>
+            <a:r>
+              <a:rPr lang="de-DE" noProof="0" smtClean="0"/>
+              <a:t>Click to add text</a:t>
+            </a:r>
+          </a:p>
+          <a:p>
+            <a:pPr lvl="1"/>
+            <a:r>
+              <a:rPr lang="de-DE" noProof="0" smtClean="0"/>
+              <a:t>Second level</a:t>
+            </a:r>
+          </a:p>
+          <a:p>
+            <a:pPr lvl="2"/>
+            <a:r>
+              <a:rPr lang="de-DE" noProof="0" smtClean="0"/>
+              <a:t>Third level</a:t>
+            </a:r>
+          </a:p>
+          <a:p>
+            <a:pPr lvl="3"/>
+            <a:r>
+              <a:rPr lang="de-DE" noProof="0" smtClean="0"/>
+              <a:t>Fourth level</a:t>
+            </a:r>
+          </a:p>
+          <a:p>
+            <a:pPr lvl="4"/>
+            <a:r>
+              <a:rPr lang="de-DE" noProof="0" smtClean="0"/>
+              <a:t>Fifth level</a:t>
+            </a:r>
+          </a:p>
+        </p:txBody>
+      </p:sp>
+      <p:sp>
+        <p:nvSpPr>
+          <p:cNvPr id="1034" name="Text Box 10"/>
+          <p:cNvSpPr txBox="1">
+            <a:spLocks noChangeArrowheads="1"/>
+          </p:cNvSpPr>
+          <p:nvPr/>
+        </p:nvSpPr>
+        <p:spPr bwMode="auto">
+          <a:xfrm>
+            <a:off x="5850190" y="6433521"/>
+            <a:ext cx="3183655" cy="360362"/>
+          </a:xfrm>
+          <a:prstGeom prst="rect">
+            <a:avLst/>
+          </a:prstGeom>
+          <a:noFill/>
+          <a:ln w="9525">
+            <a:noFill/>
+            <a:miter lim="800000"/>
+            <a:headEnd/>
+            <a:tailEnd/>
+          </a:ln>
+          <a:effectLst/>
+        </p:spPr>
+        <p:txBody>
+          <a:bodyPr lIns="0" tIns="0" rIns="0" bIns="0"/>
+          <a:lstStyle/>
+          <a:p>
+            <a:pPr algn="r">
+              <a:spcBef>
+                <a:spcPct val="50000"/>
+              </a:spcBef>
+              <a:defRPr/>
+            </a:pPr>
+            <a:r>
+              <a:rPr lang="de-DE" sz="1000" dirty="0" smtClean="0">
+                <a:solidFill>
+                  <a:srgbClr val="000000"/>
+                </a:solidFill>
+                <a:latin typeface="Arial" pitchFamily="34" charset="0"/>
+              </a:rPr>
+              <a:t>Praxis der Softwareentwicklung SS 2014</a:t>
+            </a:r>
+            <a:br>
+              <a:rPr lang="de-DE" sz="1000" dirty="0" smtClean="0">
+                <a:solidFill>
+                  <a:srgbClr val="000000"/>
+                </a:solidFill>
+                <a:latin typeface="Arial" pitchFamily="34" charset="0"/>
+              </a:rPr>
+            </a:br>
+            <a:endParaRPr lang="de-DE" sz="1000" dirty="0" smtClean="0">
+              <a:solidFill>
+                <a:srgbClr val="000000"/>
+              </a:solidFill>
+              <a:latin typeface="Arial" pitchFamily="34" charset="0"/>
+            </a:endParaRPr>
+          </a:p>
+        </p:txBody>
+      </p:sp>
+      <p:sp>
+        <p:nvSpPr>
+          <p:cNvPr id="1035" name="Text Box 11"/>
+          <p:cNvSpPr txBox="1">
+            <a:spLocks noChangeArrowheads="1"/>
+          </p:cNvSpPr>
+          <p:nvPr/>
+        </p:nvSpPr>
+        <p:spPr bwMode="auto">
+          <a:xfrm>
+            <a:off x="142673" y="6445250"/>
+            <a:ext cx="325438" cy="215900"/>
+          </a:xfrm>
+          <a:prstGeom prst="rect">
+            <a:avLst/>
+          </a:prstGeom>
+          <a:noFill/>
+          <a:ln w="9525">
+            <a:noFill/>
+            <a:miter lim="800000"/>
+            <a:headEnd/>
+            <a:tailEnd/>
+          </a:ln>
+          <a:effectLst/>
+        </p:spPr>
+        <p:txBody>
+          <a:bodyPr lIns="0" tIns="0" rIns="0" bIns="0"/>
+          <a:lstStyle/>
+          <a:p>
+            <a:pPr>
+              <a:spcBef>
+                <a:spcPct val="50000"/>
+              </a:spcBef>
+              <a:defRPr/>
+            </a:pPr>
+            <a:fld id="{8C0F9C85-1605-44FB-B89E-0505D1D630E7}" type="slidenum">
+              <a:rPr lang="de-DE" sz="1000" b="1">
+                <a:solidFill>
+                  <a:srgbClr val="000000"/>
+                </a:solidFill>
+              </a:rPr>
+              <a:pPr>
+                <a:spcBef>
+                  <a:spcPct val="50000"/>
+                </a:spcBef>
+                <a:defRPr/>
+              </a:pPr>
+              <a:t>‹Nr.›</a:t>
+            </a:fld>
+            <a:endParaRPr lang="de-DE" sz="1000" b="1" dirty="0">
+              <a:solidFill>
+                <a:srgbClr val="000000"/>
+              </a:solidFill>
+            </a:endParaRPr>
+          </a:p>
+        </p:txBody>
+      </p:sp>
+      <p:sp>
+        <p:nvSpPr>
+          <p:cNvPr id="2" name="Rectangle 11"/>
+          <p:cNvSpPr>
+            <a:spLocks noChangeArrowheads="1"/>
+          </p:cNvSpPr>
+          <p:nvPr/>
+        </p:nvSpPr>
+        <p:spPr bwMode="auto">
+          <a:xfrm>
+            <a:off x="504623" y="6445250"/>
+            <a:ext cx="863600" cy="360363"/>
+          </a:xfrm>
+          <a:prstGeom prst="rect">
+            <a:avLst/>
+          </a:prstGeom>
+          <a:noFill/>
+          <a:ln w="9525">
+            <a:noFill/>
+            <a:miter lim="800000"/>
+            <a:headEnd/>
+            <a:tailEnd/>
+          </a:ln>
+          <a:effectLst/>
+        </p:spPr>
+        <p:txBody>
+          <a:bodyPr lIns="0" tIns="0" rIns="0" bIns="0"/>
+          <a:lstStyle/>
+          <a:p>
+            <a:pPr>
+              <a:defRPr/>
+            </a:pPr>
+            <a:r>
+              <a:rPr lang="de-DE" sz="1000" dirty="0" smtClean="0">
+                <a:solidFill>
+                  <a:srgbClr val="000000"/>
+                </a:solidFill>
+                <a:latin typeface="Arial" pitchFamily="34" charset="0"/>
+              </a:rPr>
+              <a:t>30.09.2014</a:t>
+            </a:r>
+            <a:endParaRPr lang="de-DE" sz="1000" dirty="0">
+              <a:solidFill>
+                <a:srgbClr val="000000"/>
+              </a:solidFill>
+              <a:latin typeface="Arial" pitchFamily="34" charset="0"/>
+            </a:endParaRPr>
+          </a:p>
+        </p:txBody>
+      </p:sp>
+      <p:sp>
+        <p:nvSpPr>
+          <p:cNvPr id="1036" name="Rectangle 12"/>
+          <p:cNvSpPr>
+            <a:spLocks noGrp="1" noChangeArrowheads="1"/>
+          </p:cNvSpPr>
+          <p:nvPr>
+            <p:ph type="ftr" sz="quarter" idx="3"/>
+          </p:nvPr>
+        </p:nvSpPr>
+        <p:spPr bwMode="auto">
+          <a:xfrm>
+            <a:off x="1288027" y="6445250"/>
+            <a:ext cx="4542502" cy="360363"/>
+          </a:xfrm>
+          <a:prstGeom prst="rect">
+            <a:avLst/>
+          </a:prstGeom>
+          <a:noFill/>
+          <a:ln w="9525">
+            <a:noFill/>
+            <a:miter lim="800000"/>
+            <a:headEnd/>
+            <a:tailEnd/>
+          </a:ln>
+          <a:effectLst/>
+        </p:spPr>
+        <p:txBody>
+          <a:bodyPr vert="horz" wrap="square" lIns="0" tIns="0" rIns="0" bIns="0" numCol="1" anchor="t" anchorCtr="0" compatLnSpc="1">
+            <a:prstTxWarp prst="textNoShape">
+              <a:avLst/>
+            </a:prstTxWarp>
+          </a:bodyPr>
+          <a:lstStyle>
+            <a:lvl1pPr>
+              <a:defRPr sz="1000">
+                <a:latin typeface="Arial" pitchFamily="34" charset="0"/>
+              </a:defRPr>
+            </a:lvl1pPr>
+          </a:lstStyle>
+          <a:p>
+            <a:r>
+              <a:rPr lang="de-DE" dirty="0" err="1" smtClean="0">
+                <a:solidFill>
+                  <a:srgbClr val="000000"/>
+                </a:solidFill>
+              </a:rPr>
+              <a:t>Advanced</a:t>
+            </a:r>
+            <a:r>
+              <a:rPr lang="de-DE" dirty="0" smtClean="0">
+                <a:solidFill>
+                  <a:srgbClr val="000000"/>
+                </a:solidFill>
+              </a:rPr>
+              <a:t> ROS Network </a:t>
+            </a:r>
+            <a:r>
+              <a:rPr lang="de-DE" dirty="0" err="1" smtClean="0">
+                <a:solidFill>
+                  <a:srgbClr val="000000"/>
+                </a:solidFill>
+              </a:rPr>
+              <a:t>Introspection</a:t>
+            </a:r>
+            <a:endParaRPr lang="de-DE" dirty="0">
+              <a:solidFill>
+                <a:srgbClr val="000000"/>
+              </a:solidFill>
+            </a:endParaRPr>
+          </a:p>
+        </p:txBody>
+      </p:sp>
+      <p:pic>
+        <p:nvPicPr>
+          <p:cNvPr id="1033" name="Picture 9" descr="KITlogo_4c_frutiger"/>
+          <p:cNvPicPr>
+            <a:picLocks noChangeAspect="1" noChangeArrowheads="1"/>
+          </p:cNvPicPr>
+          <p:nvPr/>
+        </p:nvPicPr>
+        <p:blipFill>
+          <a:blip r:embed="rId15" cstate="print"/>
+          <a:srcRect/>
+          <a:stretch>
+            <a:fillRect/>
+          </a:stretch>
+        </p:blipFill>
+        <p:spPr bwMode="auto">
+          <a:xfrm>
+            <a:off x="7667625" y="341313"/>
+            <a:ext cx="1084263" cy="495300"/>
+          </a:xfrm>
+          <a:prstGeom prst="rect">
+            <a:avLst/>
+          </a:prstGeom>
+          <a:noFill/>
+          <a:ln w="9525">
+            <a:noFill/>
+            <a:miter lim="800000"/>
+            <a:headEnd/>
+            <a:tailEnd/>
+          </a:ln>
+        </p:spPr>
+      </p:pic>
+      <p:pic>
+        <p:nvPicPr>
+          <p:cNvPr id="10" name="Picture 2" descr="C:\versioned\KlausSVN\Dissertation\presentations\Disputation\kit_logo_de_farbe_positiv.jpg"/>
+          <p:cNvPicPr>
+            <a:picLocks noChangeAspect="1" noChangeArrowheads="1"/>
+          </p:cNvPicPr>
+          <p:nvPr userDrawn="1"/>
+        </p:nvPicPr>
+        <p:blipFill>
+          <a:blip r:embed="rId16" cstate="print">
+            <a:extLst>
+              <a:ext uri="{28A0092B-C50C-407E-A947-70E740481C1C}">
+                <a14:useLocalDpi xmlns:a14="http://schemas.microsoft.com/office/drawing/2010/main" val="0"/>
+              </a:ext>
+            </a:extLst>
+          </a:blip>
+          <a:srcRect/>
+          <a:stretch>
+            <a:fillRect/>
+          </a:stretch>
+        </p:blipFill>
+        <p:spPr bwMode="auto">
+          <a:xfrm>
+            <a:off x="7668760" y="341313"/>
+            <a:ext cx="1083128" cy="495300"/>
+          </a:xfrm>
+          <a:prstGeom prst="rect">
+            <a:avLst/>
+          </a:prstGeom>
+          <a:noFill/>
+          <a:extLst>
+            <a:ext uri="{909E8E84-426E-40DD-AFC4-6F175D3DCCD1}">
+              <a14:hiddenFill xmlns:a14="http://schemas.microsoft.com/office/drawing/2010/main">
+                <a:solidFill>
+                  <a:srgbClr val="FFFFFF"/>
+                </a:solidFill>
+              </a14:hiddenFill>
+            </a:ext>
+          </a:extLst>
+        </p:spPr>
+      </p:pic>
+    </p:spTree>
+    <p:extLst>
+      <p:ext uri="{BB962C8B-B14F-4D97-AF65-F5344CB8AC3E}">
+        <p14:creationId xmlns:p14="http://schemas.microsoft.com/office/powerpoint/2010/main" val="3903497934"/>
+      </p:ext>
+    </p:extLst>
+  </p:cSld>
+  <p:clrMap bg1="lt1" tx1="dk1" bg2="lt2" tx2="dk2" accent1="accent1" accent2="accent2" accent3="accent3" accent4="accent4" accent5="accent5" accent6="accent6" hlink="hlink" folHlink="folHlink"/>
+  <p:sldLayoutIdLst>
+    <p:sldLayoutId id="2147483690" r:id="rId1"/>
+    <p:sldLayoutId id="2147483691" r:id="rId2"/>
+    <p:sldLayoutId id="2147483692" r:id="rId3"/>
+    <p:sldLayoutId id="2147483693" r:id="rId4"/>
+    <p:sldLayoutId id="2147483694" r:id="rId5"/>
+    <p:sldLayoutId id="2147483695" r:id="rId6"/>
+    <p:sldLayoutId id="2147483696" r:id="rId7"/>
+    <p:sldLayoutId id="2147483697" r:id="rId8"/>
+    <p:sldLayoutId id="2147483698" r:id="rId9"/>
+    <p:sldLayoutId id="2147483699" r:id="rId10"/>
+    <p:sldLayoutId id="2147483700" r:id="rId11"/>
+    <p:sldLayoutId id="2147483701" r:id="rId12"/>
   </p:sldLayoutIdLst>
   <p:timing>
     <p:tnLst>
@@ -13930,11 +17461,7 @@
             <a:pPr lvl="1"/>
             <a:r>
               <a:rPr lang="de-DE" dirty="0" smtClean="0"/>
-              <a:t>Hardwareauslastung des </a:t>
-            </a:r>
-            <a:r>
-              <a:rPr lang="de-DE" dirty="0" smtClean="0"/>
-              <a:t>Systems</a:t>
+              <a:t>Hardwareauslastung des Systems</a:t>
             </a:r>
           </a:p>
           <a:p>
@@ -13942,7 +17469,6 @@
               <a:rPr lang="de-DE" dirty="0" smtClean="0"/>
               <a:t>Funktioniert ohne Modifikationen</a:t>
             </a:r>
-            <a:endParaRPr lang="de-DE" dirty="0" smtClean="0"/>
           </a:p>
           <a:p>
             <a:pPr marL="0" indent="0">
@@ -16666,6 +20192,707 @@
 </file>
 
 <file path=ppt/slides/slide15.xml><?xml version="1.0" encoding="utf-8"?>
+<p:sld xmlns:a="http://schemas.openxmlformats.org/drawingml/2006/main" xmlns:r="http://schemas.openxmlformats.org/officeDocument/2006/relationships" xmlns:p="http://schemas.openxmlformats.org/presentationml/2006/main">
+  <p:cSld>
+    <p:spTree>
+      <p:nvGrpSpPr>
+        <p:cNvPr id="1" name=""/>
+        <p:cNvGrpSpPr/>
+        <p:nvPr/>
+      </p:nvGrpSpPr>
+      <p:grpSpPr>
+        <a:xfrm>
+          <a:off x="0" y="0"/>
+          <a:ext cx="0" cy="0"/>
+          <a:chOff x="0" y="0"/>
+          <a:chExt cx="0" cy="0"/>
+        </a:xfrm>
+      </p:grpSpPr>
+      <p:sp>
+        <p:nvSpPr>
+          <p:cNvPr id="2" name="Titel 1"/>
+          <p:cNvSpPr>
+            <a:spLocks noGrp="1"/>
+          </p:cNvSpPr>
+          <p:nvPr>
+            <p:ph type="title"/>
+          </p:nvPr>
+        </p:nvSpPr>
+        <p:spPr/>
+        <p:txBody>
+          <a:bodyPr/>
+          <a:lstStyle/>
+          <a:p>
+            <a:r>
+              <a:rPr lang="de-DE" dirty="0"/>
+              <a:t>Wiki - http://wiki.ros.org/arni</a:t>
+            </a:r>
+            <a:endParaRPr lang="de-DE" dirty="0"/>
+          </a:p>
+        </p:txBody>
+      </p:sp>
+      <p:sp>
+        <p:nvSpPr>
+          <p:cNvPr id="4" name="Fußzeilenplatzhalter 3"/>
+          <p:cNvSpPr>
+            <a:spLocks noGrp="1"/>
+          </p:cNvSpPr>
+          <p:nvPr>
+            <p:ph type="ftr" sz="quarter" idx="4294967295"/>
+          </p:nvPr>
+        </p:nvSpPr>
+        <p:spPr>
+          <a:xfrm>
+            <a:off x="1288027" y="6445250"/>
+            <a:ext cx="4542502" cy="360363"/>
+          </a:xfrm>
+        </p:spPr>
+        <p:txBody>
+          <a:bodyPr/>
+          <a:lstStyle/>
+          <a:p>
+            <a:r>
+              <a:rPr lang="de-DE" dirty="0" err="1">
+                <a:solidFill>
+                  <a:srgbClr val="000000"/>
+                </a:solidFill>
+              </a:rPr>
+              <a:t>Advanced</a:t>
+            </a:r>
+            <a:r>
+              <a:rPr lang="de-DE" dirty="0">
+                <a:solidFill>
+                  <a:srgbClr val="000000"/>
+                </a:solidFill>
+              </a:rPr>
+              <a:t> ROS Network </a:t>
+            </a:r>
+            <a:r>
+              <a:rPr lang="de-DE" dirty="0" err="1">
+                <a:solidFill>
+                  <a:srgbClr val="000000"/>
+                </a:solidFill>
+              </a:rPr>
+              <a:t>Introspection</a:t>
+            </a:r>
+            <a:endParaRPr lang="de-DE" dirty="0">
+              <a:solidFill>
+                <a:srgbClr val="000000"/>
+              </a:solidFill>
+            </a:endParaRPr>
+          </a:p>
+        </p:txBody>
+      </p:sp>
+      <p:grpSp>
+        <p:nvGrpSpPr>
+          <p:cNvPr id="18" name="Gruppieren 21"/>
+          <p:cNvGrpSpPr/>
+          <p:nvPr/>
+        </p:nvGrpSpPr>
+        <p:grpSpPr>
+          <a:xfrm>
+            <a:off x="25400" y="5986694"/>
+            <a:ext cx="9072000" cy="322630"/>
+            <a:chOff x="25400" y="5986694"/>
+            <a:chExt cx="9072000" cy="322630"/>
+          </a:xfrm>
+        </p:grpSpPr>
+        <p:sp>
+          <p:nvSpPr>
+            <p:cNvPr id="19" name="Textfeld 13"/>
+            <p:cNvSpPr txBox="1"/>
+            <p:nvPr/>
+          </p:nvSpPr>
+          <p:spPr>
+            <a:xfrm>
+              <a:off x="1745265" y="6032322"/>
+              <a:ext cx="1241045" cy="276999"/>
+            </a:xfrm>
+            <a:prstGeom prst="rect">
+              <a:avLst/>
+            </a:prstGeom>
+          </p:spPr>
+          <p:style>
+            <a:lnRef idx="2">
+              <a:schemeClr val="accent3"/>
+            </a:lnRef>
+            <a:fillRef idx="1">
+              <a:schemeClr val="lt1"/>
+            </a:fillRef>
+            <a:effectRef idx="0">
+              <a:schemeClr val="accent3"/>
+            </a:effectRef>
+            <a:fontRef idx="minor">
+              <a:schemeClr val="dk1"/>
+            </a:fontRef>
+          </p:style>
+          <p:txBody>
+            <a:bodyPr wrap="none" rtlCol="0">
+              <a:spAutoFit/>
+            </a:bodyPr>
+            <a:lstStyle/>
+            <a:p>
+              <a:r>
+                <a:rPr lang="en-US" sz="1200" dirty="0" err="1" smtClean="0">
+                  <a:solidFill>
+                    <a:srgbClr val="000000"/>
+                  </a:solidFill>
+                </a:rPr>
+                <a:t>Funktionsweise</a:t>
+              </a:r>
+              <a:endParaRPr lang="en-US" sz="1200" dirty="0" smtClean="0">
+                <a:solidFill>
+                  <a:srgbClr val="000000"/>
+                </a:solidFill>
+              </a:endParaRPr>
+            </a:p>
+          </p:txBody>
+        </p:sp>
+        <p:sp>
+          <p:nvSpPr>
+            <p:cNvPr id="20" name="Textfeld 14"/>
+            <p:cNvSpPr txBox="1"/>
+            <p:nvPr/>
+          </p:nvSpPr>
+          <p:spPr>
+            <a:xfrm>
+              <a:off x="6573970" y="6032325"/>
+              <a:ext cx="893193" cy="276999"/>
+            </a:xfrm>
+            <a:prstGeom prst="rect">
+              <a:avLst/>
+            </a:prstGeom>
+          </p:spPr>
+          <p:style>
+            <a:lnRef idx="2">
+              <a:schemeClr val="accent3"/>
+            </a:lnRef>
+            <a:fillRef idx="1">
+              <a:schemeClr val="lt1"/>
+            </a:fillRef>
+            <a:effectRef idx="0">
+              <a:schemeClr val="accent3"/>
+            </a:effectRef>
+            <a:fontRef idx="minor">
+              <a:schemeClr val="dk1"/>
+            </a:fontRef>
+          </p:style>
+          <p:txBody>
+            <a:bodyPr wrap="none" rtlCol="0">
+              <a:spAutoFit/>
+            </a:bodyPr>
+            <a:lstStyle/>
+            <a:p>
+              <a:r>
+                <a:rPr lang="en-US" sz="1200" dirty="0" err="1" smtClean="0">
+                  <a:solidFill>
+                    <a:srgbClr val="000000"/>
+                  </a:solidFill>
+                </a:rPr>
+                <a:t>Statistiken</a:t>
+              </a:r>
+              <a:endParaRPr lang="en-US" sz="1200" dirty="0" smtClean="0">
+                <a:solidFill>
+                  <a:srgbClr val="000000"/>
+                </a:solidFill>
+              </a:endParaRPr>
+            </a:p>
+          </p:txBody>
+        </p:sp>
+        <p:sp>
+          <p:nvSpPr>
+            <p:cNvPr id="21" name="Textfeld 20"/>
+            <p:cNvSpPr txBox="1"/>
+            <p:nvPr/>
+          </p:nvSpPr>
+          <p:spPr>
+            <a:xfrm>
+              <a:off x="3596352" y="6032323"/>
+              <a:ext cx="917239" cy="276999"/>
+            </a:xfrm>
+            <a:prstGeom prst="rect">
+              <a:avLst/>
+            </a:prstGeom>
+          </p:spPr>
+          <p:style>
+            <a:lnRef idx="2">
+              <a:schemeClr val="accent3"/>
+            </a:lnRef>
+            <a:fillRef idx="1">
+              <a:schemeClr val="lt1"/>
+            </a:fillRef>
+            <a:effectRef idx="0">
+              <a:schemeClr val="accent3"/>
+            </a:effectRef>
+            <a:fontRef idx="minor">
+              <a:schemeClr val="dk1"/>
+            </a:fontRef>
+          </p:style>
+          <p:txBody>
+            <a:bodyPr wrap="none" rtlCol="0">
+              <a:spAutoFit/>
+            </a:bodyPr>
+            <a:lstStyle/>
+            <a:p>
+              <a:r>
+                <a:rPr lang="en-US" sz="1200" dirty="0" smtClean="0">
+                  <a:solidFill>
+                    <a:srgbClr val="000000"/>
+                  </a:solidFill>
+                </a:rPr>
+                <a:t>Live Demo</a:t>
+              </a:r>
+            </a:p>
+          </p:txBody>
+        </p:sp>
+        <p:sp>
+          <p:nvSpPr>
+            <p:cNvPr id="22" name="Textfeld 21"/>
+            <p:cNvSpPr txBox="1"/>
+            <p:nvPr/>
+          </p:nvSpPr>
+          <p:spPr>
+            <a:xfrm>
+              <a:off x="8077200" y="6031376"/>
+              <a:ext cx="518091" cy="276999"/>
+            </a:xfrm>
+            <a:prstGeom prst="rect">
+              <a:avLst/>
+            </a:prstGeom>
+            <a:ln/>
+          </p:spPr>
+          <p:style>
+            <a:lnRef idx="2">
+              <a:schemeClr val="accent3"/>
+            </a:lnRef>
+            <a:fillRef idx="1">
+              <a:schemeClr val="lt1"/>
+            </a:fillRef>
+            <a:effectRef idx="0">
+              <a:schemeClr val="accent3"/>
+            </a:effectRef>
+            <a:fontRef idx="minor">
+              <a:schemeClr val="dk1"/>
+            </a:fontRef>
+          </p:style>
+          <p:txBody>
+            <a:bodyPr wrap="none" rtlCol="0">
+              <a:spAutoFit/>
+            </a:bodyPr>
+            <a:lstStyle/>
+            <a:p>
+              <a:r>
+                <a:rPr lang="en-US" sz="1200" dirty="0" err="1" smtClean="0">
+                  <a:solidFill>
+                    <a:srgbClr val="000000"/>
+                  </a:solidFill>
+                </a:rPr>
+                <a:t>Fazit</a:t>
+              </a:r>
+              <a:endParaRPr lang="en-US" sz="1200" dirty="0" smtClean="0">
+                <a:solidFill>
+                  <a:srgbClr val="000000"/>
+                </a:solidFill>
+              </a:endParaRPr>
+            </a:p>
+          </p:txBody>
+        </p:sp>
+        <p:sp>
+          <p:nvSpPr>
+            <p:cNvPr id="23" name="Textfeld 22"/>
+            <p:cNvSpPr txBox="1"/>
+            <p:nvPr/>
+          </p:nvSpPr>
+          <p:spPr>
+            <a:xfrm>
+              <a:off x="179512" y="6032321"/>
+              <a:ext cx="883575" cy="276999"/>
+            </a:xfrm>
+            <a:prstGeom prst="rect">
+              <a:avLst/>
+            </a:prstGeom>
+          </p:spPr>
+          <p:style>
+            <a:lnRef idx="2">
+              <a:schemeClr val="accent3"/>
+            </a:lnRef>
+            <a:fillRef idx="1">
+              <a:schemeClr val="lt1"/>
+            </a:fillRef>
+            <a:effectRef idx="0">
+              <a:schemeClr val="accent3"/>
+            </a:effectRef>
+            <a:fontRef idx="minor">
+              <a:schemeClr val="dk1"/>
+            </a:fontRef>
+          </p:style>
+          <p:txBody>
+            <a:bodyPr wrap="none" rtlCol="0">
+              <a:spAutoFit/>
+            </a:bodyPr>
+            <a:lstStyle/>
+            <a:p>
+              <a:r>
+                <a:rPr lang="en-US" sz="1200" dirty="0" smtClean="0">
+                  <a:solidFill>
+                    <a:srgbClr val="000000"/>
+                  </a:solidFill>
+                </a:rPr>
+                <a:t>Motivation</a:t>
+              </a:r>
+            </a:p>
+          </p:txBody>
+        </p:sp>
+        <p:sp>
+          <p:nvSpPr>
+            <p:cNvPr id="24" name="Eingekerbter Richtungspfeil 23"/>
+            <p:cNvSpPr/>
+            <p:nvPr/>
+          </p:nvSpPr>
+          <p:spPr>
+            <a:xfrm>
+              <a:off x="1360996" y="6091573"/>
+              <a:ext cx="158496" cy="158496"/>
+            </a:xfrm>
+            <a:prstGeom prst="chevron">
+              <a:avLst/>
+            </a:prstGeom>
+          </p:spPr>
+          <p:style>
+            <a:lnRef idx="1">
+              <a:schemeClr val="accent4"/>
+            </a:lnRef>
+            <a:fillRef idx="2">
+              <a:schemeClr val="accent4"/>
+            </a:fillRef>
+            <a:effectRef idx="1">
+              <a:schemeClr val="accent4"/>
+            </a:effectRef>
+            <a:fontRef idx="minor">
+              <a:schemeClr val="dk1"/>
+            </a:fontRef>
+          </p:style>
+          <p:txBody>
+            <a:bodyPr rtlCol="0" anchor="ctr"/>
+            <a:lstStyle/>
+            <a:p>
+              <a:pPr algn="ctr"/>
+              <a:endParaRPr lang="de-DE">
+                <a:solidFill>
+                  <a:srgbClr val="000000"/>
+                </a:solidFill>
+              </a:endParaRPr>
+            </a:p>
+          </p:txBody>
+        </p:sp>
+        <p:sp>
+          <p:nvSpPr>
+            <p:cNvPr id="25" name="Eingekerbter Richtungspfeil 24"/>
+            <p:cNvSpPr/>
+            <p:nvPr/>
+          </p:nvSpPr>
+          <p:spPr>
+            <a:xfrm>
+              <a:off x="3212083" y="6091574"/>
+              <a:ext cx="158496" cy="158496"/>
+            </a:xfrm>
+            <a:prstGeom prst="chevron">
+              <a:avLst/>
+            </a:prstGeom>
+          </p:spPr>
+          <p:style>
+            <a:lnRef idx="1">
+              <a:schemeClr val="accent4"/>
+            </a:lnRef>
+            <a:fillRef idx="2">
+              <a:schemeClr val="accent4"/>
+            </a:fillRef>
+            <a:effectRef idx="1">
+              <a:schemeClr val="accent4"/>
+            </a:effectRef>
+            <a:fontRef idx="minor">
+              <a:schemeClr val="dk1"/>
+            </a:fontRef>
+          </p:style>
+          <p:txBody>
+            <a:bodyPr rtlCol="0" anchor="ctr"/>
+            <a:lstStyle/>
+            <a:p>
+              <a:pPr algn="ctr"/>
+              <a:endParaRPr lang="de-DE">
+                <a:solidFill>
+                  <a:srgbClr val="000000"/>
+                </a:solidFill>
+              </a:endParaRPr>
+            </a:p>
+          </p:txBody>
+        </p:sp>
+        <p:sp>
+          <p:nvSpPr>
+            <p:cNvPr id="26" name="Eingekerbter Richtungspfeil 25"/>
+            <p:cNvSpPr/>
+            <p:nvPr/>
+          </p:nvSpPr>
+          <p:spPr>
+            <a:xfrm>
+              <a:off x="4739364" y="6091575"/>
+              <a:ext cx="158496" cy="158496"/>
+            </a:xfrm>
+            <a:prstGeom prst="chevron">
+              <a:avLst/>
+            </a:prstGeom>
+          </p:spPr>
+          <p:style>
+            <a:lnRef idx="1">
+              <a:schemeClr val="accent4"/>
+            </a:lnRef>
+            <a:fillRef idx="2">
+              <a:schemeClr val="accent4"/>
+            </a:fillRef>
+            <a:effectRef idx="1">
+              <a:schemeClr val="accent4"/>
+            </a:effectRef>
+            <a:fontRef idx="minor">
+              <a:schemeClr val="dk1"/>
+            </a:fontRef>
+          </p:style>
+          <p:txBody>
+            <a:bodyPr rtlCol="0" anchor="ctr"/>
+            <a:lstStyle/>
+            <a:p>
+              <a:pPr algn="ctr"/>
+              <a:endParaRPr lang="de-DE">
+                <a:solidFill>
+                  <a:srgbClr val="000000"/>
+                </a:solidFill>
+              </a:endParaRPr>
+            </a:p>
+          </p:txBody>
+        </p:sp>
+        <p:sp>
+          <p:nvSpPr>
+            <p:cNvPr id="27" name="Textfeld 26"/>
+            <p:cNvSpPr txBox="1"/>
+            <p:nvPr/>
+          </p:nvSpPr>
+          <p:spPr>
+            <a:xfrm>
+              <a:off x="5123633" y="6032324"/>
+              <a:ext cx="840295" cy="276999"/>
+            </a:xfrm>
+            <a:prstGeom prst="rect">
+              <a:avLst/>
+            </a:prstGeom>
+          </p:spPr>
+          <p:style>
+            <a:lnRef idx="2">
+              <a:schemeClr val="accent3"/>
+            </a:lnRef>
+            <a:fillRef idx="1">
+              <a:schemeClr val="lt1"/>
+            </a:fillRef>
+            <a:effectRef idx="0">
+              <a:schemeClr val="accent3"/>
+            </a:effectRef>
+            <a:fontRef idx="minor">
+              <a:schemeClr val="dk1"/>
+            </a:fontRef>
+          </p:style>
+          <p:txBody>
+            <a:bodyPr wrap="none" rtlCol="0">
+              <a:spAutoFit/>
+            </a:bodyPr>
+            <a:lstStyle/>
+            <a:p>
+              <a:r>
+                <a:rPr lang="en-US" sz="1200" dirty="0" err="1" smtClean="0">
+                  <a:solidFill>
+                    <a:srgbClr val="000000"/>
+                  </a:solidFill>
+                </a:rPr>
+                <a:t>Probleme</a:t>
+              </a:r>
+              <a:endParaRPr lang="en-US" sz="1200" dirty="0" smtClean="0">
+                <a:solidFill>
+                  <a:srgbClr val="000000"/>
+                </a:solidFill>
+              </a:endParaRPr>
+            </a:p>
+          </p:txBody>
+        </p:sp>
+        <p:sp>
+          <p:nvSpPr>
+            <p:cNvPr id="28" name="Eingekerbter Richtungspfeil 27"/>
+            <p:cNvSpPr/>
+            <p:nvPr/>
+          </p:nvSpPr>
+          <p:spPr>
+            <a:xfrm>
+              <a:off x="7692936" y="6091577"/>
+              <a:ext cx="158496" cy="158496"/>
+            </a:xfrm>
+            <a:prstGeom prst="chevron">
+              <a:avLst/>
+            </a:prstGeom>
+          </p:spPr>
+          <p:style>
+            <a:lnRef idx="1">
+              <a:schemeClr val="accent4"/>
+            </a:lnRef>
+            <a:fillRef idx="2">
+              <a:schemeClr val="accent4"/>
+            </a:fillRef>
+            <a:effectRef idx="1">
+              <a:schemeClr val="accent4"/>
+            </a:effectRef>
+            <a:fontRef idx="minor">
+              <a:schemeClr val="dk1"/>
+            </a:fontRef>
+          </p:style>
+          <p:txBody>
+            <a:bodyPr rtlCol="0" anchor="ctr"/>
+            <a:lstStyle/>
+            <a:p>
+              <a:pPr algn="ctr"/>
+              <a:endParaRPr lang="de-DE">
+                <a:solidFill>
+                  <a:srgbClr val="000000"/>
+                </a:solidFill>
+              </a:endParaRPr>
+            </a:p>
+          </p:txBody>
+        </p:sp>
+        <p:cxnSp>
+          <p:nvCxnSpPr>
+            <p:cNvPr id="29" name="Gerade Verbindung 28"/>
+            <p:cNvCxnSpPr/>
+            <p:nvPr/>
+          </p:nvCxnSpPr>
+          <p:spPr>
+            <a:xfrm>
+              <a:off x="25400" y="5986694"/>
+              <a:ext cx="9072000" cy="1588"/>
+            </a:xfrm>
+            <a:prstGeom prst="line">
+              <a:avLst/>
+            </a:prstGeom>
+            <a:ln w="41275">
+              <a:solidFill>
+                <a:schemeClr val="accent3">
+                  <a:lumMod val="85000"/>
+                </a:schemeClr>
+              </a:solidFill>
+            </a:ln>
+          </p:spPr>
+          <p:style>
+            <a:lnRef idx="1">
+              <a:schemeClr val="accent1"/>
+            </a:lnRef>
+            <a:fillRef idx="0">
+              <a:schemeClr val="accent1"/>
+            </a:fillRef>
+            <a:effectRef idx="0">
+              <a:schemeClr val="accent1"/>
+            </a:effectRef>
+            <a:fontRef idx="minor">
+              <a:schemeClr val="tx1"/>
+            </a:fontRef>
+          </p:style>
+        </p:cxnSp>
+        <p:sp>
+          <p:nvSpPr>
+            <p:cNvPr id="30" name="Eingekerbter Richtungspfeil 29"/>
+            <p:cNvSpPr/>
+            <p:nvPr/>
+          </p:nvSpPr>
+          <p:spPr>
+            <a:xfrm>
+              <a:off x="6189701" y="6091576"/>
+              <a:ext cx="158496" cy="158496"/>
+            </a:xfrm>
+            <a:prstGeom prst="chevron">
+              <a:avLst/>
+            </a:prstGeom>
+          </p:spPr>
+          <p:style>
+            <a:lnRef idx="1">
+              <a:schemeClr val="accent4"/>
+            </a:lnRef>
+            <a:fillRef idx="2">
+              <a:schemeClr val="accent4"/>
+            </a:fillRef>
+            <a:effectRef idx="1">
+              <a:schemeClr val="accent4"/>
+            </a:effectRef>
+            <a:fontRef idx="minor">
+              <a:schemeClr val="dk1"/>
+            </a:fontRef>
+          </p:style>
+          <p:txBody>
+            <a:bodyPr rtlCol="0" anchor="ctr"/>
+            <a:lstStyle/>
+            <a:p>
+              <a:pPr algn="ctr"/>
+              <a:endParaRPr lang="de-DE">
+                <a:solidFill>
+                  <a:srgbClr val="000000"/>
+                </a:solidFill>
+              </a:endParaRPr>
+            </a:p>
+          </p:txBody>
+        </p:sp>
+      </p:grpSp>
+      <p:pic>
+        <p:nvPicPr>
+          <p:cNvPr id="5" name="Grafik 4"/>
+          <p:cNvPicPr>
+            <a:picLocks noChangeAspect="1"/>
+          </p:cNvPicPr>
+          <p:nvPr/>
+        </p:nvPicPr>
+        <p:blipFill>
+          <a:blip r:embed="rId3">
+            <a:extLst>
+              <a:ext uri="{28A0092B-C50C-407E-A947-70E740481C1C}">
+                <a14:useLocalDpi xmlns:a14="http://schemas.microsoft.com/office/drawing/2010/main" val="0"/>
+              </a:ext>
+            </a:extLst>
+          </a:blip>
+          <a:stretch>
+            <a:fillRect/>
+          </a:stretch>
+        </p:blipFill>
+        <p:spPr>
+          <a:xfrm>
+            <a:off x="457200" y="1062558"/>
+            <a:ext cx="6553200" cy="4804842"/>
+          </a:xfrm>
+          <a:prstGeom prst="rect">
+            <a:avLst/>
+          </a:prstGeom>
+        </p:spPr>
+      </p:pic>
+    </p:spTree>
+    <p:extLst>
+      <p:ext uri="{BB962C8B-B14F-4D97-AF65-F5344CB8AC3E}">
+        <p14:creationId xmlns:p14="http://schemas.microsoft.com/office/powerpoint/2010/main" val="3140857343"/>
+      </p:ext>
+    </p:extLst>
+  </p:cSld>
+  <p:clrMapOvr>
+    <a:masterClrMapping/>
+  </p:clrMapOvr>
+  <p:timing>
+    <p:tnLst>
+      <p:par>
+        <p:cTn id="1" dur="indefinite" restart="never" nodeType="tmRoot"/>
+      </p:par>
+    </p:tnLst>
+  </p:timing>
+</p:sld>
+</file>
+
+<file path=ppt/slides/slide16.xml><?xml version="1.0" encoding="utf-8"?>
 <p:sld xmlns:a="http://schemas.openxmlformats.org/drawingml/2006/main" xmlns:r="http://schemas.openxmlformats.org/officeDocument/2006/relationships" xmlns:p="http://schemas.openxmlformats.org/presentationml/2006/main">
   <p:cSld>
     <p:spTree>
@@ -17522,7 +21749,7 @@
 </p:sld>
 </file>
 
-<file path=ppt/slides/slide16.xml><?xml version="1.0" encoding="utf-8"?>
+<file path=ppt/slides/slide17.xml><?xml version="1.0" encoding="utf-8"?>
 <p:sld xmlns:a="http://schemas.openxmlformats.org/drawingml/2006/main" xmlns:r="http://schemas.openxmlformats.org/officeDocument/2006/relationships" xmlns:p="http://schemas.openxmlformats.org/presentationml/2006/main">
   <p:cSld>
     <p:spTree>
@@ -17579,15 +21806,15 @@
           <a:p>
             <a:r>
               <a:rPr lang="de-DE" dirty="0" smtClean="0"/>
-              <a:t>5895 Lines </a:t>
-            </a:r>
-            <a:r>
-              <a:rPr lang="de-DE" dirty="0" err="1" smtClean="0"/>
-              <a:t>of</a:t>
+              <a:t>5895 </a:t>
             </a:r>
             <a:r>
               <a:rPr lang="de-DE" dirty="0" smtClean="0"/>
-              <a:t> Python Code </a:t>
+              <a:t>Zeilen Python </a:t>
+            </a:r>
+            <a:r>
+              <a:rPr lang="de-DE" dirty="0" smtClean="0"/>
+              <a:t>Code </a:t>
             </a:r>
             <a:r>
               <a:rPr lang="de-DE" sz="2400" dirty="0" smtClean="0"/>
@@ -18254,7 +22481,7 @@
 </p:sld>
 </file>
 
-<file path=ppt/slides/slide17.xml><?xml version="1.0" encoding="utf-8"?>
+<file path=ppt/slides/slide18.xml><?xml version="1.0" encoding="utf-8"?>
 <p:sld xmlns:a="http://schemas.openxmlformats.org/drawingml/2006/main" xmlns:r="http://schemas.openxmlformats.org/officeDocument/2006/relationships" xmlns:p="http://schemas.openxmlformats.org/presentationml/2006/main">
   <p:cSld>
     <p:spTree>
@@ -18947,7 +23174,7 @@
 </p:sld>
 </file>
 
-<file path=ppt/slides/slide18.xml><?xml version="1.0" encoding="utf-8"?>
+<file path=ppt/slides/slide19.xml><?xml version="1.0" encoding="utf-8"?>
 <p:sld xmlns:a="http://schemas.openxmlformats.org/drawingml/2006/main" xmlns:r="http://schemas.openxmlformats.org/officeDocument/2006/relationships" xmlns:p="http://schemas.openxmlformats.org/presentationml/2006/main">
   <p:cSld>
     <p:spTree>
@@ -19849,7 +24076,179 @@
 </p:sld>
 </file>
 
-<file path=ppt/slides/slide19.xml><?xml version="1.0" encoding="utf-8"?>
+<file path=ppt/slides/slide2.xml><?xml version="1.0" encoding="utf-8"?>
+<p:sld xmlns:a="http://schemas.openxmlformats.org/drawingml/2006/main" xmlns:r="http://schemas.openxmlformats.org/officeDocument/2006/relationships" xmlns:p="http://schemas.openxmlformats.org/presentationml/2006/main">
+  <p:cSld>
+    <p:spTree>
+      <p:nvGrpSpPr>
+        <p:cNvPr id="1" name=""/>
+        <p:cNvGrpSpPr/>
+        <p:nvPr/>
+      </p:nvGrpSpPr>
+      <p:grpSpPr>
+        <a:xfrm>
+          <a:off x="0" y="0"/>
+          <a:ext cx="0" cy="0"/>
+          <a:chOff x="0" y="0"/>
+          <a:chExt cx="0" cy="0"/>
+        </a:xfrm>
+      </p:grpSpPr>
+      <p:sp>
+        <p:nvSpPr>
+          <p:cNvPr id="4" name="Fußzeilenplatzhalter 3"/>
+          <p:cNvSpPr>
+            <a:spLocks noGrp="1"/>
+          </p:cNvSpPr>
+          <p:nvPr>
+            <p:ph type="ftr" sz="quarter" idx="4294967295"/>
+          </p:nvPr>
+        </p:nvSpPr>
+        <p:spPr>
+          <a:xfrm>
+            <a:off x="1288027" y="6445250"/>
+            <a:ext cx="4542502" cy="360363"/>
+          </a:xfrm>
+        </p:spPr>
+        <p:txBody>
+          <a:bodyPr/>
+          <a:lstStyle/>
+          <a:p>
+            <a:r>
+              <a:rPr lang="de-DE" dirty="0" err="1">
+                <a:solidFill>
+                  <a:srgbClr val="000000"/>
+                </a:solidFill>
+              </a:rPr>
+              <a:t>Advanced</a:t>
+            </a:r>
+            <a:r>
+              <a:rPr lang="de-DE" dirty="0">
+                <a:solidFill>
+                  <a:srgbClr val="000000"/>
+                </a:solidFill>
+              </a:rPr>
+              <a:t> ROS Network </a:t>
+            </a:r>
+            <a:r>
+              <a:rPr lang="de-DE" dirty="0" err="1">
+                <a:solidFill>
+                  <a:srgbClr val="000000"/>
+                </a:solidFill>
+              </a:rPr>
+              <a:t>Introspection</a:t>
+            </a:r>
+            <a:endParaRPr lang="de-DE" dirty="0">
+              <a:solidFill>
+                <a:srgbClr val="000000"/>
+              </a:solidFill>
+            </a:endParaRPr>
+          </a:p>
+        </p:txBody>
+      </p:sp>
+      <p:sp>
+        <p:nvSpPr>
+          <p:cNvPr id="2" name="Inhaltsplatzhalter 1"/>
+          <p:cNvSpPr>
+            <a:spLocks noGrp="1"/>
+          </p:cNvSpPr>
+          <p:nvPr>
+            <p:ph idx="1"/>
+          </p:nvPr>
+        </p:nvSpPr>
+        <p:spPr/>
+        <p:txBody>
+          <a:bodyPr/>
+          <a:lstStyle/>
+          <a:p>
+            <a:r>
+              <a:rPr lang="de-DE" dirty="0" smtClean="0"/>
+              <a:t>Motivation</a:t>
+            </a:r>
+          </a:p>
+          <a:p>
+            <a:r>
+              <a:rPr lang="de-DE" dirty="0" smtClean="0"/>
+              <a:t>Funktionsweise</a:t>
+            </a:r>
+          </a:p>
+          <a:p>
+            <a:r>
+              <a:rPr lang="de-DE" dirty="0" smtClean="0"/>
+              <a:t>Live Demo</a:t>
+            </a:r>
+          </a:p>
+          <a:p>
+            <a:r>
+              <a:rPr lang="de-DE" dirty="0" smtClean="0"/>
+              <a:t>Probleme</a:t>
+            </a:r>
+          </a:p>
+          <a:p>
+            <a:r>
+              <a:rPr lang="de-DE" dirty="0" smtClean="0"/>
+              <a:t>Statistiken</a:t>
+            </a:r>
+          </a:p>
+          <a:p>
+            <a:r>
+              <a:rPr lang="de-DE" dirty="0" smtClean="0"/>
+              <a:t>Fazit</a:t>
+            </a:r>
+            <a:endParaRPr lang="de-DE" dirty="0"/>
+          </a:p>
+        </p:txBody>
+      </p:sp>
+      <p:sp>
+        <p:nvSpPr>
+          <p:cNvPr id="3" name="Textfeld 2"/>
+          <p:cNvSpPr txBox="1"/>
+          <p:nvPr/>
+        </p:nvSpPr>
+        <p:spPr>
+          <a:xfrm>
+            <a:off x="304800" y="381000"/>
+            <a:ext cx="3505200" cy="769441"/>
+          </a:xfrm>
+          <a:prstGeom prst="rect">
+            <a:avLst/>
+          </a:prstGeom>
+          <a:noFill/>
+        </p:spPr>
+        <p:txBody>
+          <a:bodyPr wrap="square" rtlCol="0">
+            <a:spAutoFit/>
+          </a:bodyPr>
+          <a:lstStyle/>
+          <a:p>
+            <a:r>
+              <a:rPr lang="de-DE" sz="4400" b="1" dirty="0" smtClean="0"/>
+              <a:t>Gliederung</a:t>
+            </a:r>
+            <a:endParaRPr lang="de-DE" sz="4400" b="1" dirty="0"/>
+          </a:p>
+        </p:txBody>
+      </p:sp>
+    </p:spTree>
+    <p:extLst>
+      <p:ext uri="{BB962C8B-B14F-4D97-AF65-F5344CB8AC3E}">
+        <p14:creationId xmlns:p14="http://schemas.microsoft.com/office/powerpoint/2010/main" val="2036423911"/>
+      </p:ext>
+    </p:extLst>
+  </p:cSld>
+  <p:clrMapOvr>
+    <a:masterClrMapping/>
+  </p:clrMapOvr>
+  <p:timing>
+    <p:tnLst>
+      <p:par>
+        <p:cTn id="1" dur="indefinite" restart="never" nodeType="tmRoot"/>
+      </p:par>
+    </p:tnLst>
+  </p:timing>
+</p:sld>
+</file>
+
+<file path=ppt/slides/slide20.xml><?xml version="1.0" encoding="utf-8"?>
 <p:sld xmlns:a="http://schemas.openxmlformats.org/drawingml/2006/main" xmlns:r="http://schemas.openxmlformats.org/officeDocument/2006/relationships" xmlns:p="http://schemas.openxmlformats.org/presentationml/2006/main">
   <p:cSld>
     <p:spTree>
@@ -20634,179 +25033,7 @@
 </p:sld>
 </file>
 
-<file path=ppt/slides/slide2.xml><?xml version="1.0" encoding="utf-8"?>
-<p:sld xmlns:a="http://schemas.openxmlformats.org/drawingml/2006/main" xmlns:r="http://schemas.openxmlformats.org/officeDocument/2006/relationships" xmlns:p="http://schemas.openxmlformats.org/presentationml/2006/main">
-  <p:cSld>
-    <p:spTree>
-      <p:nvGrpSpPr>
-        <p:cNvPr id="1" name=""/>
-        <p:cNvGrpSpPr/>
-        <p:nvPr/>
-      </p:nvGrpSpPr>
-      <p:grpSpPr>
-        <a:xfrm>
-          <a:off x="0" y="0"/>
-          <a:ext cx="0" cy="0"/>
-          <a:chOff x="0" y="0"/>
-          <a:chExt cx="0" cy="0"/>
-        </a:xfrm>
-      </p:grpSpPr>
-      <p:sp>
-        <p:nvSpPr>
-          <p:cNvPr id="4" name="Fußzeilenplatzhalter 3"/>
-          <p:cNvSpPr>
-            <a:spLocks noGrp="1"/>
-          </p:cNvSpPr>
-          <p:nvPr>
-            <p:ph type="ftr" sz="quarter" idx="4294967295"/>
-          </p:nvPr>
-        </p:nvSpPr>
-        <p:spPr>
-          <a:xfrm>
-            <a:off x="1288027" y="6445250"/>
-            <a:ext cx="4542502" cy="360363"/>
-          </a:xfrm>
-        </p:spPr>
-        <p:txBody>
-          <a:bodyPr/>
-          <a:lstStyle/>
-          <a:p>
-            <a:r>
-              <a:rPr lang="de-DE" dirty="0" err="1">
-                <a:solidFill>
-                  <a:srgbClr val="000000"/>
-                </a:solidFill>
-              </a:rPr>
-              <a:t>Advanced</a:t>
-            </a:r>
-            <a:r>
-              <a:rPr lang="de-DE" dirty="0">
-                <a:solidFill>
-                  <a:srgbClr val="000000"/>
-                </a:solidFill>
-              </a:rPr>
-              <a:t> ROS Network </a:t>
-            </a:r>
-            <a:r>
-              <a:rPr lang="de-DE" dirty="0" err="1">
-                <a:solidFill>
-                  <a:srgbClr val="000000"/>
-                </a:solidFill>
-              </a:rPr>
-              <a:t>Introspection</a:t>
-            </a:r>
-            <a:endParaRPr lang="de-DE" dirty="0">
-              <a:solidFill>
-                <a:srgbClr val="000000"/>
-              </a:solidFill>
-            </a:endParaRPr>
-          </a:p>
-        </p:txBody>
-      </p:sp>
-      <p:sp>
-        <p:nvSpPr>
-          <p:cNvPr id="2" name="Inhaltsplatzhalter 1"/>
-          <p:cNvSpPr>
-            <a:spLocks noGrp="1"/>
-          </p:cNvSpPr>
-          <p:nvPr>
-            <p:ph idx="1"/>
-          </p:nvPr>
-        </p:nvSpPr>
-        <p:spPr/>
-        <p:txBody>
-          <a:bodyPr/>
-          <a:lstStyle/>
-          <a:p>
-            <a:r>
-              <a:rPr lang="de-DE" dirty="0" smtClean="0"/>
-              <a:t>Motivation</a:t>
-            </a:r>
-          </a:p>
-          <a:p>
-            <a:r>
-              <a:rPr lang="de-DE" dirty="0" smtClean="0"/>
-              <a:t>Funktionsweise</a:t>
-            </a:r>
-          </a:p>
-          <a:p>
-            <a:r>
-              <a:rPr lang="de-DE" dirty="0" smtClean="0"/>
-              <a:t>Live Demo</a:t>
-            </a:r>
-          </a:p>
-          <a:p>
-            <a:r>
-              <a:rPr lang="de-DE" dirty="0" smtClean="0"/>
-              <a:t>Probleme</a:t>
-            </a:r>
-          </a:p>
-          <a:p>
-            <a:r>
-              <a:rPr lang="de-DE" dirty="0" smtClean="0"/>
-              <a:t>Statistiken</a:t>
-            </a:r>
-          </a:p>
-          <a:p>
-            <a:r>
-              <a:rPr lang="de-DE" dirty="0" smtClean="0"/>
-              <a:t>Fazit</a:t>
-            </a:r>
-            <a:endParaRPr lang="de-DE" dirty="0"/>
-          </a:p>
-        </p:txBody>
-      </p:sp>
-      <p:sp>
-        <p:nvSpPr>
-          <p:cNvPr id="3" name="Textfeld 2"/>
-          <p:cNvSpPr txBox="1"/>
-          <p:nvPr/>
-        </p:nvSpPr>
-        <p:spPr>
-          <a:xfrm>
-            <a:off x="304800" y="381000"/>
-            <a:ext cx="3505200" cy="769441"/>
-          </a:xfrm>
-          <a:prstGeom prst="rect">
-            <a:avLst/>
-          </a:prstGeom>
-          <a:noFill/>
-        </p:spPr>
-        <p:txBody>
-          <a:bodyPr wrap="square" rtlCol="0">
-            <a:spAutoFit/>
-          </a:bodyPr>
-          <a:lstStyle/>
-          <a:p>
-            <a:r>
-              <a:rPr lang="de-DE" sz="4400" b="1" dirty="0" smtClean="0"/>
-              <a:t>Gliederung</a:t>
-            </a:r>
-            <a:endParaRPr lang="de-DE" sz="4400" b="1" dirty="0"/>
-          </a:p>
-        </p:txBody>
-      </p:sp>
-    </p:spTree>
-    <p:extLst>
-      <p:ext uri="{BB962C8B-B14F-4D97-AF65-F5344CB8AC3E}">
-        <p14:creationId xmlns:p14="http://schemas.microsoft.com/office/powerpoint/2010/main" val="2036423911"/>
-      </p:ext>
-    </p:extLst>
-  </p:cSld>
-  <p:clrMapOvr>
-    <a:masterClrMapping/>
-  </p:clrMapOvr>
-  <p:timing>
-    <p:tnLst>
-      <p:par>
-        <p:cTn id="1" dur="indefinite" restart="never" nodeType="tmRoot"/>
-      </p:par>
-    </p:tnLst>
-  </p:timing>
-</p:sld>
-</file>
-
-<file path=ppt/slides/slide20.xml><?xml version="1.0" encoding="utf-8"?>
+<file path=ppt/slides/slide21.xml><?xml version="1.0" encoding="utf-8"?>
 <p:sld xmlns:a="http://schemas.openxmlformats.org/drawingml/2006/main" xmlns:r="http://schemas.openxmlformats.org/officeDocument/2006/relationships" xmlns:p="http://schemas.openxmlformats.org/presentationml/2006/main">
   <p:cSld>
     <p:spTree>
@@ -24844,11 +29071,7 @@
           <a:p>
             <a:r>
               <a:rPr lang="de-DE" dirty="0" smtClean="0"/>
-              <a:t>Dezentrale Erfassung </a:t>
-            </a:r>
-            <a:r>
-              <a:rPr lang="de-DE" dirty="0" smtClean="0"/>
-              <a:t>des Systemzustandes</a:t>
+              <a:t>Dezentrale Erfassung des Systemzustandes</a:t>
             </a:r>
           </a:p>
           <a:p>
@@ -27010,9 +31233,9 @@
 </file>
 
 <file path=ppt/theme/theme2.xml><?xml version="1.0" encoding="utf-8"?>
-<a:theme xmlns:a="http://schemas.openxmlformats.org/drawingml/2006/main" name="Larissa">
+<a:theme xmlns:a="http://schemas.openxmlformats.org/drawingml/2006/main" name="1_KIT-Masterslides-EN-SDQ">
   <a:themeElements>
-    <a:clrScheme name="">
+    <a:clrScheme name="Standarddesign 1">
       <a:dk1>
         <a:srgbClr val="000000"/>
       </a:dk1>
@@ -27023,13 +31246,13 @@
         <a:srgbClr val="000000"/>
       </a:dk2>
       <a:lt2>
-        <a:srgbClr val="808080"/>
+        <a:srgbClr val="D9D9D9"/>
       </a:lt2>
       <a:accent1>
-        <a:srgbClr val="BBE0E3"/>
+        <a:srgbClr val="009682"/>
       </a:accent1>
       <a:accent2>
-        <a:srgbClr val="333399"/>
+        <a:srgbClr val="4664AA"/>
       </a:accent2>
       <a:accent3>
         <a:srgbClr val="FFFFFF"/>
@@ -27038,88 +31261,28 @@
         <a:srgbClr val="000000"/>
       </a:accent4>
       <a:accent5>
-        <a:srgbClr val="DAEDEF"/>
+        <a:srgbClr val="AAC9C1"/>
       </a:accent5>
       <a:accent6>
-        <a:srgbClr val="2D2D8A"/>
+        <a:srgbClr val="3F5A9A"/>
       </a:accent6>
       <a:hlink>
-        <a:srgbClr val="009999"/>
+        <a:srgbClr val="808080"/>
       </a:hlink>
       <a:folHlink>
-        <a:srgbClr val="99CC00"/>
+        <a:srgbClr val="7D92C3"/>
       </a:folHlink>
     </a:clrScheme>
-    <a:fontScheme name="Larissa">
+    <a:fontScheme name="Standarddesign">
       <a:majorFont>
-        <a:latin typeface="Calibri"/>
+        <a:latin typeface="Arial"/>
         <a:ea typeface=""/>
         <a:cs typeface=""/>
-        <a:font script="Jpan" typeface="ＭＳ Ｐゴシック"/>
-        <a:font script="Hang" typeface="맑은 고딕"/>
-        <a:font script="Hans" typeface="宋体"/>
-        <a:font script="Hant" typeface="新細明體"/>
-        <a:font script="Arab" typeface="Times New Roman"/>
-        <a:font script="Hebr" typeface="Times New Roman"/>
-        <a:font script="Thai" typeface="Angsana New"/>
-        <a:font script="Ethi" typeface="Nyala"/>
-        <a:font script="Beng" typeface="Vrinda"/>
-        <a:font script="Gujr" typeface="Shruti"/>
-        <a:font script="Khmr" typeface="MoolBoran"/>
-        <a:font script="Knda" typeface="Tunga"/>
-        <a:font script="Guru" typeface="Raavi"/>
-        <a:font script="Cans" typeface="Euphemia"/>
-        <a:font script="Cher" typeface="Plantagenet Cherokee"/>
-        <a:font script="Yiii" typeface="Microsoft Yi Baiti"/>
-        <a:font script="Tibt" typeface="Microsoft Himalaya"/>
-        <a:font script="Thaa" typeface="MV Boli"/>
-        <a:font script="Deva" typeface="Mangal"/>
-        <a:font script="Telu" typeface="Gautami"/>
-        <a:font script="Taml" typeface="Latha"/>
-        <a:font script="Syrc" typeface="Estrangelo Edessa"/>
-        <a:font script="Orya" typeface="Kalinga"/>
-        <a:font script="Mlym" typeface="Kartika"/>
-        <a:font script="Laoo" typeface="DokChampa"/>
-        <a:font script="Sinh" typeface="Iskoola Pota"/>
-        <a:font script="Mong" typeface="Mongolian Baiti"/>
-        <a:font script="Viet" typeface="Times New Roman"/>
-        <a:font script="Uigh" typeface="Microsoft Uighur"/>
-        <a:font script="Geor" typeface="Sylfaen"/>
       </a:majorFont>
       <a:minorFont>
-        <a:latin typeface="Calibri"/>
+        <a:latin typeface="Arial"/>
         <a:ea typeface=""/>
         <a:cs typeface=""/>
-        <a:font script="Jpan" typeface="ＭＳ Ｐゴシック"/>
-        <a:font script="Hang" typeface="맑은 고딕"/>
-        <a:font script="Hans" typeface="宋体"/>
-        <a:font script="Hant" typeface="新細明體"/>
-        <a:font script="Arab" typeface="Arial"/>
-        <a:font script="Hebr" typeface="Arial"/>
-        <a:font script="Thai" typeface="Cordia New"/>
-        <a:font script="Ethi" typeface="Nyala"/>
-        <a:font script="Beng" typeface="Vrinda"/>
-        <a:font script="Gujr" typeface="Shruti"/>
-        <a:font script="Khmr" typeface="DaunPenh"/>
-        <a:font script="Knda" typeface="Tunga"/>
-        <a:font script="Guru" typeface="Raavi"/>
-        <a:font script="Cans" typeface="Euphemia"/>
-        <a:font script="Cher" typeface="Plantagenet Cherokee"/>
-        <a:font script="Yiii" typeface="Microsoft Yi Baiti"/>
-        <a:font script="Tibt" typeface="Microsoft Himalaya"/>
-        <a:font script="Thaa" typeface="MV Boli"/>
-        <a:font script="Deva" typeface="Mangal"/>
-        <a:font script="Telu" typeface="Gautami"/>
-        <a:font script="Taml" typeface="Latha"/>
-        <a:font script="Syrc" typeface="Estrangelo Edessa"/>
-        <a:font script="Orya" typeface="Kalinga"/>
-        <a:font script="Mlym" typeface="Kartika"/>
-        <a:font script="Laoo" typeface="DokChampa"/>
-        <a:font script="Sinh" typeface="Iskoola Pota"/>
-        <a:font script="Mong" typeface="Mongolian Baiti"/>
-        <a:font script="Viet" typeface="Arial"/>
-        <a:font script="Uigh" typeface="Microsoft Uighur"/>
-        <a:font script="Geor" typeface="Sylfaen"/>
       </a:minorFont>
     </a:fontScheme>
     <a:fmtScheme name="Larissa">
@@ -27290,7 +31453,49 @@
     </a:fmtScheme>
   </a:themeElements>
   <a:objectDefaults/>
-  <a:extraClrSchemeLst/>
+  <a:extraClrSchemeLst>
+    <a:extraClrScheme>
+      <a:clrScheme name="Standarddesign 1">
+        <a:dk1>
+          <a:srgbClr val="000000"/>
+        </a:dk1>
+        <a:lt1>
+          <a:srgbClr val="FFFFFF"/>
+        </a:lt1>
+        <a:dk2>
+          <a:srgbClr val="000000"/>
+        </a:dk2>
+        <a:lt2>
+          <a:srgbClr val="D9D9D9"/>
+        </a:lt2>
+        <a:accent1>
+          <a:srgbClr val="009682"/>
+        </a:accent1>
+        <a:accent2>
+          <a:srgbClr val="4664AA"/>
+        </a:accent2>
+        <a:accent3>
+          <a:srgbClr val="FFFFFF"/>
+        </a:accent3>
+        <a:accent4>
+          <a:srgbClr val="000000"/>
+        </a:accent4>
+        <a:accent5>
+          <a:srgbClr val="AAC9C1"/>
+        </a:accent5>
+        <a:accent6>
+          <a:srgbClr val="3F5A9A"/>
+        </a:accent6>
+        <a:hlink>
+          <a:srgbClr val="808080"/>
+        </a:hlink>
+        <a:folHlink>
+          <a:srgbClr val="7D92C3"/>
+        </a:folHlink>
+      </a:clrScheme>
+      <a:clrMap bg1="lt1" tx1="dk1" bg2="lt2" tx2="dk2" accent1="accent1" accent2="accent2" accent3="accent3" accent4="accent4" accent5="accent5" accent6="accent6" hlink="hlink" folHlink="folHlink"/>
+    </a:extraClrScheme>
+  </a:extraClrSchemeLst>
 </a:theme>
 </file>
 
@@ -27577,4 +31782,289 @@
   <a:objectDefaults/>
   <a:extraClrSchemeLst/>
 </a:theme>
+</file>
+
+<file path=ppt/theme/theme4.xml><?xml version="1.0" encoding="utf-8"?>
+<a:theme xmlns:a="http://schemas.openxmlformats.org/drawingml/2006/main" name="Larissa">
+  <a:themeElements>
+    <a:clrScheme name="">
+      <a:dk1>
+        <a:srgbClr val="000000"/>
+      </a:dk1>
+      <a:lt1>
+        <a:srgbClr val="FFFFFF"/>
+      </a:lt1>
+      <a:dk2>
+        <a:srgbClr val="000000"/>
+      </a:dk2>
+      <a:lt2>
+        <a:srgbClr val="808080"/>
+      </a:lt2>
+      <a:accent1>
+        <a:srgbClr val="BBE0E3"/>
+      </a:accent1>
+      <a:accent2>
+        <a:srgbClr val="333399"/>
+      </a:accent2>
+      <a:accent3>
+        <a:srgbClr val="FFFFFF"/>
+      </a:accent3>
+      <a:accent4>
+        <a:srgbClr val="000000"/>
+      </a:accent4>
+      <a:accent5>
+        <a:srgbClr val="DAEDEF"/>
+      </a:accent5>
+      <a:accent6>
+        <a:srgbClr val="2D2D8A"/>
+      </a:accent6>
+      <a:hlink>
+        <a:srgbClr val="009999"/>
+      </a:hlink>
+      <a:folHlink>
+        <a:srgbClr val="99CC00"/>
+      </a:folHlink>
+    </a:clrScheme>
+    <a:fontScheme name="Larissa">
+      <a:majorFont>
+        <a:latin typeface="Calibri"/>
+        <a:ea typeface=""/>
+        <a:cs typeface=""/>
+        <a:font script="Jpan" typeface="ＭＳ Ｐゴシック"/>
+        <a:font script="Hang" typeface="맑은 고딕"/>
+        <a:font script="Hans" typeface="宋体"/>
+        <a:font script="Hant" typeface="新細明體"/>
+        <a:font script="Arab" typeface="Times New Roman"/>
+        <a:font script="Hebr" typeface="Times New Roman"/>
+        <a:font script="Thai" typeface="Angsana New"/>
+        <a:font script="Ethi" typeface="Nyala"/>
+        <a:font script="Beng" typeface="Vrinda"/>
+        <a:font script="Gujr" typeface="Shruti"/>
+        <a:font script="Khmr" typeface="MoolBoran"/>
+        <a:font script="Knda" typeface="Tunga"/>
+        <a:font script="Guru" typeface="Raavi"/>
+        <a:font script="Cans" typeface="Euphemia"/>
+        <a:font script="Cher" typeface="Plantagenet Cherokee"/>
+        <a:font script="Yiii" typeface="Microsoft Yi Baiti"/>
+        <a:font script="Tibt" typeface="Microsoft Himalaya"/>
+        <a:font script="Thaa" typeface="MV Boli"/>
+        <a:font script="Deva" typeface="Mangal"/>
+        <a:font script="Telu" typeface="Gautami"/>
+        <a:font script="Taml" typeface="Latha"/>
+        <a:font script="Syrc" typeface="Estrangelo Edessa"/>
+        <a:font script="Orya" typeface="Kalinga"/>
+        <a:font script="Mlym" typeface="Kartika"/>
+        <a:font script="Laoo" typeface="DokChampa"/>
+        <a:font script="Sinh" typeface="Iskoola Pota"/>
+        <a:font script="Mong" typeface="Mongolian Baiti"/>
+        <a:font script="Viet" typeface="Times New Roman"/>
+        <a:font script="Uigh" typeface="Microsoft Uighur"/>
+        <a:font script="Geor" typeface="Sylfaen"/>
+      </a:majorFont>
+      <a:minorFont>
+        <a:latin typeface="Calibri"/>
+        <a:ea typeface=""/>
+        <a:cs typeface=""/>
+        <a:font script="Jpan" typeface="ＭＳ Ｐゴシック"/>
+        <a:font script="Hang" typeface="맑은 고딕"/>
+        <a:font script="Hans" typeface="宋体"/>
+        <a:font script="Hant" typeface="新細明體"/>
+        <a:font script="Arab" typeface="Arial"/>
+        <a:font script="Hebr" typeface="Arial"/>
+        <a:font script="Thai" typeface="Cordia New"/>
+        <a:font script="Ethi" typeface="Nyala"/>
+        <a:font script="Beng" typeface="Vrinda"/>
+        <a:font script="Gujr" typeface="Shruti"/>
+        <a:font script="Khmr" typeface="DaunPenh"/>
+        <a:font script="Knda" typeface="Tunga"/>
+        <a:font script="Guru" typeface="Raavi"/>
+        <a:font script="Cans" typeface="Euphemia"/>
+        <a:font script="Cher" typeface="Plantagenet Cherokee"/>
+        <a:font script="Yiii" typeface="Microsoft Yi Baiti"/>
+        <a:font script="Tibt" typeface="Microsoft Himalaya"/>
+        <a:font script="Thaa" typeface="MV Boli"/>
+        <a:font script="Deva" typeface="Mangal"/>
+        <a:font script="Telu" typeface="Gautami"/>
+        <a:font script="Taml" typeface="Latha"/>
+        <a:font script="Syrc" typeface="Estrangelo Edessa"/>
+        <a:font script="Orya" typeface="Kalinga"/>
+        <a:font script="Mlym" typeface="Kartika"/>
+        <a:font script="Laoo" typeface="DokChampa"/>
+        <a:font script="Sinh" typeface="Iskoola Pota"/>
+        <a:font script="Mong" typeface="Mongolian Baiti"/>
+        <a:font script="Viet" typeface="Arial"/>
+        <a:font script="Uigh" typeface="Microsoft Uighur"/>
+        <a:font script="Geor" typeface="Sylfaen"/>
+      </a:minorFont>
+    </a:fontScheme>
+    <a:fmtScheme name="Larissa">
+      <a:fillStyleLst>
+        <a:solidFill>
+          <a:schemeClr val="phClr"/>
+        </a:solidFill>
+        <a:gradFill rotWithShape="1">
+          <a:gsLst>
+            <a:gs pos="0">
+              <a:schemeClr val="phClr">
+                <a:tint val="50000"/>
+                <a:satMod val="300000"/>
+              </a:schemeClr>
+            </a:gs>
+            <a:gs pos="35000">
+              <a:schemeClr val="phClr">
+                <a:tint val="37000"/>
+                <a:satMod val="300000"/>
+              </a:schemeClr>
+            </a:gs>
+            <a:gs pos="100000">
+              <a:schemeClr val="phClr">
+                <a:tint val="15000"/>
+                <a:satMod val="350000"/>
+              </a:schemeClr>
+            </a:gs>
+          </a:gsLst>
+          <a:lin ang="16200000" scaled="1"/>
+        </a:gradFill>
+        <a:gradFill rotWithShape="1">
+          <a:gsLst>
+            <a:gs pos="0">
+              <a:schemeClr val="phClr">
+                <a:shade val="51000"/>
+                <a:satMod val="130000"/>
+              </a:schemeClr>
+            </a:gs>
+            <a:gs pos="80000">
+              <a:schemeClr val="phClr">
+                <a:shade val="93000"/>
+                <a:satMod val="130000"/>
+              </a:schemeClr>
+            </a:gs>
+            <a:gs pos="100000">
+              <a:schemeClr val="phClr">
+                <a:shade val="94000"/>
+                <a:satMod val="135000"/>
+              </a:schemeClr>
+            </a:gs>
+          </a:gsLst>
+          <a:lin ang="16200000" scaled="0"/>
+        </a:gradFill>
+      </a:fillStyleLst>
+      <a:lnStyleLst>
+        <a:ln w="9525" cap="flat" cmpd="sng" algn="ctr">
+          <a:solidFill>
+            <a:schemeClr val="phClr">
+              <a:shade val="95000"/>
+              <a:satMod val="105000"/>
+            </a:schemeClr>
+          </a:solidFill>
+          <a:prstDash val="solid"/>
+        </a:ln>
+        <a:ln w="25400" cap="flat" cmpd="sng" algn="ctr">
+          <a:solidFill>
+            <a:schemeClr val="phClr"/>
+          </a:solidFill>
+          <a:prstDash val="solid"/>
+        </a:ln>
+        <a:ln w="38100" cap="flat" cmpd="sng" algn="ctr">
+          <a:solidFill>
+            <a:schemeClr val="phClr"/>
+          </a:solidFill>
+          <a:prstDash val="solid"/>
+        </a:ln>
+      </a:lnStyleLst>
+      <a:effectStyleLst>
+        <a:effectStyle>
+          <a:effectLst>
+            <a:outerShdw blurRad="40000" dist="20000" dir="5400000" rotWithShape="0">
+              <a:srgbClr val="000000">
+                <a:alpha val="38000"/>
+              </a:srgbClr>
+            </a:outerShdw>
+          </a:effectLst>
+        </a:effectStyle>
+        <a:effectStyle>
+          <a:effectLst>
+            <a:outerShdw blurRad="40000" dist="23000" dir="5400000" rotWithShape="0">
+              <a:srgbClr val="000000">
+                <a:alpha val="35000"/>
+              </a:srgbClr>
+            </a:outerShdw>
+          </a:effectLst>
+        </a:effectStyle>
+        <a:effectStyle>
+          <a:effectLst>
+            <a:outerShdw blurRad="40000" dist="23000" dir="5400000" rotWithShape="0">
+              <a:srgbClr val="000000">
+                <a:alpha val="35000"/>
+              </a:srgbClr>
+            </a:outerShdw>
+          </a:effectLst>
+          <a:scene3d>
+            <a:camera prst="orthographicFront">
+              <a:rot lat="0" lon="0" rev="0"/>
+            </a:camera>
+            <a:lightRig rig="threePt" dir="t">
+              <a:rot lat="0" lon="0" rev="1200000"/>
+            </a:lightRig>
+          </a:scene3d>
+          <a:sp3d>
+            <a:bevelT w="63500" h="25400"/>
+          </a:sp3d>
+        </a:effectStyle>
+      </a:effectStyleLst>
+      <a:bgFillStyleLst>
+        <a:solidFill>
+          <a:schemeClr val="phClr"/>
+        </a:solidFill>
+        <a:gradFill rotWithShape="1">
+          <a:gsLst>
+            <a:gs pos="0">
+              <a:schemeClr val="phClr">
+                <a:tint val="40000"/>
+                <a:satMod val="350000"/>
+              </a:schemeClr>
+            </a:gs>
+            <a:gs pos="40000">
+              <a:schemeClr val="phClr">
+                <a:tint val="45000"/>
+                <a:shade val="99000"/>
+                <a:satMod val="350000"/>
+              </a:schemeClr>
+            </a:gs>
+            <a:gs pos="100000">
+              <a:schemeClr val="phClr">
+                <a:shade val="20000"/>
+                <a:satMod val="255000"/>
+              </a:schemeClr>
+            </a:gs>
+          </a:gsLst>
+          <a:path path="circle">
+            <a:fillToRect l="50000" t="-80000" r="50000" b="180000"/>
+          </a:path>
+        </a:gradFill>
+        <a:gradFill rotWithShape="1">
+          <a:gsLst>
+            <a:gs pos="0">
+              <a:schemeClr val="phClr">
+                <a:tint val="80000"/>
+                <a:satMod val="300000"/>
+              </a:schemeClr>
+            </a:gs>
+            <a:gs pos="100000">
+              <a:schemeClr val="phClr">
+                <a:shade val="30000"/>
+                <a:satMod val="200000"/>
+              </a:schemeClr>
+            </a:gs>
+          </a:gsLst>
+          <a:path path="circle">
+            <a:fillToRect l="50000" t="50000" r="50000" b="50000"/>
+          </a:path>
+        </a:gradFill>
+      </a:bgFillStyleLst>
+    </a:fmtScheme>
+  </a:themeElements>
+  <a:objectDefaults/>
+  <a:extraClrSchemeLst/>
+</a:theme>
 </file>